--- a/doc/acl_fiber.pptx
+++ b/doc/acl_fiber.pptx
@@ -5,7 +5,7 @@
     <p:sldMasterId id="2147483648" r:id="rId1"/>
   </p:sldMasterIdLst>
   <p:notesMasterIdLst>
-    <p:notesMasterId r:id="rId31"/>
+    <p:notesMasterId r:id="rId32"/>
   </p:notesMasterIdLst>
   <p:sldIdLst>
     <p:sldId id="256" r:id="rId2"/>
@@ -26,17 +26,18 @@
     <p:sldId id="365" r:id="rId17"/>
     <p:sldId id="374" r:id="rId18"/>
     <p:sldId id="367" r:id="rId19"/>
-    <p:sldId id="368" r:id="rId20"/>
-    <p:sldId id="370" r:id="rId21"/>
-    <p:sldId id="369" r:id="rId22"/>
-    <p:sldId id="364" r:id="rId23"/>
-    <p:sldId id="371" r:id="rId24"/>
-    <p:sldId id="354" r:id="rId25"/>
-    <p:sldId id="373" r:id="rId26"/>
-    <p:sldId id="336" r:id="rId27"/>
-    <p:sldId id="350" r:id="rId28"/>
-    <p:sldId id="376" r:id="rId29"/>
-    <p:sldId id="271" r:id="rId30"/>
+    <p:sldId id="377" r:id="rId20"/>
+    <p:sldId id="368" r:id="rId21"/>
+    <p:sldId id="370" r:id="rId22"/>
+    <p:sldId id="369" r:id="rId23"/>
+    <p:sldId id="364" r:id="rId24"/>
+    <p:sldId id="371" r:id="rId25"/>
+    <p:sldId id="354" r:id="rId26"/>
+    <p:sldId id="373" r:id="rId27"/>
+    <p:sldId id="336" r:id="rId28"/>
+    <p:sldId id="350" r:id="rId29"/>
+    <p:sldId id="376" r:id="rId30"/>
+    <p:sldId id="271" r:id="rId31"/>
   </p:sldIdLst>
   <p:sldSz cx="9144000" cy="6858000" type="screen4x3"/>
   <p:notesSz cx="6858000" cy="9144000"/>
@@ -1403,6 +1404,671 @@
       <dsp:cNvGrpSpPr/>
     </dsp:nvGrpSpPr>
     <dsp:grpSpPr/>
+    <dsp:sp modelId="{4318A6C1-2572-4993-94D0-1212363BA83A}">
+      <dsp:nvSpPr>
+        <dsp:cNvPr id="0" name=""/>
+        <dsp:cNvSpPr/>
+      </dsp:nvSpPr>
+      <dsp:spPr>
+        <a:xfrm>
+          <a:off x="1235281" y="205999"/>
+          <a:ext cx="726813" cy="345952"/>
+        </a:xfrm>
+        <a:prstGeom prst="roundRect">
+          <a:avLst/>
+        </a:prstGeom>
+        <a:solidFill>
+          <a:srgbClr val="00B050"/>
+        </a:solidFill>
+        <a:ln w="25400" cap="flat" cmpd="sng" algn="ctr">
+          <a:solidFill>
+            <a:schemeClr val="lt1">
+              <a:hueOff val="0"/>
+              <a:satOff val="0"/>
+              <a:lumOff val="0"/>
+              <a:alphaOff val="0"/>
+            </a:schemeClr>
+          </a:solidFill>
+          <a:prstDash val="solid"/>
+        </a:ln>
+        <a:effectLst/>
+      </dsp:spPr>
+      <dsp:style>
+        <a:lnRef idx="2">
+          <a:scrgbClr r="0" g="0" b="0"/>
+        </a:lnRef>
+        <a:fillRef idx="1">
+          <a:scrgbClr r="0" g="0" b="0"/>
+        </a:fillRef>
+        <a:effectRef idx="0">
+          <a:scrgbClr r="0" g="0" b="0"/>
+        </a:effectRef>
+        <a:fontRef idx="minor">
+          <a:schemeClr val="lt1"/>
+        </a:fontRef>
+      </dsp:style>
+      <dsp:txBody>
+        <a:bodyPr spcFirstLastPara="0" vert="horz" wrap="square" lIns="60960" tIns="60960" rIns="60960" bIns="60960" numCol="1" spcCol="1270" anchor="ctr" anchorCtr="0">
+          <a:noAutofit/>
+        </a:bodyPr>
+        <a:lstStyle/>
+        <a:p>
+          <a:pPr lvl="0" algn="ctr" defTabSz="711200">
+            <a:lnSpc>
+              <a:spcPct val="90000"/>
+            </a:lnSpc>
+            <a:spcBef>
+              <a:spcPct val="0"/>
+            </a:spcBef>
+            <a:spcAft>
+              <a:spcPct val="35000"/>
+            </a:spcAft>
+          </a:pPr>
+          <a:r>
+            <a:rPr lang="zh-CN" altLang="en-US" sz="1600" b="1" kern="1200" dirty="0" smtClean="0">
+              <a:solidFill>
+                <a:schemeClr val="tx1"/>
+              </a:solidFill>
+            </a:rPr>
+            <a:t>任务</a:t>
+          </a:r>
+          <a:endParaRPr lang="zh-CN" altLang="en-US" sz="1600" b="1" kern="1200" dirty="0">
+            <a:solidFill>
+              <a:schemeClr val="tx1"/>
+            </a:solidFill>
+          </a:endParaRPr>
+        </a:p>
+      </dsp:txBody>
+      <dsp:txXfrm>
+        <a:off x="1252169" y="222887"/>
+        <a:ext cx="693037" cy="312176"/>
+      </dsp:txXfrm>
+    </dsp:sp>
+    <dsp:sp modelId="{136F02D7-E849-4C48-A2B3-3843B3D870BD}">
+      <dsp:nvSpPr>
+        <dsp:cNvPr id="0" name=""/>
+        <dsp:cNvSpPr/>
+      </dsp:nvSpPr>
+      <dsp:spPr>
+        <a:xfrm>
+          <a:off x="398441" y="378975"/>
+          <a:ext cx="2400492" cy="2400492"/>
+        </a:xfrm>
+        <a:custGeom>
+          <a:avLst/>
+          <a:gdLst/>
+          <a:ahLst/>
+          <a:cxnLst/>
+          <a:rect l="0" t="0" r="0" b="0"/>
+          <a:pathLst>
+            <a:path>
+              <a:moveTo>
+                <a:pt x="1735862" y="126139"/>
+              </a:moveTo>
+              <a:arcTo wR="1200246" hR="1200246" stAng="17790222" swAng="1669853"/>
+            </a:path>
+          </a:pathLst>
+        </a:custGeom>
+        <a:noFill/>
+        <a:ln w="9525" cap="flat" cmpd="sng" algn="ctr">
+          <a:solidFill>
+            <a:schemeClr val="accent1">
+              <a:hueOff val="0"/>
+              <a:satOff val="0"/>
+              <a:lumOff val="0"/>
+              <a:alphaOff val="0"/>
+            </a:schemeClr>
+          </a:solidFill>
+          <a:prstDash val="solid"/>
+          <a:tailEnd type="arrow"/>
+        </a:ln>
+        <a:effectLst/>
+      </dsp:spPr>
+      <dsp:style>
+        <a:lnRef idx="1">
+          <a:scrgbClr r="0" g="0" b="0"/>
+        </a:lnRef>
+        <a:fillRef idx="0">
+          <a:scrgbClr r="0" g="0" b="0"/>
+        </a:fillRef>
+        <a:effectRef idx="0">
+          <a:scrgbClr r="0" g="0" b="0"/>
+        </a:effectRef>
+        <a:fontRef idx="minor"/>
+      </dsp:style>
+    </dsp:sp>
+    <dsp:sp modelId="{62291539-01BE-45B4-9E1C-2DE7DAF987B3}">
+      <dsp:nvSpPr>
+        <dsp:cNvPr id="0" name=""/>
+        <dsp:cNvSpPr/>
+      </dsp:nvSpPr>
+      <dsp:spPr>
+        <a:xfrm>
+          <a:off x="2390831" y="1038316"/>
+          <a:ext cx="698715" cy="340018"/>
+        </a:xfrm>
+        <a:prstGeom prst="roundRect">
+          <a:avLst/>
+        </a:prstGeom>
+        <a:solidFill>
+          <a:srgbClr val="00B050"/>
+        </a:solidFill>
+        <a:ln w="25400" cap="flat" cmpd="sng" algn="ctr">
+          <a:solidFill>
+            <a:schemeClr val="lt1">
+              <a:hueOff val="0"/>
+              <a:satOff val="0"/>
+              <a:lumOff val="0"/>
+              <a:alphaOff val="0"/>
+            </a:schemeClr>
+          </a:solidFill>
+          <a:prstDash val="solid"/>
+        </a:ln>
+        <a:effectLst/>
+      </dsp:spPr>
+      <dsp:style>
+        <a:lnRef idx="2">
+          <a:scrgbClr r="0" g="0" b="0"/>
+        </a:lnRef>
+        <a:fillRef idx="1">
+          <a:scrgbClr r="0" g="0" b="0"/>
+        </a:fillRef>
+        <a:effectRef idx="0">
+          <a:scrgbClr r="0" g="0" b="0"/>
+        </a:effectRef>
+        <a:fontRef idx="minor">
+          <a:schemeClr val="lt1"/>
+        </a:fontRef>
+      </dsp:style>
+      <dsp:txBody>
+        <a:bodyPr spcFirstLastPara="0" vert="horz" wrap="square" lIns="60960" tIns="60960" rIns="60960" bIns="60960" numCol="1" spcCol="1270" anchor="ctr" anchorCtr="0">
+          <a:noAutofit/>
+        </a:bodyPr>
+        <a:lstStyle/>
+        <a:p>
+          <a:pPr lvl="0" algn="ctr" defTabSz="711200">
+            <a:lnSpc>
+              <a:spcPct val="90000"/>
+            </a:lnSpc>
+            <a:spcBef>
+              <a:spcPct val="0"/>
+            </a:spcBef>
+            <a:spcAft>
+              <a:spcPct val="35000"/>
+            </a:spcAft>
+          </a:pPr>
+          <a:r>
+            <a:rPr lang="zh-CN" altLang="en-US" sz="1600" b="1" kern="1200" dirty="0" smtClean="0">
+              <a:solidFill>
+                <a:schemeClr val="tx1"/>
+              </a:solidFill>
+            </a:rPr>
+            <a:t>任务</a:t>
+          </a:r>
+          <a:endParaRPr lang="zh-CN" altLang="en-US" sz="1600" b="1" kern="1200" dirty="0">
+            <a:solidFill>
+              <a:schemeClr val="tx1"/>
+            </a:solidFill>
+          </a:endParaRPr>
+        </a:p>
+      </dsp:txBody>
+      <dsp:txXfrm>
+        <a:off x="2407429" y="1054914"/>
+        <a:ext cx="665519" cy="306822"/>
+      </dsp:txXfrm>
+    </dsp:sp>
+    <dsp:sp modelId="{AB50D32D-AAD6-40F9-B9F6-1278487953A5}">
+      <dsp:nvSpPr>
+        <dsp:cNvPr id="0" name=""/>
+        <dsp:cNvSpPr/>
+      </dsp:nvSpPr>
+      <dsp:spPr>
+        <a:xfrm>
+          <a:off x="398441" y="378975"/>
+          <a:ext cx="2400492" cy="2400492"/>
+        </a:xfrm>
+        <a:custGeom>
+          <a:avLst/>
+          <a:gdLst/>
+          <a:ahLst/>
+          <a:cxnLst/>
+          <a:rect l="0" t="0" r="0" b="0"/>
+          <a:pathLst>
+            <a:path>
+              <a:moveTo>
+                <a:pt x="2400446" y="1210737"/>
+              </a:moveTo>
+              <a:arcTo wR="1200246" hR="1200246" stAng="21630052" swAng="1933487"/>
+            </a:path>
+          </a:pathLst>
+        </a:custGeom>
+        <a:noFill/>
+        <a:ln w="9525" cap="flat" cmpd="sng" algn="ctr">
+          <a:solidFill>
+            <a:schemeClr val="accent1">
+              <a:hueOff val="0"/>
+              <a:satOff val="0"/>
+              <a:lumOff val="0"/>
+              <a:alphaOff val="0"/>
+            </a:schemeClr>
+          </a:solidFill>
+          <a:prstDash val="solid"/>
+          <a:tailEnd type="arrow"/>
+        </a:ln>
+        <a:effectLst/>
+      </dsp:spPr>
+      <dsp:style>
+        <a:lnRef idx="1">
+          <a:scrgbClr r="0" g="0" b="0"/>
+        </a:lnRef>
+        <a:fillRef idx="0">
+          <a:scrgbClr r="0" g="0" b="0"/>
+        </a:fillRef>
+        <a:effectRef idx="0">
+          <a:scrgbClr r="0" g="0" b="0"/>
+        </a:effectRef>
+        <a:fontRef idx="minor"/>
+      </dsp:style>
+    </dsp:sp>
+    <dsp:sp modelId="{2433F726-2681-4691-8A6B-492C1E1FA937}">
+      <dsp:nvSpPr>
+        <dsp:cNvPr id="0" name=""/>
+        <dsp:cNvSpPr/>
+      </dsp:nvSpPr>
+      <dsp:spPr>
+        <a:xfrm>
+          <a:off x="1918541" y="2395663"/>
+          <a:ext cx="771265" cy="309154"/>
+        </a:xfrm>
+        <a:prstGeom prst="roundRect">
+          <a:avLst/>
+        </a:prstGeom>
+        <a:solidFill>
+          <a:srgbClr val="00B050"/>
+        </a:solidFill>
+        <a:ln w="25400" cap="flat" cmpd="sng" algn="ctr">
+          <a:solidFill>
+            <a:schemeClr val="lt1">
+              <a:hueOff val="0"/>
+              <a:satOff val="0"/>
+              <a:lumOff val="0"/>
+              <a:alphaOff val="0"/>
+            </a:schemeClr>
+          </a:solidFill>
+          <a:prstDash val="solid"/>
+        </a:ln>
+        <a:effectLst/>
+      </dsp:spPr>
+      <dsp:style>
+        <a:lnRef idx="2">
+          <a:scrgbClr r="0" g="0" b="0"/>
+        </a:lnRef>
+        <a:fillRef idx="1">
+          <a:scrgbClr r="0" g="0" b="0"/>
+        </a:fillRef>
+        <a:effectRef idx="0">
+          <a:scrgbClr r="0" g="0" b="0"/>
+        </a:effectRef>
+        <a:fontRef idx="minor">
+          <a:schemeClr val="lt1"/>
+        </a:fontRef>
+      </dsp:style>
+      <dsp:txBody>
+        <a:bodyPr spcFirstLastPara="0" vert="horz" wrap="square" lIns="60960" tIns="60960" rIns="60960" bIns="60960" numCol="1" spcCol="1270" anchor="ctr" anchorCtr="0">
+          <a:noAutofit/>
+        </a:bodyPr>
+        <a:lstStyle/>
+        <a:p>
+          <a:pPr lvl="0" algn="ctr" defTabSz="711200">
+            <a:lnSpc>
+              <a:spcPct val="90000"/>
+            </a:lnSpc>
+            <a:spcBef>
+              <a:spcPct val="0"/>
+            </a:spcBef>
+            <a:spcAft>
+              <a:spcPct val="35000"/>
+            </a:spcAft>
+          </a:pPr>
+          <a:r>
+            <a:rPr lang="zh-CN" altLang="en-US" sz="1600" b="1" kern="1200" dirty="0" smtClean="0">
+              <a:solidFill>
+                <a:schemeClr val="tx1"/>
+              </a:solidFill>
+            </a:rPr>
+            <a:t>任务</a:t>
+          </a:r>
+          <a:endParaRPr lang="zh-CN" altLang="en-US" sz="1600" b="1" kern="1200" dirty="0">
+            <a:solidFill>
+              <a:schemeClr val="tx1"/>
+            </a:solidFill>
+          </a:endParaRPr>
+        </a:p>
+      </dsp:txBody>
+      <dsp:txXfrm>
+        <a:off x="1933633" y="2410755"/>
+        <a:ext cx="741081" cy="278970"/>
+      </dsp:txXfrm>
+    </dsp:sp>
+    <dsp:sp modelId="{CFAE29CB-D767-4A6C-A158-B5EE8D05A0E8}">
+      <dsp:nvSpPr>
+        <dsp:cNvPr id="0" name=""/>
+        <dsp:cNvSpPr/>
+      </dsp:nvSpPr>
+      <dsp:spPr>
+        <a:xfrm>
+          <a:off x="398441" y="378975"/>
+          <a:ext cx="2400492" cy="2400492"/>
+        </a:xfrm>
+        <a:custGeom>
+          <a:avLst/>
+          <a:gdLst/>
+          <a:ahLst/>
+          <a:cxnLst/>
+          <a:rect l="0" t="0" r="0" b="0"/>
+          <a:pathLst>
+            <a:path>
+              <a:moveTo>
+                <a:pt x="1457111" y="2372683"/>
+              </a:moveTo>
+              <a:arcTo wR="1200246" hR="1200246" stAng="4658552" swAng="1482897"/>
+            </a:path>
+          </a:pathLst>
+        </a:custGeom>
+        <a:noFill/>
+        <a:ln w="9525" cap="flat" cmpd="sng" algn="ctr">
+          <a:solidFill>
+            <a:schemeClr val="accent1">
+              <a:hueOff val="0"/>
+              <a:satOff val="0"/>
+              <a:lumOff val="0"/>
+              <a:alphaOff val="0"/>
+            </a:schemeClr>
+          </a:solidFill>
+          <a:prstDash val="solid"/>
+          <a:tailEnd type="arrow"/>
+        </a:ln>
+        <a:effectLst/>
+      </dsp:spPr>
+      <dsp:style>
+        <a:lnRef idx="1">
+          <a:scrgbClr r="0" g="0" b="0"/>
+        </a:lnRef>
+        <a:fillRef idx="0">
+          <a:scrgbClr r="0" g="0" b="0"/>
+        </a:fillRef>
+        <a:effectRef idx="0">
+          <a:scrgbClr r="0" g="0" b="0"/>
+        </a:effectRef>
+        <a:fontRef idx="minor"/>
+      </dsp:style>
+    </dsp:sp>
+    <dsp:sp modelId="{B259B763-1E27-4D35-807C-E133875ED111}">
+      <dsp:nvSpPr>
+        <dsp:cNvPr id="0" name=""/>
+        <dsp:cNvSpPr/>
+      </dsp:nvSpPr>
+      <dsp:spPr>
+        <a:xfrm>
+          <a:off x="521034" y="2395663"/>
+          <a:ext cx="744331" cy="309154"/>
+        </a:xfrm>
+        <a:prstGeom prst="roundRect">
+          <a:avLst/>
+        </a:prstGeom>
+        <a:solidFill>
+          <a:srgbClr val="00B050"/>
+        </a:solidFill>
+        <a:ln w="25400" cap="flat" cmpd="sng" algn="ctr">
+          <a:solidFill>
+            <a:schemeClr val="lt1">
+              <a:hueOff val="0"/>
+              <a:satOff val="0"/>
+              <a:lumOff val="0"/>
+              <a:alphaOff val="0"/>
+            </a:schemeClr>
+          </a:solidFill>
+          <a:prstDash val="solid"/>
+        </a:ln>
+        <a:effectLst/>
+      </dsp:spPr>
+      <dsp:style>
+        <a:lnRef idx="2">
+          <a:scrgbClr r="0" g="0" b="0"/>
+        </a:lnRef>
+        <a:fillRef idx="1">
+          <a:scrgbClr r="0" g="0" b="0"/>
+        </a:fillRef>
+        <a:effectRef idx="0">
+          <a:scrgbClr r="0" g="0" b="0"/>
+        </a:effectRef>
+        <a:fontRef idx="minor">
+          <a:schemeClr val="lt1"/>
+        </a:fontRef>
+      </dsp:style>
+      <dsp:txBody>
+        <a:bodyPr spcFirstLastPara="0" vert="horz" wrap="square" lIns="60960" tIns="60960" rIns="60960" bIns="60960" numCol="1" spcCol="1270" anchor="ctr" anchorCtr="0">
+          <a:noAutofit/>
+        </a:bodyPr>
+        <a:lstStyle/>
+        <a:p>
+          <a:pPr lvl="0" algn="ctr" defTabSz="711200">
+            <a:lnSpc>
+              <a:spcPct val="90000"/>
+            </a:lnSpc>
+            <a:spcBef>
+              <a:spcPct val="0"/>
+            </a:spcBef>
+            <a:spcAft>
+              <a:spcPct val="35000"/>
+            </a:spcAft>
+          </a:pPr>
+          <a:r>
+            <a:rPr lang="zh-CN" altLang="en-US" sz="1600" b="1" kern="1200" dirty="0" smtClean="0">
+              <a:solidFill>
+                <a:schemeClr val="tx1"/>
+              </a:solidFill>
+            </a:rPr>
+            <a:t>任务</a:t>
+          </a:r>
+          <a:endParaRPr lang="zh-CN" altLang="en-US" sz="1600" b="1" kern="1200" dirty="0">
+            <a:solidFill>
+              <a:schemeClr val="tx1"/>
+            </a:solidFill>
+          </a:endParaRPr>
+        </a:p>
+      </dsp:txBody>
+      <dsp:txXfrm>
+        <a:off x="536126" y="2410755"/>
+        <a:ext cx="714147" cy="278970"/>
+      </dsp:txXfrm>
+    </dsp:sp>
+    <dsp:sp modelId="{1C2376CC-CFD1-42EA-8E4C-1DA24AC19921}">
+      <dsp:nvSpPr>
+        <dsp:cNvPr id="0" name=""/>
+        <dsp:cNvSpPr/>
+      </dsp:nvSpPr>
+      <dsp:spPr>
+        <a:xfrm>
+          <a:off x="398441" y="378975"/>
+          <a:ext cx="2400492" cy="2400492"/>
+        </a:xfrm>
+        <a:custGeom>
+          <a:avLst/>
+          <a:gdLst/>
+          <a:ahLst/>
+          <a:cxnLst/>
+          <a:rect l="0" t="0" r="0" b="0"/>
+          <a:pathLst>
+            <a:path>
+              <a:moveTo>
+                <a:pt x="189516" y="1847560"/>
+              </a:moveTo>
+              <a:arcTo wR="1200246" hR="1200246" stAng="8841765" swAng="1952477"/>
+            </a:path>
+          </a:pathLst>
+        </a:custGeom>
+        <a:noFill/>
+        <a:ln w="9525" cap="flat" cmpd="sng" algn="ctr">
+          <a:solidFill>
+            <a:schemeClr val="accent1">
+              <a:hueOff val="0"/>
+              <a:satOff val="0"/>
+              <a:lumOff val="0"/>
+              <a:alphaOff val="0"/>
+            </a:schemeClr>
+          </a:solidFill>
+          <a:prstDash val="solid"/>
+          <a:tailEnd type="arrow"/>
+        </a:ln>
+        <a:effectLst/>
+      </dsp:spPr>
+      <dsp:style>
+        <a:lnRef idx="1">
+          <a:scrgbClr r="0" g="0" b="0"/>
+        </a:lnRef>
+        <a:fillRef idx="0">
+          <a:scrgbClr r="0" g="0" b="0"/>
+        </a:fillRef>
+        <a:effectRef idx="0">
+          <a:scrgbClr r="0" g="0" b="0"/>
+        </a:effectRef>
+        <a:fontRef idx="minor"/>
+      </dsp:style>
+    </dsp:sp>
+    <dsp:sp modelId="{601884C3-5C48-41EC-9A05-2D73CB312932}">
+      <dsp:nvSpPr>
+        <dsp:cNvPr id="0" name=""/>
+        <dsp:cNvSpPr/>
+      </dsp:nvSpPr>
+      <dsp:spPr>
+        <a:xfrm>
+          <a:off x="117724" y="1048496"/>
+          <a:ext cx="678923" cy="319658"/>
+        </a:xfrm>
+        <a:prstGeom prst="roundRect">
+          <a:avLst/>
+        </a:prstGeom>
+        <a:solidFill>
+          <a:srgbClr val="00B050"/>
+        </a:solidFill>
+        <a:ln w="25400" cap="flat" cmpd="sng" algn="ctr">
+          <a:solidFill>
+            <a:schemeClr val="lt1">
+              <a:hueOff val="0"/>
+              <a:satOff val="0"/>
+              <a:lumOff val="0"/>
+              <a:alphaOff val="0"/>
+            </a:schemeClr>
+          </a:solidFill>
+          <a:prstDash val="solid"/>
+        </a:ln>
+        <a:effectLst/>
+      </dsp:spPr>
+      <dsp:style>
+        <a:lnRef idx="2">
+          <a:scrgbClr r="0" g="0" b="0"/>
+        </a:lnRef>
+        <a:fillRef idx="1">
+          <a:scrgbClr r="0" g="0" b="0"/>
+        </a:fillRef>
+        <a:effectRef idx="0">
+          <a:scrgbClr r="0" g="0" b="0"/>
+        </a:effectRef>
+        <a:fontRef idx="minor">
+          <a:schemeClr val="lt1"/>
+        </a:fontRef>
+      </dsp:style>
+      <dsp:txBody>
+        <a:bodyPr spcFirstLastPara="0" vert="horz" wrap="square" lIns="60960" tIns="60960" rIns="60960" bIns="60960" numCol="1" spcCol="1270" anchor="ctr" anchorCtr="0">
+          <a:noAutofit/>
+        </a:bodyPr>
+        <a:lstStyle/>
+        <a:p>
+          <a:pPr lvl="0" algn="ctr" defTabSz="711200">
+            <a:lnSpc>
+              <a:spcPct val="90000"/>
+            </a:lnSpc>
+            <a:spcBef>
+              <a:spcPct val="0"/>
+            </a:spcBef>
+            <a:spcAft>
+              <a:spcPct val="35000"/>
+            </a:spcAft>
+          </a:pPr>
+          <a:r>
+            <a:rPr lang="zh-CN" altLang="en-US" sz="1600" b="1" kern="1200" dirty="0" smtClean="0">
+              <a:solidFill>
+                <a:schemeClr val="tx1"/>
+              </a:solidFill>
+            </a:rPr>
+            <a:t>任务</a:t>
+          </a:r>
+          <a:endParaRPr lang="zh-CN" altLang="en-US" sz="1600" b="1" kern="1200" dirty="0">
+            <a:solidFill>
+              <a:schemeClr val="tx1"/>
+            </a:solidFill>
+          </a:endParaRPr>
+        </a:p>
+      </dsp:txBody>
+      <dsp:txXfrm>
+        <a:off x="133328" y="1064100"/>
+        <a:ext cx="647715" cy="288450"/>
+      </dsp:txXfrm>
+    </dsp:sp>
+    <dsp:sp modelId="{9D0F5277-F9ED-4154-B269-F440AEB7AE44}">
+      <dsp:nvSpPr>
+        <dsp:cNvPr id="0" name=""/>
+        <dsp:cNvSpPr/>
+      </dsp:nvSpPr>
+      <dsp:spPr>
+        <a:xfrm>
+          <a:off x="398441" y="378975"/>
+          <a:ext cx="2400492" cy="2400492"/>
+        </a:xfrm>
+        <a:custGeom>
+          <a:avLst/>
+          <a:gdLst/>
+          <a:ahLst/>
+          <a:cxnLst/>
+          <a:rect l="0" t="0" r="0" b="0"/>
+          <a:pathLst>
+            <a:path>
+              <a:moveTo>
+                <a:pt x="219741" y="508002"/>
+              </a:moveTo>
+              <a:arcTo wR="1200246" hR="1200246" stAng="12913343" swAng="1690433"/>
+            </a:path>
+          </a:pathLst>
+        </a:custGeom>
+        <a:noFill/>
+        <a:ln w="9525" cap="flat" cmpd="sng" algn="ctr">
+          <a:solidFill>
+            <a:schemeClr val="accent1">
+              <a:hueOff val="0"/>
+              <a:satOff val="0"/>
+              <a:lumOff val="0"/>
+              <a:alphaOff val="0"/>
+            </a:schemeClr>
+          </a:solidFill>
+          <a:prstDash val="solid"/>
+          <a:tailEnd type="arrow"/>
+        </a:ln>
+        <a:effectLst/>
+      </dsp:spPr>
+      <dsp:style>
+        <a:lnRef idx="1">
+          <a:scrgbClr r="0" g="0" b="0"/>
+        </a:lnRef>
+        <a:fillRef idx="0">
+          <a:scrgbClr r="0" g="0" b="0"/>
+        </a:fillRef>
+        <a:effectRef idx="0">
+          <a:scrgbClr r="0" g="0" b="0"/>
+        </a:effectRef>
+        <a:fontRef idx="minor"/>
+      </dsp:style>
+    </dsp:sp>
   </dsp:spTree>
 </dsp:drawing>
 </file>
@@ -2732,7 +3398,7 @@
             <a:fld id="{22280FE6-A104-468D-880C-8FA3CB8840D3}" type="datetimeFigureOut">
               <a:rPr lang="zh-CN" altLang="en-US" smtClean="0"/>
               <a:pPr/>
-              <a:t>2016/7/21</a:t>
+              <a:t>2016/7/26</a:t>
             </a:fld>
             <a:endParaRPr lang="zh-CN" altLang="en-US"/>
           </a:p>
@@ -3405,7 +4071,7 @@
               <a:pPr>
                 <a:defRPr/>
               </a:pPr>
-              <a:t>2016/7/21</a:t>
+              <a:t>2016/7/26</a:t>
             </a:fld>
             <a:endParaRPr lang="zh-CN" altLang="en-US" sz="1200" dirty="0">
               <a:solidFill>
@@ -3487,7 +4153,7 @@
             <a:fld id="{8C5BEB32-F9B7-4A26-A503-E0A0BBE82DBD}" type="datetimeFigureOut">
               <a:rPr lang="zh-CN" altLang="en-US" smtClean="0"/>
               <a:pPr/>
-              <a:t>2016/7/21</a:t>
+              <a:t>2016/7/26</a:t>
             </a:fld>
             <a:endParaRPr lang="zh-CN" altLang="en-US"/>
           </a:p>
@@ -3577,7 +4243,7 @@
                 <a:tabLst/>
                 <a:defRPr/>
               </a:pPr>
-              <a:t>2016/7/21</a:t>
+              <a:t>2016/7/26</a:t>
             </a:fld>
             <a:endParaRPr kumimoji="0" lang="zh-CN" altLang="en-US" sz="1200" b="0" i="0" u="none" strike="noStrike" kern="1200" cap="none" spc="0" normalizeH="0" baseline="0" noProof="0" dirty="0">
               <a:ln>
@@ -3901,7 +4567,7 @@
                 <a:tabLst/>
                 <a:defRPr/>
               </a:pPr>
-              <a:t>2016/7/21</a:t>
+              <a:t>2016/7/26</a:t>
             </a:fld>
             <a:endParaRPr kumimoji="0" lang="zh-CN" altLang="en-US" sz="1200" b="0" i="0" u="none" strike="noStrike" kern="1200" cap="none" spc="0" normalizeH="0" baseline="0" noProof="0" dirty="0">
               <a:ln>
@@ -4470,7 +5136,7 @@
                 <a:tabLst/>
                 <a:defRPr/>
               </a:pPr>
-              <a:t>2016/7/21</a:t>
+              <a:t>2016/7/26</a:t>
             </a:fld>
             <a:endParaRPr kumimoji="0" lang="zh-CN" altLang="en-US" sz="1200" b="0" i="0" u="none" strike="noStrike" kern="1200" cap="none" spc="0" normalizeH="0" baseline="0" noProof="0" dirty="0">
               <a:ln>
@@ -5022,7 +5688,7 @@
                 <a:tabLst/>
                 <a:defRPr/>
               </a:pPr>
-              <a:t>2016/7/21</a:t>
+              <a:t>2016/7/26</a:t>
             </a:fld>
             <a:endParaRPr kumimoji="0" lang="zh-CN" altLang="en-US" sz="1200" b="0" i="0" u="none" strike="noStrike" kern="1200" cap="none" spc="0" normalizeH="0" baseline="0" noProof="0" dirty="0">
               <a:ln>
@@ -5288,7 +5954,7 @@
             <a:fld id="{8C5BEB32-F9B7-4A26-A503-E0A0BBE82DBD}" type="datetimeFigureOut">
               <a:rPr lang="zh-CN" altLang="en-US" smtClean="0"/>
               <a:pPr/>
-              <a:t>2016/7/21</a:t>
+              <a:t>2016/7/26</a:t>
             </a:fld>
             <a:endParaRPr lang="zh-CN" altLang="en-US"/>
           </a:p>
@@ -5528,7 +6194,7 @@
                 <a:tabLst/>
                 <a:defRPr/>
               </a:pPr>
-              <a:t>2016/7/21</a:t>
+              <a:t>2016/7/26</a:t>
             </a:fld>
             <a:endParaRPr kumimoji="0" lang="zh-CN" altLang="en-US" sz="1200" b="0" i="0" u="none" strike="noStrike" kern="1200" cap="none" spc="0" normalizeH="0" baseline="0" noProof="0" dirty="0">
               <a:ln>
@@ -5714,7 +6380,7 @@
             <a:fld id="{8C5BEB32-F9B7-4A26-A503-E0A0BBE82DBD}" type="datetimeFigureOut">
               <a:rPr lang="zh-CN" altLang="en-US" smtClean="0"/>
               <a:pPr/>
-              <a:t>2016/7/21</a:t>
+              <a:t>2016/7/26</a:t>
             </a:fld>
             <a:endParaRPr lang="zh-CN" altLang="en-US"/>
           </a:p>
@@ -5954,7 +6620,7 @@
                 <a:tabLst/>
                 <a:defRPr/>
               </a:pPr>
-              <a:t>2016/7/21</a:t>
+              <a:t>2016/7/26</a:t>
             </a:fld>
             <a:endParaRPr kumimoji="0" lang="zh-CN" altLang="en-US" sz="1200" b="0" i="0" u="none" strike="noStrike" kern="1200" cap="none" spc="0" normalizeH="0" baseline="0" noProof="0" dirty="0">
               <a:ln>
@@ -6116,7 +6782,7 @@
             <a:fld id="{8C5BEB32-F9B7-4A26-A503-E0A0BBE82DBD}" type="datetimeFigureOut">
               <a:rPr lang="zh-CN" altLang="en-US" smtClean="0"/>
               <a:pPr/>
-              <a:t>2016/7/21</a:t>
+              <a:t>2016/7/26</a:t>
             </a:fld>
             <a:endParaRPr lang="zh-CN" altLang="en-US"/>
           </a:p>
@@ -6457,7 +7123,7 @@
                 <a:tabLst/>
                 <a:defRPr/>
               </a:pPr>
-              <a:t>2016/7/21</a:t>
+              <a:t>2016/7/26</a:t>
             </a:fld>
             <a:endParaRPr kumimoji="0" lang="zh-CN" altLang="en-US" sz="1200" b="0" i="0" u="none" strike="noStrike" kern="1200" cap="none" spc="0" normalizeH="0" baseline="0" noProof="0" dirty="0">
               <a:ln>
@@ -6619,7 +7285,7 @@
             <a:fld id="{8C5BEB32-F9B7-4A26-A503-E0A0BBE82DBD}" type="datetimeFigureOut">
               <a:rPr lang="zh-CN" altLang="en-US" smtClean="0"/>
               <a:pPr/>
-              <a:t>2016/7/21</a:t>
+              <a:t>2016/7/26</a:t>
             </a:fld>
             <a:endParaRPr lang="zh-CN" altLang="en-US"/>
           </a:p>
@@ -6847,7 +7513,7 @@
                 <a:tabLst/>
                 <a:defRPr/>
               </a:pPr>
-              <a:t>2016/7/21</a:t>
+              <a:t>2016/7/26</a:t>
             </a:fld>
             <a:endParaRPr kumimoji="0" lang="zh-CN" altLang="en-US" sz="1200" b="0" i="0" u="none" strike="noStrike" kern="1200" cap="none" spc="0" normalizeH="0" baseline="0" noProof="0" dirty="0">
               <a:ln>
@@ -7152,7 +7818,7 @@
             <a:fld id="{8C5BEB32-F9B7-4A26-A503-E0A0BBE82DBD}" type="datetimeFigureOut">
               <a:rPr lang="zh-CN" altLang="en-US" smtClean="0"/>
               <a:pPr/>
-              <a:t>2016/7/21</a:t>
+              <a:t>2016/7/26</a:t>
             </a:fld>
             <a:endParaRPr lang="zh-CN" altLang="en-US"/>
           </a:p>
@@ -7758,7 +8424,7 @@
               <a:pPr>
                 <a:defRPr/>
               </a:pPr>
-              <a:t>2016/7/21</a:t>
+              <a:t>2016/7/26</a:t>
             </a:fld>
             <a:endParaRPr lang="zh-CN" altLang="en-US" sz="1200" dirty="0">
               <a:solidFill>
@@ -15951,7 +16617,7 @@
             <a:avLst/>
           </a:prstGeom>
           <a:noFill/>
-          <a:ln>
+          <a:ln w="19050">
             <a:prstDash val="dashDot"/>
           </a:ln>
         </p:spPr>
@@ -15999,7 +16665,7 @@
             <a:avLst/>
           </a:prstGeom>
           <a:noFill/>
-          <a:ln>
+          <a:ln w="19050">
             <a:prstDash val="dashDot"/>
           </a:ln>
         </p:spPr>
@@ -16336,7 +17002,7 @@
         </p:nvSpPr>
         <p:spPr>
           <a:xfrm>
-            <a:off x="7078216" y="4220029"/>
+            <a:off x="6985882" y="4234489"/>
             <a:ext cx="1022176" cy="277746"/>
           </a:xfrm>
           <a:prstGeom prst="rect">
@@ -18042,17 +18708,21 @@
           <a:p>
             <a:r>
               <a:rPr lang="zh-CN" altLang="en-US" dirty="0" smtClean="0"/>
-              <a:t>协程间通信 </a:t>
+              <a:t>协程与 </a:t>
+            </a:r>
+            <a:r>
+              <a:rPr lang="en-US" altLang="zh-CN" dirty="0" err="1" smtClean="0"/>
+              <a:t>acl_master</a:t>
             </a:r>
             <a:r>
               <a:rPr lang="en-US" altLang="zh-CN" dirty="0" smtClean="0"/>
-              <a:t>--- </a:t>
-            </a:r>
-            <a:r>
-              <a:rPr lang="zh-CN" altLang="en-US" sz="2000" dirty="0" smtClean="0"/>
-              <a:t>设计要点</a:t>
-            </a:r>
-            <a:endParaRPr lang="zh-CN" altLang="en-US" sz="2000" dirty="0"/>
+              <a:t> </a:t>
+            </a:r>
+            <a:r>
+              <a:rPr lang="zh-CN" altLang="en-US" dirty="0" smtClean="0"/>
+              <a:t>服务框架集成</a:t>
+            </a:r>
+            <a:endParaRPr lang="zh-CN" altLang="en-US" dirty="0"/>
           </a:p>
         </p:txBody>
       </p:sp>
@@ -18066,17 +18736,17 @@
             <p:ph idx="1"/>
           </p:nvPr>
         </p:nvSpPr>
-        <p:spPr/>
+        <p:spPr>
+          <a:xfrm>
+            <a:off x="457201" y="4882199"/>
+            <a:ext cx="8229600" cy="1461539"/>
+          </a:xfrm>
+        </p:spPr>
         <p:txBody>
-          <a:bodyPr/>
+          <a:bodyPr>
+            <a:normAutofit lnSpcReduction="10000"/>
+          </a:bodyPr>
           <a:lstStyle/>
-          <a:p>
-            <a:r>
-              <a:rPr lang="zh-CN" altLang="en-US" dirty="0" smtClean="0"/>
-              <a:t>协程间为什么需要通信？</a:t>
-            </a:r>
-            <a:endParaRPr lang="en-US" altLang="zh-CN" dirty="0" smtClean="0"/>
-          </a:p>
           <a:p>
             <a:r>
               <a:rPr lang="en-US" altLang="zh-CN" sz="1600" dirty="0" smtClean="0"/>
@@ -18084,7 +18754,23 @@
             </a:r>
             <a:r>
               <a:rPr lang="zh-CN" altLang="en-US" sz="1600" dirty="0" smtClean="0"/>
-              <a:t>、业务逻辑的模块化</a:t>
+              <a:t>、</a:t>
+            </a:r>
+            <a:r>
+              <a:rPr lang="en-US" altLang="zh-CN" sz="1600" dirty="0" smtClean="0"/>
+              <a:t>TCP</a:t>
+            </a:r>
+            <a:r>
+              <a:rPr lang="zh-CN" altLang="en-US" sz="1600" dirty="0" smtClean="0"/>
+              <a:t>连接派发器与协程进程间采用</a:t>
+            </a:r>
+            <a:r>
+              <a:rPr lang="en-US" altLang="zh-CN" sz="1600" dirty="0" smtClean="0"/>
+              <a:t>UNIX</a:t>
+            </a:r>
+            <a:r>
+              <a:rPr lang="zh-CN" altLang="en-US" sz="1600" dirty="0" smtClean="0"/>
+              <a:t>域套接口连接</a:t>
             </a:r>
             <a:endParaRPr lang="en-US" altLang="zh-CN" sz="1600" dirty="0" smtClean="0"/>
           </a:p>
@@ -18095,7 +18781,23 @@
             </a:r>
             <a:r>
               <a:rPr lang="zh-CN" altLang="en-US" sz="1600" dirty="0" smtClean="0"/>
-              <a:t>、业务模块的分层设计</a:t>
+              <a:t>、客户端连接</a:t>
+            </a:r>
+            <a:r>
+              <a:rPr lang="en-US" altLang="zh-CN" sz="1600" dirty="0" smtClean="0"/>
+              <a:t>TCP</a:t>
+            </a:r>
+            <a:r>
+              <a:rPr lang="zh-CN" altLang="en-US" sz="1600" dirty="0" smtClean="0"/>
+              <a:t>连接派发器，派发器将“连接”通过</a:t>
+            </a:r>
+            <a:r>
+              <a:rPr lang="en-US" altLang="zh-CN" sz="1600" dirty="0" smtClean="0"/>
+              <a:t>UNIX</a:t>
+            </a:r>
+            <a:r>
+              <a:rPr lang="zh-CN" altLang="en-US" sz="1600" dirty="0" smtClean="0"/>
+              <a:t>域套接口传递给协程进程</a:t>
             </a:r>
             <a:endParaRPr lang="en-US" altLang="zh-CN" sz="1600" dirty="0" smtClean="0"/>
           </a:p>
@@ -18106,101 +18808,1366 @@
             </a:r>
             <a:r>
               <a:rPr lang="zh-CN" altLang="en-US" sz="1600" dirty="0" smtClean="0"/>
-              <a:t>、团队开发的协作性</a:t>
+              <a:t>、</a:t>
+            </a:r>
+            <a:r>
+              <a:rPr lang="en-US" altLang="zh-CN" sz="1600" dirty="0" err="1" smtClean="0"/>
+              <a:t>acl_master</a:t>
+            </a:r>
+            <a:r>
+              <a:rPr lang="en-US" altLang="zh-CN" sz="1600" dirty="0" smtClean="0"/>
+              <a:t> </a:t>
+            </a:r>
+            <a:r>
+              <a:rPr lang="zh-CN" altLang="en-US" sz="1600" dirty="0" smtClean="0"/>
+              <a:t>管理</a:t>
+            </a:r>
+            <a:r>
+              <a:rPr lang="en-US" altLang="zh-CN" sz="1600" dirty="0" smtClean="0"/>
+              <a:t>TCP</a:t>
+            </a:r>
+            <a:r>
+              <a:rPr lang="zh-CN" altLang="en-US" sz="1600" dirty="0" smtClean="0"/>
+              <a:t>连接派发器、协程进程池</a:t>
             </a:r>
             <a:endParaRPr lang="en-US" altLang="zh-CN" sz="1600" dirty="0" smtClean="0"/>
           </a:p>
           <a:p>
-            <a:endParaRPr lang="en-US" altLang="zh-CN" dirty="0"/>
-          </a:p>
-          <a:p>
-            <a:r>
-              <a:rPr lang="zh-CN" altLang="en-US" dirty="0" smtClean="0"/>
-              <a:t>协程间“通信”的本质：</a:t>
-            </a:r>
-            <a:endParaRPr lang="en-US" altLang="zh-CN" dirty="0" smtClean="0"/>
-          </a:p>
-          <a:p>
-            <a:r>
-              <a:rPr lang="en-US" altLang="zh-CN" sz="1600" dirty="0" smtClean="0"/>
-              <a:t>- </a:t>
-            </a:r>
-            <a:r>
-              <a:rPr lang="zh-CN" altLang="en-US" sz="1600" dirty="0" smtClean="0"/>
-              <a:t>协程间数据的传递通过协程上下文的切换，本质上是协程间的数据交换</a:t>
-            </a:r>
-            <a:endParaRPr lang="en-US" altLang="zh-CN" sz="1600" dirty="0" smtClean="0"/>
-          </a:p>
-          <a:p>
-            <a:endParaRPr lang="en-US" altLang="zh-CN" dirty="0"/>
-          </a:p>
-          <a:p>
-            <a:r>
-              <a:rPr lang="zh-CN" altLang="en-US" dirty="0" smtClean="0"/>
-              <a:t>协程间“通信”的成本：</a:t>
-            </a:r>
-            <a:endParaRPr lang="en-US" altLang="zh-CN" dirty="0" smtClean="0"/>
-          </a:p>
-          <a:p>
-            <a:r>
-              <a:rPr lang="en-US" altLang="zh-CN" sz="1600" dirty="0" smtClean="0"/>
-              <a:t>1</a:t>
-            </a:r>
-            <a:r>
-              <a:rPr lang="zh-CN" altLang="en-US" sz="1600" dirty="0" smtClean="0"/>
-              <a:t>、协程上下文切换</a:t>
-            </a:r>
-            <a:endParaRPr lang="en-US" altLang="zh-CN" sz="1600" dirty="0" smtClean="0"/>
-          </a:p>
-          <a:p>
-            <a:r>
-              <a:rPr lang="en-US" altLang="zh-CN" sz="1600" dirty="0" smtClean="0"/>
-              <a:t>2</a:t>
-            </a:r>
-            <a:r>
-              <a:rPr lang="zh-CN" altLang="en-US" sz="1600" dirty="0" smtClean="0"/>
-              <a:t>、内存分配、释放</a:t>
-            </a:r>
-            <a:endParaRPr lang="en-US" altLang="zh-CN" sz="1600" dirty="0" smtClean="0"/>
-          </a:p>
-          <a:p>
-            <a:r>
-              <a:rPr lang="en-US" altLang="zh-CN" sz="1600" dirty="0" smtClean="0"/>
-              <a:t>3</a:t>
-            </a:r>
-            <a:r>
-              <a:rPr lang="zh-CN" altLang="en-US" sz="1600" dirty="0" smtClean="0"/>
-              <a:t>、数据拷贝</a:t>
-            </a:r>
-            <a:endParaRPr lang="en-US" altLang="zh-CN" sz="1600" dirty="0" smtClean="0"/>
-          </a:p>
-          <a:p>
-            <a:endParaRPr lang="en-US" altLang="zh-CN" dirty="0" smtClean="0"/>
-          </a:p>
-          <a:p>
-            <a:r>
-              <a:rPr lang="zh-CN" altLang="en-US" dirty="0" smtClean="0"/>
-              <a:t>协程间“通信”方式：</a:t>
-            </a:r>
-            <a:endParaRPr lang="en-US" altLang="zh-CN" dirty="0" smtClean="0"/>
-          </a:p>
-          <a:p>
-            <a:r>
-              <a:rPr lang="en-US" altLang="zh-CN" dirty="0" smtClean="0"/>
-              <a:t>- </a:t>
-            </a:r>
-            <a:r>
-              <a:rPr lang="zh-CN" altLang="en-US" sz="1600" dirty="0" smtClean="0"/>
-              <a:t>支持多对多数据交互</a:t>
-            </a:r>
-            <a:endParaRPr lang="zh-CN" altLang="en-US" sz="1600" dirty="0"/>
+            <a:endParaRPr lang="en-US" altLang="zh-CN" sz="1600" dirty="0"/>
+          </a:p>
+          <a:p>
+            <a:r>
+              <a:rPr lang="zh-CN" altLang="en-US" sz="1400" dirty="0" smtClean="0"/>
+              <a:t>关于</a:t>
+            </a:r>
+            <a:r>
+              <a:rPr lang="en-US" altLang="zh-CN" sz="1400" dirty="0" smtClean="0"/>
+              <a:t>TCP</a:t>
+            </a:r>
+            <a:r>
+              <a:rPr lang="zh-CN" altLang="en-US" sz="1400" dirty="0" smtClean="0"/>
+              <a:t>连接派发器，参考：</a:t>
+            </a:r>
+            <a:r>
+              <a:rPr lang="en-US" altLang="zh-CN" sz="1400" dirty="0"/>
+              <a:t>http://zsxxsz.iteye.com/blog/2118752</a:t>
+            </a:r>
+            <a:endParaRPr lang="zh-CN" altLang="en-US" sz="1400" dirty="0"/>
           </a:p>
         </p:txBody>
       </p:sp>
+      <p:sp>
+        <p:nvSpPr>
+          <p:cNvPr id="4" name="圆角矩形 3"/>
+          <p:cNvSpPr/>
+          <p:nvPr/>
+        </p:nvSpPr>
+        <p:spPr>
+          <a:xfrm>
+            <a:off x="4024540" y="4148624"/>
+            <a:ext cx="1368152" cy="360040"/>
+          </a:xfrm>
+          <a:prstGeom prst="roundRect">
+            <a:avLst/>
+          </a:prstGeom>
+          <a:solidFill>
+            <a:srgbClr val="00B050"/>
+          </a:solidFill>
+          <a:ln>
+            <a:noFill/>
+          </a:ln>
+        </p:spPr>
+        <p:style>
+          <a:lnRef idx="2">
+            <a:schemeClr val="accent1">
+              <a:shade val="50000"/>
+            </a:schemeClr>
+          </a:lnRef>
+          <a:fillRef idx="1">
+            <a:schemeClr val="accent1"/>
+          </a:fillRef>
+          <a:effectRef idx="0">
+            <a:schemeClr val="accent1"/>
+          </a:effectRef>
+          <a:fontRef idx="minor">
+            <a:schemeClr val="lt1"/>
+          </a:fontRef>
+        </p:style>
+        <p:txBody>
+          <a:bodyPr rtlCol="0" anchor="ctr"/>
+          <a:lstStyle/>
+          <a:p>
+            <a:pPr algn="ctr"/>
+            <a:r>
+              <a:rPr lang="en-US" altLang="zh-CN" sz="1400" b="1" dirty="0" err="1" smtClean="0">
+                <a:solidFill>
+                  <a:schemeClr val="tx1"/>
+                </a:solidFill>
+              </a:rPr>
+              <a:t>acl_master</a:t>
+            </a:r>
+            <a:endParaRPr lang="zh-CN" altLang="en-US" sz="1400" b="1" dirty="0">
+              <a:solidFill>
+                <a:schemeClr val="tx1"/>
+              </a:solidFill>
+            </a:endParaRPr>
+          </a:p>
+        </p:txBody>
+      </p:sp>
+      <p:sp>
+        <p:nvSpPr>
+          <p:cNvPr id="5" name="圆角矩形 4"/>
+          <p:cNvSpPr/>
+          <p:nvPr/>
+        </p:nvSpPr>
+        <p:spPr>
+          <a:xfrm>
+            <a:off x="3923928" y="1452977"/>
+            <a:ext cx="1368152" cy="360040"/>
+          </a:xfrm>
+          <a:prstGeom prst="roundRect">
+            <a:avLst/>
+          </a:prstGeom>
+          <a:solidFill>
+            <a:srgbClr val="FFFF00"/>
+          </a:solidFill>
+          <a:ln>
+            <a:noFill/>
+          </a:ln>
+        </p:spPr>
+        <p:style>
+          <a:lnRef idx="2">
+            <a:schemeClr val="accent1">
+              <a:shade val="50000"/>
+            </a:schemeClr>
+          </a:lnRef>
+          <a:fillRef idx="1">
+            <a:schemeClr val="accent1"/>
+          </a:fillRef>
+          <a:effectRef idx="0">
+            <a:schemeClr val="accent1"/>
+          </a:effectRef>
+          <a:fontRef idx="minor">
+            <a:schemeClr val="lt1"/>
+          </a:fontRef>
+        </p:style>
+        <p:txBody>
+          <a:bodyPr rtlCol="0" anchor="ctr"/>
+          <a:lstStyle/>
+          <a:p>
+            <a:pPr algn="ctr"/>
+            <a:r>
+              <a:rPr lang="en-US" altLang="zh-CN" sz="1400" b="1" dirty="0" err="1" smtClean="0">
+                <a:solidFill>
+                  <a:schemeClr val="tx1"/>
+                </a:solidFill>
+              </a:rPr>
+              <a:t>Tcp</a:t>
+            </a:r>
+            <a:r>
+              <a:rPr lang="zh-CN" altLang="en-US" sz="1400" b="1" dirty="0" smtClean="0">
+                <a:solidFill>
+                  <a:schemeClr val="tx1"/>
+                </a:solidFill>
+              </a:rPr>
+              <a:t>连接派发器</a:t>
+            </a:r>
+            <a:endParaRPr lang="zh-CN" altLang="en-US" sz="1400" b="1" dirty="0">
+              <a:solidFill>
+                <a:schemeClr val="tx1"/>
+              </a:solidFill>
+            </a:endParaRPr>
+          </a:p>
+        </p:txBody>
+      </p:sp>
+      <p:sp>
+        <p:nvSpPr>
+          <p:cNvPr id="6" name="圆角矩形 5"/>
+          <p:cNvSpPr/>
+          <p:nvPr/>
+        </p:nvSpPr>
+        <p:spPr>
+          <a:xfrm>
+            <a:off x="3923928" y="2930758"/>
+            <a:ext cx="1368152" cy="360040"/>
+          </a:xfrm>
+          <a:prstGeom prst="roundRect">
+            <a:avLst/>
+          </a:prstGeom>
+          <a:solidFill>
+            <a:srgbClr val="0070C0"/>
+          </a:solidFill>
+          <a:ln>
+            <a:noFill/>
+          </a:ln>
+        </p:spPr>
+        <p:style>
+          <a:lnRef idx="2">
+            <a:schemeClr val="accent1">
+              <a:shade val="50000"/>
+            </a:schemeClr>
+          </a:lnRef>
+          <a:fillRef idx="1">
+            <a:schemeClr val="accent1"/>
+          </a:fillRef>
+          <a:effectRef idx="0">
+            <a:schemeClr val="accent1"/>
+          </a:effectRef>
+          <a:fontRef idx="minor">
+            <a:schemeClr val="lt1"/>
+          </a:fontRef>
+        </p:style>
+        <p:txBody>
+          <a:bodyPr rtlCol="0" anchor="ctr"/>
+          <a:lstStyle/>
+          <a:p>
+            <a:pPr algn="ctr"/>
+            <a:r>
+              <a:rPr lang="en-US" altLang="zh-CN" sz="1400" b="1" dirty="0" err="1" smtClean="0">
+                <a:solidFill>
+                  <a:schemeClr val="tx1"/>
+                </a:solidFill>
+              </a:rPr>
+              <a:t>fiber_proc</a:t>
+            </a:r>
+            <a:endParaRPr lang="zh-CN" altLang="en-US" sz="1400" b="1" dirty="0">
+              <a:solidFill>
+                <a:schemeClr val="tx1"/>
+              </a:solidFill>
+            </a:endParaRPr>
+          </a:p>
+        </p:txBody>
+      </p:sp>
+      <p:sp>
+        <p:nvSpPr>
+          <p:cNvPr id="8" name="椭圆 7"/>
+          <p:cNvSpPr/>
+          <p:nvPr/>
+        </p:nvSpPr>
+        <p:spPr>
+          <a:xfrm>
+            <a:off x="1979712" y="1642492"/>
+            <a:ext cx="864096" cy="451037"/>
+          </a:xfrm>
+          <a:prstGeom prst="ellipse">
+            <a:avLst/>
+          </a:prstGeom>
+          <a:solidFill>
+            <a:srgbClr val="92D050"/>
+          </a:solidFill>
+          <a:ln>
+            <a:noFill/>
+          </a:ln>
+        </p:spPr>
+        <p:style>
+          <a:lnRef idx="2">
+            <a:schemeClr val="accent1">
+              <a:shade val="50000"/>
+            </a:schemeClr>
+          </a:lnRef>
+          <a:fillRef idx="1">
+            <a:schemeClr val="accent1"/>
+          </a:fillRef>
+          <a:effectRef idx="0">
+            <a:schemeClr val="accent1"/>
+          </a:effectRef>
+          <a:fontRef idx="minor">
+            <a:schemeClr val="lt1"/>
+          </a:fontRef>
+        </p:style>
+        <p:txBody>
+          <a:bodyPr rtlCol="0" anchor="ctr"/>
+          <a:lstStyle/>
+          <a:p>
+            <a:pPr algn="ctr"/>
+            <a:r>
+              <a:rPr lang="en-US" altLang="zh-CN" sz="1400" b="1" dirty="0" smtClean="0">
+                <a:solidFill>
+                  <a:schemeClr val="tx1"/>
+                </a:solidFill>
+              </a:rPr>
+              <a:t>client</a:t>
+            </a:r>
+            <a:endParaRPr lang="zh-CN" altLang="en-US" sz="1400" b="1" dirty="0">
+              <a:solidFill>
+                <a:schemeClr val="tx1"/>
+              </a:solidFill>
+            </a:endParaRPr>
+          </a:p>
+        </p:txBody>
+      </p:sp>
+      <p:sp>
+        <p:nvSpPr>
+          <p:cNvPr id="9" name="椭圆 8"/>
+          <p:cNvSpPr/>
+          <p:nvPr/>
+        </p:nvSpPr>
+        <p:spPr>
+          <a:xfrm>
+            <a:off x="1979712" y="2326567"/>
+            <a:ext cx="864096" cy="451037"/>
+          </a:xfrm>
+          <a:prstGeom prst="ellipse">
+            <a:avLst/>
+          </a:prstGeom>
+          <a:solidFill>
+            <a:srgbClr val="92D050"/>
+          </a:solidFill>
+          <a:ln>
+            <a:noFill/>
+          </a:ln>
+        </p:spPr>
+        <p:style>
+          <a:lnRef idx="2">
+            <a:schemeClr val="accent1">
+              <a:shade val="50000"/>
+            </a:schemeClr>
+          </a:lnRef>
+          <a:fillRef idx="1">
+            <a:schemeClr val="accent1"/>
+          </a:fillRef>
+          <a:effectRef idx="0">
+            <a:schemeClr val="accent1"/>
+          </a:effectRef>
+          <a:fontRef idx="minor">
+            <a:schemeClr val="lt1"/>
+          </a:fontRef>
+        </p:style>
+        <p:txBody>
+          <a:bodyPr rtlCol="0" anchor="ctr"/>
+          <a:lstStyle/>
+          <a:p>
+            <a:pPr algn="ctr"/>
+            <a:r>
+              <a:rPr lang="en-US" altLang="zh-CN" sz="1400" b="1" dirty="0" smtClean="0">
+                <a:solidFill>
+                  <a:schemeClr val="tx1"/>
+                </a:solidFill>
+              </a:rPr>
+              <a:t>client</a:t>
+            </a:r>
+            <a:endParaRPr lang="zh-CN" altLang="en-US" sz="1400" b="1" dirty="0">
+              <a:solidFill>
+                <a:schemeClr val="tx1"/>
+              </a:solidFill>
+            </a:endParaRPr>
+          </a:p>
+        </p:txBody>
+      </p:sp>
+      <p:sp>
+        <p:nvSpPr>
+          <p:cNvPr id="10" name="椭圆 9"/>
+          <p:cNvSpPr/>
+          <p:nvPr/>
+        </p:nvSpPr>
+        <p:spPr>
+          <a:xfrm>
+            <a:off x="1979712" y="3010642"/>
+            <a:ext cx="864096" cy="451037"/>
+          </a:xfrm>
+          <a:prstGeom prst="ellipse">
+            <a:avLst/>
+          </a:prstGeom>
+          <a:solidFill>
+            <a:srgbClr val="92D050"/>
+          </a:solidFill>
+          <a:ln>
+            <a:noFill/>
+          </a:ln>
+        </p:spPr>
+        <p:style>
+          <a:lnRef idx="2">
+            <a:schemeClr val="accent1">
+              <a:shade val="50000"/>
+            </a:schemeClr>
+          </a:lnRef>
+          <a:fillRef idx="1">
+            <a:schemeClr val="accent1"/>
+          </a:fillRef>
+          <a:effectRef idx="0">
+            <a:schemeClr val="accent1"/>
+          </a:effectRef>
+          <a:fontRef idx="minor">
+            <a:schemeClr val="lt1"/>
+          </a:fontRef>
+        </p:style>
+        <p:txBody>
+          <a:bodyPr rtlCol="0" anchor="ctr"/>
+          <a:lstStyle/>
+          <a:p>
+            <a:pPr algn="ctr"/>
+            <a:r>
+              <a:rPr lang="en-US" altLang="zh-CN" sz="1400" b="1" dirty="0" smtClean="0">
+                <a:solidFill>
+                  <a:schemeClr val="tx1"/>
+                </a:solidFill>
+              </a:rPr>
+              <a:t>client</a:t>
+            </a:r>
+            <a:endParaRPr lang="zh-CN" altLang="en-US" sz="1400" b="1" dirty="0">
+              <a:solidFill>
+                <a:schemeClr val="tx1"/>
+              </a:solidFill>
+            </a:endParaRPr>
+          </a:p>
+        </p:txBody>
+      </p:sp>
+      <p:cxnSp>
+        <p:nvCxnSpPr>
+          <p:cNvPr id="12" name="直接箭头连接符 11"/>
+          <p:cNvCxnSpPr>
+            <a:stCxn id="8" idx="6"/>
+            <a:endCxn id="34" idx="1"/>
+          </p:cNvCxnSpPr>
+          <p:nvPr/>
+        </p:nvCxnSpPr>
+        <p:spPr>
+          <a:xfrm>
+            <a:off x="2843808" y="1868011"/>
+            <a:ext cx="1080120" cy="483459"/>
+          </a:xfrm>
+          <a:prstGeom prst="straightConnector1">
+            <a:avLst/>
+          </a:prstGeom>
+          <a:ln>
+            <a:tailEnd type="triangle"/>
+          </a:ln>
+        </p:spPr>
+        <p:style>
+          <a:lnRef idx="1">
+            <a:schemeClr val="accent1"/>
+          </a:lnRef>
+          <a:fillRef idx="0">
+            <a:schemeClr val="accent1"/>
+          </a:fillRef>
+          <a:effectRef idx="0">
+            <a:schemeClr val="accent1"/>
+          </a:effectRef>
+          <a:fontRef idx="minor">
+            <a:schemeClr val="tx1"/>
+          </a:fontRef>
+        </p:style>
+      </p:cxnSp>
+      <p:cxnSp>
+        <p:nvCxnSpPr>
+          <p:cNvPr id="14" name="直接箭头连接符 13"/>
+          <p:cNvCxnSpPr>
+            <a:stCxn id="9" idx="6"/>
+            <a:endCxn id="34" idx="1"/>
+          </p:cNvCxnSpPr>
+          <p:nvPr/>
+        </p:nvCxnSpPr>
+        <p:spPr>
+          <a:xfrm flipV="1">
+            <a:off x="2843808" y="2351470"/>
+            <a:ext cx="1080120" cy="200616"/>
+          </a:xfrm>
+          <a:prstGeom prst="straightConnector1">
+            <a:avLst/>
+          </a:prstGeom>
+          <a:ln>
+            <a:tailEnd type="triangle"/>
+          </a:ln>
+        </p:spPr>
+        <p:style>
+          <a:lnRef idx="1">
+            <a:schemeClr val="accent1"/>
+          </a:lnRef>
+          <a:fillRef idx="0">
+            <a:schemeClr val="accent1"/>
+          </a:fillRef>
+          <a:effectRef idx="0">
+            <a:schemeClr val="accent1"/>
+          </a:effectRef>
+          <a:fontRef idx="minor">
+            <a:schemeClr val="tx1"/>
+          </a:fontRef>
+        </p:style>
+      </p:cxnSp>
+      <p:cxnSp>
+        <p:nvCxnSpPr>
+          <p:cNvPr id="16" name="直接箭头连接符 15"/>
+          <p:cNvCxnSpPr>
+            <a:stCxn id="10" idx="6"/>
+            <a:endCxn id="6" idx="1"/>
+          </p:cNvCxnSpPr>
+          <p:nvPr/>
+        </p:nvCxnSpPr>
+        <p:spPr>
+          <a:xfrm flipV="1">
+            <a:off x="2843808" y="3110778"/>
+            <a:ext cx="1080120" cy="125383"/>
+          </a:xfrm>
+          <a:prstGeom prst="straightConnector1">
+            <a:avLst/>
+          </a:prstGeom>
+          <a:ln>
+            <a:tailEnd type="triangle"/>
+          </a:ln>
+        </p:spPr>
+        <p:style>
+          <a:lnRef idx="1">
+            <a:schemeClr val="accent1"/>
+          </a:lnRef>
+          <a:fillRef idx="0">
+            <a:schemeClr val="accent1"/>
+          </a:fillRef>
+          <a:effectRef idx="0">
+            <a:schemeClr val="accent1"/>
+          </a:effectRef>
+          <a:fontRef idx="minor">
+            <a:schemeClr val="tx1"/>
+          </a:fontRef>
+        </p:style>
+      </p:cxnSp>
+      <p:sp>
+        <p:nvSpPr>
+          <p:cNvPr id="17" name="椭圆 16"/>
+          <p:cNvSpPr/>
+          <p:nvPr/>
+        </p:nvSpPr>
+        <p:spPr>
+          <a:xfrm>
+            <a:off x="1979712" y="3666236"/>
+            <a:ext cx="864096" cy="451037"/>
+          </a:xfrm>
+          <a:prstGeom prst="ellipse">
+            <a:avLst/>
+          </a:prstGeom>
+          <a:solidFill>
+            <a:srgbClr val="92D050"/>
+          </a:solidFill>
+          <a:ln>
+            <a:noFill/>
+          </a:ln>
+        </p:spPr>
+        <p:style>
+          <a:lnRef idx="2">
+            <a:schemeClr val="accent1">
+              <a:shade val="50000"/>
+            </a:schemeClr>
+          </a:lnRef>
+          <a:fillRef idx="1">
+            <a:schemeClr val="accent1"/>
+          </a:fillRef>
+          <a:effectRef idx="0">
+            <a:schemeClr val="accent1"/>
+          </a:effectRef>
+          <a:fontRef idx="minor">
+            <a:schemeClr val="lt1"/>
+          </a:fontRef>
+        </p:style>
+        <p:txBody>
+          <a:bodyPr rtlCol="0" anchor="ctr"/>
+          <a:lstStyle/>
+          <a:p>
+            <a:pPr algn="ctr"/>
+            <a:r>
+              <a:rPr lang="en-US" altLang="zh-CN" sz="1400" b="1" dirty="0" smtClean="0">
+                <a:solidFill>
+                  <a:schemeClr val="tx1"/>
+                </a:solidFill>
+              </a:rPr>
+              <a:t>client</a:t>
+            </a:r>
+            <a:endParaRPr lang="zh-CN" altLang="en-US" sz="1400" b="1" dirty="0">
+              <a:solidFill>
+                <a:schemeClr val="tx1"/>
+              </a:solidFill>
+            </a:endParaRPr>
+          </a:p>
+        </p:txBody>
+      </p:sp>
+      <p:cxnSp>
+        <p:nvCxnSpPr>
+          <p:cNvPr id="19" name="直接箭头连接符 18"/>
+          <p:cNvCxnSpPr>
+            <a:stCxn id="17" idx="6"/>
+            <a:endCxn id="6" idx="1"/>
+          </p:cNvCxnSpPr>
+          <p:nvPr/>
+        </p:nvCxnSpPr>
+        <p:spPr>
+          <a:xfrm flipV="1">
+            <a:off x="2843808" y="3110778"/>
+            <a:ext cx="1080120" cy="780977"/>
+          </a:xfrm>
+          <a:prstGeom prst="straightConnector1">
+            <a:avLst/>
+          </a:prstGeom>
+          <a:ln>
+            <a:tailEnd type="triangle"/>
+          </a:ln>
+        </p:spPr>
+        <p:style>
+          <a:lnRef idx="1">
+            <a:schemeClr val="accent1"/>
+          </a:lnRef>
+          <a:fillRef idx="0">
+            <a:schemeClr val="accent1"/>
+          </a:fillRef>
+          <a:effectRef idx="0">
+            <a:schemeClr val="accent1"/>
+          </a:effectRef>
+          <a:fontRef idx="minor">
+            <a:schemeClr val="tx1"/>
+          </a:fontRef>
+        </p:style>
+      </p:cxnSp>
+      <p:sp>
+        <p:nvSpPr>
+          <p:cNvPr id="34" name="圆角矩形 33"/>
+          <p:cNvSpPr/>
+          <p:nvPr/>
+        </p:nvSpPr>
+        <p:spPr>
+          <a:xfrm>
+            <a:off x="3923928" y="2171450"/>
+            <a:ext cx="1368152" cy="360040"/>
+          </a:xfrm>
+          <a:prstGeom prst="roundRect">
+            <a:avLst/>
+          </a:prstGeom>
+          <a:solidFill>
+            <a:srgbClr val="0070C0"/>
+          </a:solidFill>
+          <a:ln>
+            <a:noFill/>
+          </a:ln>
+        </p:spPr>
+        <p:style>
+          <a:lnRef idx="2">
+            <a:schemeClr val="accent1">
+              <a:shade val="50000"/>
+            </a:schemeClr>
+          </a:lnRef>
+          <a:fillRef idx="1">
+            <a:schemeClr val="accent1"/>
+          </a:fillRef>
+          <a:effectRef idx="0">
+            <a:schemeClr val="accent1"/>
+          </a:effectRef>
+          <a:fontRef idx="minor">
+            <a:schemeClr val="lt1"/>
+          </a:fontRef>
+        </p:style>
+        <p:txBody>
+          <a:bodyPr rtlCol="0" anchor="ctr"/>
+          <a:lstStyle/>
+          <a:p>
+            <a:pPr algn="ctr"/>
+            <a:r>
+              <a:rPr lang="en-US" altLang="zh-CN" sz="1400" b="1" dirty="0" err="1" smtClean="0">
+                <a:solidFill>
+                  <a:schemeClr val="tx1"/>
+                </a:solidFill>
+              </a:rPr>
+              <a:t>fiber_proc</a:t>
+            </a:r>
+            <a:endParaRPr lang="zh-CN" altLang="en-US" sz="1400" b="1" dirty="0">
+              <a:solidFill>
+                <a:schemeClr val="tx1"/>
+              </a:solidFill>
+            </a:endParaRPr>
+          </a:p>
+        </p:txBody>
+      </p:sp>
+      <p:cxnSp>
+        <p:nvCxnSpPr>
+          <p:cNvPr id="44" name="直接箭头连接符 43"/>
+          <p:cNvCxnSpPr>
+            <a:stCxn id="8" idx="6"/>
+            <a:endCxn id="5" idx="1"/>
+          </p:cNvCxnSpPr>
+          <p:nvPr/>
+        </p:nvCxnSpPr>
+        <p:spPr>
+          <a:xfrm flipV="1">
+            <a:off x="2843808" y="1632997"/>
+            <a:ext cx="1080120" cy="235014"/>
+          </a:xfrm>
+          <a:prstGeom prst="straightConnector1">
+            <a:avLst/>
+          </a:prstGeom>
+          <a:ln>
+            <a:prstDash val="dash"/>
+            <a:tailEnd type="triangle"/>
+          </a:ln>
+        </p:spPr>
+        <p:style>
+          <a:lnRef idx="1">
+            <a:schemeClr val="accent1"/>
+          </a:lnRef>
+          <a:fillRef idx="0">
+            <a:schemeClr val="accent1"/>
+          </a:fillRef>
+          <a:effectRef idx="0">
+            <a:schemeClr val="accent1"/>
+          </a:effectRef>
+          <a:fontRef idx="minor">
+            <a:schemeClr val="tx1"/>
+          </a:fontRef>
+        </p:style>
+      </p:cxnSp>
+      <p:cxnSp>
+        <p:nvCxnSpPr>
+          <p:cNvPr id="47" name="直接箭头连接符 46"/>
+          <p:cNvCxnSpPr>
+            <a:stCxn id="9" idx="6"/>
+            <a:endCxn id="5" idx="1"/>
+          </p:cNvCxnSpPr>
+          <p:nvPr/>
+        </p:nvCxnSpPr>
+        <p:spPr>
+          <a:xfrm flipV="1">
+            <a:off x="2843808" y="1632997"/>
+            <a:ext cx="1080120" cy="919089"/>
+          </a:xfrm>
+          <a:prstGeom prst="straightConnector1">
+            <a:avLst/>
+          </a:prstGeom>
+          <a:ln>
+            <a:prstDash val="dash"/>
+            <a:tailEnd type="triangle"/>
+          </a:ln>
+        </p:spPr>
+        <p:style>
+          <a:lnRef idx="1">
+            <a:schemeClr val="accent1"/>
+          </a:lnRef>
+          <a:fillRef idx="0">
+            <a:schemeClr val="accent1"/>
+          </a:fillRef>
+          <a:effectRef idx="0">
+            <a:schemeClr val="accent1"/>
+          </a:effectRef>
+          <a:fontRef idx="minor">
+            <a:schemeClr val="tx1"/>
+          </a:fontRef>
+        </p:style>
+      </p:cxnSp>
+      <p:cxnSp>
+        <p:nvCxnSpPr>
+          <p:cNvPr id="49" name="直接箭头连接符 48"/>
+          <p:cNvCxnSpPr>
+            <a:stCxn id="10" idx="6"/>
+            <a:endCxn id="5" idx="1"/>
+          </p:cNvCxnSpPr>
+          <p:nvPr/>
+        </p:nvCxnSpPr>
+        <p:spPr>
+          <a:xfrm flipV="1">
+            <a:off x="2843808" y="1632997"/>
+            <a:ext cx="1080120" cy="1603164"/>
+          </a:xfrm>
+          <a:prstGeom prst="straightConnector1">
+            <a:avLst/>
+          </a:prstGeom>
+          <a:ln>
+            <a:prstDash val="dash"/>
+            <a:tailEnd type="triangle"/>
+          </a:ln>
+        </p:spPr>
+        <p:style>
+          <a:lnRef idx="1">
+            <a:schemeClr val="accent1"/>
+          </a:lnRef>
+          <a:fillRef idx="0">
+            <a:schemeClr val="accent1"/>
+          </a:fillRef>
+          <a:effectRef idx="0">
+            <a:schemeClr val="accent1"/>
+          </a:effectRef>
+          <a:fontRef idx="minor">
+            <a:schemeClr val="tx1"/>
+          </a:fontRef>
+        </p:style>
+      </p:cxnSp>
+      <p:cxnSp>
+        <p:nvCxnSpPr>
+          <p:cNvPr id="54" name="直接箭头连接符 53"/>
+          <p:cNvCxnSpPr>
+            <a:stCxn id="17" idx="6"/>
+            <a:endCxn id="5" idx="1"/>
+          </p:cNvCxnSpPr>
+          <p:nvPr/>
+        </p:nvCxnSpPr>
+        <p:spPr>
+          <a:xfrm flipV="1">
+            <a:off x="2843808" y="1632997"/>
+            <a:ext cx="1080120" cy="2258758"/>
+          </a:xfrm>
+          <a:prstGeom prst="straightConnector1">
+            <a:avLst/>
+          </a:prstGeom>
+          <a:ln>
+            <a:prstDash val="dash"/>
+            <a:tailEnd type="triangle"/>
+          </a:ln>
+        </p:spPr>
+        <p:style>
+          <a:lnRef idx="1">
+            <a:schemeClr val="accent1"/>
+          </a:lnRef>
+          <a:fillRef idx="0">
+            <a:schemeClr val="accent1"/>
+          </a:fillRef>
+          <a:effectRef idx="0">
+            <a:schemeClr val="accent1"/>
+          </a:effectRef>
+          <a:fontRef idx="minor">
+            <a:schemeClr val="tx1"/>
+          </a:fontRef>
+        </p:style>
+      </p:cxnSp>
+      <p:sp>
+        <p:nvSpPr>
+          <p:cNvPr id="108" name="圆角矩形 107"/>
+          <p:cNvSpPr/>
+          <p:nvPr/>
+        </p:nvSpPr>
+        <p:spPr>
+          <a:xfrm>
+            <a:off x="6275032" y="1850638"/>
+            <a:ext cx="648072" cy="360040"/>
+          </a:xfrm>
+          <a:prstGeom prst="roundRect">
+            <a:avLst/>
+          </a:prstGeom>
+          <a:solidFill>
+            <a:srgbClr val="00B0F0"/>
+          </a:solidFill>
+          <a:ln>
+            <a:noFill/>
+          </a:ln>
+        </p:spPr>
+        <p:style>
+          <a:lnRef idx="2">
+            <a:schemeClr val="accent1">
+              <a:shade val="50000"/>
+            </a:schemeClr>
+          </a:lnRef>
+          <a:fillRef idx="1">
+            <a:schemeClr val="accent1"/>
+          </a:fillRef>
+          <a:effectRef idx="0">
+            <a:schemeClr val="accent1"/>
+          </a:effectRef>
+          <a:fontRef idx="minor">
+            <a:schemeClr val="lt1"/>
+          </a:fontRef>
+        </p:style>
+        <p:txBody>
+          <a:bodyPr rtlCol="0" anchor="ctr"/>
+          <a:lstStyle/>
+          <a:p>
+            <a:pPr algn="ctr"/>
+            <a:r>
+              <a:rPr lang="en-US" altLang="zh-CN" sz="1400" b="1" dirty="0" smtClean="0">
+                <a:solidFill>
+                  <a:schemeClr val="tx1"/>
+                </a:solidFill>
+              </a:rPr>
+              <a:t>fiber</a:t>
+            </a:r>
+            <a:endParaRPr lang="zh-CN" altLang="en-US" sz="1400" b="1" dirty="0">
+              <a:solidFill>
+                <a:schemeClr val="tx1"/>
+              </a:solidFill>
+            </a:endParaRPr>
+          </a:p>
+        </p:txBody>
+      </p:sp>
+      <p:sp>
+        <p:nvSpPr>
+          <p:cNvPr id="109" name="圆角矩形 108"/>
+          <p:cNvSpPr/>
+          <p:nvPr/>
+        </p:nvSpPr>
+        <p:spPr>
+          <a:xfrm>
+            <a:off x="6275032" y="2282686"/>
+            <a:ext cx="648072" cy="360040"/>
+          </a:xfrm>
+          <a:prstGeom prst="roundRect">
+            <a:avLst/>
+          </a:prstGeom>
+          <a:solidFill>
+            <a:srgbClr val="00B0F0"/>
+          </a:solidFill>
+          <a:ln>
+            <a:noFill/>
+          </a:ln>
+        </p:spPr>
+        <p:style>
+          <a:lnRef idx="2">
+            <a:schemeClr val="accent1">
+              <a:shade val="50000"/>
+            </a:schemeClr>
+          </a:lnRef>
+          <a:fillRef idx="1">
+            <a:schemeClr val="accent1"/>
+          </a:fillRef>
+          <a:effectRef idx="0">
+            <a:schemeClr val="accent1"/>
+          </a:effectRef>
+          <a:fontRef idx="minor">
+            <a:schemeClr val="lt1"/>
+          </a:fontRef>
+        </p:style>
+        <p:txBody>
+          <a:bodyPr rtlCol="0" anchor="ctr"/>
+          <a:lstStyle/>
+          <a:p>
+            <a:pPr algn="ctr"/>
+            <a:r>
+              <a:rPr lang="en-US" altLang="zh-CN" sz="1400" b="1" dirty="0" smtClean="0">
+                <a:solidFill>
+                  <a:schemeClr val="tx1"/>
+                </a:solidFill>
+              </a:rPr>
+              <a:t>fiber</a:t>
+            </a:r>
+            <a:endParaRPr lang="zh-CN" altLang="en-US" sz="1400" b="1" dirty="0">
+              <a:solidFill>
+                <a:schemeClr val="tx1"/>
+              </a:solidFill>
+            </a:endParaRPr>
+          </a:p>
+        </p:txBody>
+      </p:sp>
+      <p:cxnSp>
+        <p:nvCxnSpPr>
+          <p:cNvPr id="111" name="直接箭头连接符 110"/>
+          <p:cNvCxnSpPr>
+            <a:stCxn id="34" idx="3"/>
+            <a:endCxn id="108" idx="1"/>
+          </p:cNvCxnSpPr>
+          <p:nvPr/>
+        </p:nvCxnSpPr>
+        <p:spPr>
+          <a:xfrm flipV="1">
+            <a:off x="5292080" y="2030658"/>
+            <a:ext cx="982952" cy="320812"/>
+          </a:xfrm>
+          <a:prstGeom prst="straightConnector1">
+            <a:avLst/>
+          </a:prstGeom>
+          <a:ln>
+            <a:tailEnd type="triangle"/>
+          </a:ln>
+        </p:spPr>
+        <p:style>
+          <a:lnRef idx="1">
+            <a:schemeClr val="accent1"/>
+          </a:lnRef>
+          <a:fillRef idx="0">
+            <a:schemeClr val="accent1"/>
+          </a:fillRef>
+          <a:effectRef idx="0">
+            <a:schemeClr val="accent1"/>
+          </a:effectRef>
+          <a:fontRef idx="minor">
+            <a:schemeClr val="tx1"/>
+          </a:fontRef>
+        </p:style>
+      </p:cxnSp>
+      <p:cxnSp>
+        <p:nvCxnSpPr>
+          <p:cNvPr id="113" name="直接箭头连接符 112"/>
+          <p:cNvCxnSpPr>
+            <a:stCxn id="34" idx="3"/>
+            <a:endCxn id="109" idx="1"/>
+          </p:cNvCxnSpPr>
+          <p:nvPr/>
+        </p:nvCxnSpPr>
+        <p:spPr>
+          <a:xfrm>
+            <a:off x="5292080" y="2351470"/>
+            <a:ext cx="982952" cy="111236"/>
+          </a:xfrm>
+          <a:prstGeom prst="straightConnector1">
+            <a:avLst/>
+          </a:prstGeom>
+          <a:ln>
+            <a:tailEnd type="triangle"/>
+          </a:ln>
+        </p:spPr>
+        <p:style>
+          <a:lnRef idx="1">
+            <a:schemeClr val="accent1"/>
+          </a:lnRef>
+          <a:fillRef idx="0">
+            <a:schemeClr val="accent1"/>
+          </a:fillRef>
+          <a:effectRef idx="0">
+            <a:schemeClr val="accent1"/>
+          </a:effectRef>
+          <a:fontRef idx="minor">
+            <a:schemeClr val="tx1"/>
+          </a:fontRef>
+        </p:style>
+      </p:cxnSp>
+      <p:sp>
+        <p:nvSpPr>
+          <p:cNvPr id="114" name="圆角矩形 113"/>
+          <p:cNvSpPr/>
+          <p:nvPr/>
+        </p:nvSpPr>
+        <p:spPr>
+          <a:xfrm>
+            <a:off x="6292792" y="2786742"/>
+            <a:ext cx="648072" cy="360040"/>
+          </a:xfrm>
+          <a:prstGeom prst="roundRect">
+            <a:avLst/>
+          </a:prstGeom>
+          <a:solidFill>
+            <a:srgbClr val="00B0F0"/>
+          </a:solidFill>
+          <a:ln>
+            <a:noFill/>
+          </a:ln>
+        </p:spPr>
+        <p:style>
+          <a:lnRef idx="2">
+            <a:schemeClr val="accent1">
+              <a:shade val="50000"/>
+            </a:schemeClr>
+          </a:lnRef>
+          <a:fillRef idx="1">
+            <a:schemeClr val="accent1"/>
+          </a:fillRef>
+          <a:effectRef idx="0">
+            <a:schemeClr val="accent1"/>
+          </a:effectRef>
+          <a:fontRef idx="minor">
+            <a:schemeClr val="lt1"/>
+          </a:fontRef>
+        </p:style>
+        <p:txBody>
+          <a:bodyPr rtlCol="0" anchor="ctr"/>
+          <a:lstStyle/>
+          <a:p>
+            <a:pPr algn="ctr"/>
+            <a:r>
+              <a:rPr lang="en-US" altLang="zh-CN" sz="1400" b="1" dirty="0" smtClean="0">
+                <a:solidFill>
+                  <a:schemeClr val="tx1"/>
+                </a:solidFill>
+              </a:rPr>
+              <a:t>fiber</a:t>
+            </a:r>
+            <a:endParaRPr lang="zh-CN" altLang="en-US" sz="1400" b="1" dirty="0">
+              <a:solidFill>
+                <a:schemeClr val="tx1"/>
+              </a:solidFill>
+            </a:endParaRPr>
+          </a:p>
+        </p:txBody>
+      </p:sp>
+      <p:sp>
+        <p:nvSpPr>
+          <p:cNvPr id="115" name="圆角矩形 114"/>
+          <p:cNvSpPr/>
+          <p:nvPr/>
+        </p:nvSpPr>
+        <p:spPr>
+          <a:xfrm>
+            <a:off x="6292792" y="3218790"/>
+            <a:ext cx="648072" cy="360040"/>
+          </a:xfrm>
+          <a:prstGeom prst="roundRect">
+            <a:avLst/>
+          </a:prstGeom>
+          <a:solidFill>
+            <a:srgbClr val="00B0F0"/>
+          </a:solidFill>
+          <a:ln>
+            <a:noFill/>
+          </a:ln>
+        </p:spPr>
+        <p:style>
+          <a:lnRef idx="2">
+            <a:schemeClr val="accent1">
+              <a:shade val="50000"/>
+            </a:schemeClr>
+          </a:lnRef>
+          <a:fillRef idx="1">
+            <a:schemeClr val="accent1"/>
+          </a:fillRef>
+          <a:effectRef idx="0">
+            <a:schemeClr val="accent1"/>
+          </a:effectRef>
+          <a:fontRef idx="minor">
+            <a:schemeClr val="lt1"/>
+          </a:fontRef>
+        </p:style>
+        <p:txBody>
+          <a:bodyPr rtlCol="0" anchor="ctr"/>
+          <a:lstStyle/>
+          <a:p>
+            <a:pPr algn="ctr"/>
+            <a:r>
+              <a:rPr lang="en-US" altLang="zh-CN" sz="1400" b="1" dirty="0" smtClean="0">
+                <a:solidFill>
+                  <a:schemeClr val="tx1"/>
+                </a:solidFill>
+              </a:rPr>
+              <a:t>fiber</a:t>
+            </a:r>
+            <a:endParaRPr lang="zh-CN" altLang="en-US" sz="1400" b="1" dirty="0">
+              <a:solidFill>
+                <a:schemeClr val="tx1"/>
+              </a:solidFill>
+            </a:endParaRPr>
+          </a:p>
+        </p:txBody>
+      </p:sp>
+      <p:cxnSp>
+        <p:nvCxnSpPr>
+          <p:cNvPr id="116" name="直接箭头连接符 115"/>
+          <p:cNvCxnSpPr>
+            <a:stCxn id="6" idx="3"/>
+            <a:endCxn id="114" idx="1"/>
+          </p:cNvCxnSpPr>
+          <p:nvPr/>
+        </p:nvCxnSpPr>
+        <p:spPr>
+          <a:xfrm flipV="1">
+            <a:off x="5292080" y="2966762"/>
+            <a:ext cx="1000712" cy="144016"/>
+          </a:xfrm>
+          <a:prstGeom prst="straightConnector1">
+            <a:avLst/>
+          </a:prstGeom>
+          <a:ln>
+            <a:tailEnd type="triangle"/>
+          </a:ln>
+        </p:spPr>
+        <p:style>
+          <a:lnRef idx="1">
+            <a:schemeClr val="accent1"/>
+          </a:lnRef>
+          <a:fillRef idx="0">
+            <a:schemeClr val="accent1"/>
+          </a:fillRef>
+          <a:effectRef idx="0">
+            <a:schemeClr val="accent1"/>
+          </a:effectRef>
+          <a:fontRef idx="minor">
+            <a:schemeClr val="tx1"/>
+          </a:fontRef>
+        </p:style>
+      </p:cxnSp>
+      <p:cxnSp>
+        <p:nvCxnSpPr>
+          <p:cNvPr id="117" name="直接箭头连接符 116"/>
+          <p:cNvCxnSpPr>
+            <a:stCxn id="6" idx="3"/>
+            <a:endCxn id="115" idx="1"/>
+          </p:cNvCxnSpPr>
+          <p:nvPr/>
+        </p:nvCxnSpPr>
+        <p:spPr>
+          <a:xfrm>
+            <a:off x="5292080" y="3110778"/>
+            <a:ext cx="1000712" cy="288032"/>
+          </a:xfrm>
+          <a:prstGeom prst="straightConnector1">
+            <a:avLst/>
+          </a:prstGeom>
+          <a:ln>
+            <a:tailEnd type="triangle"/>
+          </a:ln>
+        </p:spPr>
+        <p:style>
+          <a:lnRef idx="1">
+            <a:schemeClr val="accent1"/>
+          </a:lnRef>
+          <a:fillRef idx="0">
+            <a:schemeClr val="accent1"/>
+          </a:fillRef>
+          <a:effectRef idx="0">
+            <a:schemeClr val="accent1"/>
+          </a:effectRef>
+          <a:fontRef idx="minor">
+            <a:schemeClr val="tx1"/>
+          </a:fontRef>
+        </p:style>
+      </p:cxnSp>
+      <p:sp>
+        <p:nvSpPr>
+          <p:cNvPr id="120" name="矩形 119"/>
+          <p:cNvSpPr/>
+          <p:nvPr/>
+        </p:nvSpPr>
+        <p:spPr>
+          <a:xfrm>
+            <a:off x="3700504" y="1268760"/>
+            <a:ext cx="2016224" cy="2216954"/>
+          </a:xfrm>
+          <a:prstGeom prst="rect">
+            <a:avLst/>
+          </a:prstGeom>
+          <a:noFill/>
+          <a:ln>
+            <a:solidFill>
+              <a:srgbClr val="7030A0"/>
+            </a:solidFill>
+            <a:prstDash val="dashDot"/>
+          </a:ln>
+        </p:spPr>
+        <p:style>
+          <a:lnRef idx="2">
+            <a:schemeClr val="accent1">
+              <a:shade val="50000"/>
+            </a:schemeClr>
+          </a:lnRef>
+          <a:fillRef idx="1">
+            <a:schemeClr val="accent1"/>
+          </a:fillRef>
+          <a:effectRef idx="0">
+            <a:schemeClr val="accent1"/>
+          </a:effectRef>
+          <a:fontRef idx="minor">
+            <a:schemeClr val="lt1"/>
+          </a:fontRef>
+        </p:style>
+        <p:txBody>
+          <a:bodyPr rtlCol="0" anchor="ctr"/>
+          <a:lstStyle/>
+          <a:p>
+            <a:pPr algn="ctr"/>
+            <a:endParaRPr lang="zh-CN" altLang="en-US"/>
+          </a:p>
+        </p:txBody>
+      </p:sp>
+      <p:sp>
+        <p:nvSpPr>
+          <p:cNvPr id="121" name="上箭头 120"/>
+          <p:cNvSpPr/>
+          <p:nvPr/>
+        </p:nvSpPr>
+        <p:spPr>
+          <a:xfrm>
+            <a:off x="4528600" y="3595936"/>
+            <a:ext cx="360040" cy="451037"/>
+          </a:xfrm>
+          <a:prstGeom prst="upArrow">
+            <a:avLst/>
+          </a:prstGeom>
+          <a:solidFill>
+            <a:srgbClr val="002060"/>
+          </a:solidFill>
+          <a:ln>
+            <a:noFill/>
+          </a:ln>
+        </p:spPr>
+        <p:style>
+          <a:lnRef idx="2">
+            <a:schemeClr val="accent1">
+              <a:shade val="50000"/>
+            </a:schemeClr>
+          </a:lnRef>
+          <a:fillRef idx="1">
+            <a:schemeClr val="accent1"/>
+          </a:fillRef>
+          <a:effectRef idx="0">
+            <a:schemeClr val="accent1"/>
+          </a:effectRef>
+          <a:fontRef idx="minor">
+            <a:schemeClr val="lt1"/>
+          </a:fontRef>
+        </p:style>
+        <p:txBody>
+          <a:bodyPr rtlCol="0" anchor="ctr"/>
+          <a:lstStyle/>
+          <a:p>
+            <a:pPr algn="ctr"/>
+            <a:endParaRPr lang="zh-CN" altLang="en-US"/>
+          </a:p>
+        </p:txBody>
+      </p:sp>
+      <p:cxnSp>
+        <p:nvCxnSpPr>
+          <p:cNvPr id="123" name="直接箭头连接符 122"/>
+          <p:cNvCxnSpPr>
+            <a:stCxn id="5" idx="2"/>
+            <a:endCxn id="34" idx="0"/>
+          </p:cNvCxnSpPr>
+          <p:nvPr/>
+        </p:nvCxnSpPr>
+        <p:spPr>
+          <a:xfrm>
+            <a:off x="4608004" y="1813017"/>
+            <a:ext cx="0" cy="358433"/>
+          </a:xfrm>
+          <a:prstGeom prst="straightConnector1">
+            <a:avLst/>
+          </a:prstGeom>
+          <a:ln>
+            <a:tailEnd type="triangle"/>
+          </a:ln>
+        </p:spPr>
+        <p:style>
+          <a:lnRef idx="2">
+            <a:schemeClr val="accent3"/>
+          </a:lnRef>
+          <a:fillRef idx="0">
+            <a:schemeClr val="accent3"/>
+          </a:fillRef>
+          <a:effectRef idx="1">
+            <a:schemeClr val="accent3"/>
+          </a:effectRef>
+          <a:fontRef idx="minor">
+            <a:schemeClr val="tx1"/>
+          </a:fontRef>
+        </p:style>
+      </p:cxnSp>
+      <p:cxnSp>
+        <p:nvCxnSpPr>
+          <p:cNvPr id="125" name="肘形连接符 124"/>
+          <p:cNvCxnSpPr>
+            <a:stCxn id="5" idx="3"/>
+            <a:endCxn id="6" idx="0"/>
+          </p:cNvCxnSpPr>
+          <p:nvPr/>
+        </p:nvCxnSpPr>
+        <p:spPr>
+          <a:xfrm flipH="1">
+            <a:off x="4608004" y="1632997"/>
+            <a:ext cx="684076" cy="1297761"/>
+          </a:xfrm>
+          <a:prstGeom prst="bentConnector4">
+            <a:avLst>
+              <a:gd name="adj1" fmla="val -33417"/>
+              <a:gd name="adj2" fmla="val 80423"/>
+            </a:avLst>
+          </a:prstGeom>
+          <a:ln>
+            <a:tailEnd type="triangle"/>
+          </a:ln>
+        </p:spPr>
+        <p:style>
+          <a:lnRef idx="2">
+            <a:schemeClr val="accent3"/>
+          </a:lnRef>
+          <a:fillRef idx="0">
+            <a:schemeClr val="accent3"/>
+          </a:fillRef>
+          <a:effectRef idx="1">
+            <a:schemeClr val="accent3"/>
+          </a:effectRef>
+          <a:fontRef idx="minor">
+            <a:schemeClr val="tx1"/>
+          </a:fontRef>
+        </p:style>
+      </p:cxnSp>
     </p:spTree>
     <p:extLst>
       <p:ext uri="{BB962C8B-B14F-4D97-AF65-F5344CB8AC3E}">
-        <p14:creationId xmlns:p14="http://schemas.microsoft.com/office/powerpoint/2010/main" val="1199947123"/>
+        <p14:creationId xmlns:p14="http://schemas.microsoft.com/office/powerpoint/2010/main" val="2362337726"/>
       </p:ext>
     </p:extLst>
   </p:cSld>
@@ -18641,17 +20608,60 @@
             <p:ph idx="1"/>
           </p:nvPr>
         </p:nvSpPr>
-        <p:spPr>
-          <a:xfrm>
-            <a:off x="428596" y="4407011"/>
-            <a:ext cx="8229600" cy="1784257"/>
-          </a:xfrm>
-        </p:spPr>
+        <p:spPr/>
         <p:txBody>
-          <a:bodyPr>
-            <a:normAutofit/>
-          </a:bodyPr>
+          <a:bodyPr/>
           <a:lstStyle/>
+          <a:p>
+            <a:r>
+              <a:rPr lang="zh-CN" altLang="en-US" dirty="0" smtClean="0"/>
+              <a:t>协程间为什么需要通信？</a:t>
+            </a:r>
+            <a:endParaRPr lang="en-US" altLang="zh-CN" dirty="0" smtClean="0"/>
+          </a:p>
+          <a:p>
+            <a:r>
+              <a:rPr lang="en-US" altLang="zh-CN" sz="1600" dirty="0" smtClean="0"/>
+              <a:t>1</a:t>
+            </a:r>
+            <a:r>
+              <a:rPr lang="zh-CN" altLang="en-US" sz="1600" dirty="0" smtClean="0"/>
+              <a:t>、业务逻辑的模块化</a:t>
+            </a:r>
+            <a:endParaRPr lang="en-US" altLang="zh-CN" sz="1600" dirty="0" smtClean="0"/>
+          </a:p>
+          <a:p>
+            <a:r>
+              <a:rPr lang="en-US" altLang="zh-CN" sz="1600" dirty="0" smtClean="0"/>
+              <a:t>2</a:t>
+            </a:r>
+            <a:r>
+              <a:rPr lang="zh-CN" altLang="en-US" sz="1600" dirty="0" smtClean="0"/>
+              <a:t>、业务模块的分层设计</a:t>
+            </a:r>
+            <a:endParaRPr lang="en-US" altLang="zh-CN" sz="1600" dirty="0" smtClean="0"/>
+          </a:p>
+          <a:p>
+            <a:r>
+              <a:rPr lang="en-US" altLang="zh-CN" sz="1600" dirty="0" smtClean="0"/>
+              <a:t>3</a:t>
+            </a:r>
+            <a:r>
+              <a:rPr lang="zh-CN" altLang="en-US" sz="1600" dirty="0" smtClean="0"/>
+              <a:t>、团队开发的协作性</a:t>
+            </a:r>
+            <a:endParaRPr lang="en-US" altLang="zh-CN" sz="1600" dirty="0" smtClean="0"/>
+          </a:p>
+          <a:p>
+            <a:endParaRPr lang="en-US" altLang="zh-CN" dirty="0"/>
+          </a:p>
+          <a:p>
+            <a:r>
+              <a:rPr lang="zh-CN" altLang="en-US" dirty="0" smtClean="0"/>
+              <a:t>协程间“通信”的本质：</a:t>
+            </a:r>
+            <a:endParaRPr lang="en-US" altLang="zh-CN" dirty="0" smtClean="0"/>
+          </a:p>
           <a:p>
             <a:r>
               <a:rPr lang="en-US" altLang="zh-CN" sz="1600" dirty="0" smtClean="0"/>
@@ -18659,1082 +20669,80 @@
             </a:r>
             <a:r>
               <a:rPr lang="zh-CN" altLang="en-US" sz="1600" dirty="0" smtClean="0"/>
-              <a:t>协程通信管道支持多对多方式</a:t>
+              <a:t>协程间数据的传递通过协程上下文的切换，本质上是协程间的数据交换</a:t>
             </a:r>
             <a:endParaRPr lang="en-US" altLang="zh-CN" sz="1600" dirty="0" smtClean="0"/>
           </a:p>
           <a:p>
+            <a:endParaRPr lang="en-US" altLang="zh-CN" dirty="0"/>
+          </a:p>
+          <a:p>
+            <a:r>
+              <a:rPr lang="zh-CN" altLang="en-US" dirty="0" smtClean="0"/>
+              <a:t>协程间“通信”的成本：</a:t>
+            </a:r>
+            <a:endParaRPr lang="en-US" altLang="zh-CN" dirty="0" smtClean="0"/>
+          </a:p>
+          <a:p>
             <a:r>
               <a:rPr lang="en-US" altLang="zh-CN" sz="1600" dirty="0" smtClean="0"/>
+              <a:t>1</a:t>
+            </a:r>
+            <a:r>
+              <a:rPr lang="zh-CN" altLang="en-US" sz="1600" dirty="0" smtClean="0"/>
+              <a:t>、协程上下文切换</a:t>
+            </a:r>
+            <a:endParaRPr lang="en-US" altLang="zh-CN" sz="1600" dirty="0" smtClean="0"/>
+          </a:p>
+          <a:p>
+            <a:r>
+              <a:rPr lang="en-US" altLang="zh-CN" sz="1600" dirty="0" smtClean="0"/>
+              <a:t>2</a:t>
+            </a:r>
+            <a:r>
+              <a:rPr lang="zh-CN" altLang="en-US" sz="1600" dirty="0" smtClean="0"/>
+              <a:t>、内存分配、释放</a:t>
+            </a:r>
+            <a:endParaRPr lang="en-US" altLang="zh-CN" sz="1600" dirty="0" smtClean="0"/>
+          </a:p>
+          <a:p>
+            <a:r>
+              <a:rPr lang="en-US" altLang="zh-CN" sz="1600" dirty="0" smtClean="0"/>
+              <a:t>3</a:t>
+            </a:r>
+            <a:r>
+              <a:rPr lang="zh-CN" altLang="en-US" sz="1600" dirty="0" smtClean="0"/>
+              <a:t>、数据拷贝</a:t>
+            </a:r>
+            <a:endParaRPr lang="en-US" altLang="zh-CN" sz="1600" dirty="0" smtClean="0"/>
+          </a:p>
+          <a:p>
+            <a:endParaRPr lang="en-US" altLang="zh-CN" dirty="0" smtClean="0"/>
+          </a:p>
+          <a:p>
+            <a:r>
+              <a:rPr lang="zh-CN" altLang="en-US" dirty="0" smtClean="0"/>
+              <a:t>协程间“通信”方式：</a:t>
+            </a:r>
+            <a:endParaRPr lang="en-US" altLang="zh-CN" dirty="0" smtClean="0"/>
+          </a:p>
+          <a:p>
+            <a:r>
+              <a:rPr lang="en-US" altLang="zh-CN" dirty="0" smtClean="0"/>
               <a:t>- </a:t>
             </a:r>
             <a:r>
               <a:rPr lang="zh-CN" altLang="en-US" sz="1600" dirty="0" smtClean="0"/>
-              <a:t>协程间通信通过切换协程上下文及数据交换完成</a:t>
-            </a:r>
-            <a:endParaRPr lang="en-US" altLang="zh-CN" sz="1600" dirty="0" smtClean="0"/>
-          </a:p>
-          <a:p>
-            <a:r>
-              <a:rPr lang="en-US" altLang="zh-CN" sz="1600" dirty="0" smtClean="0"/>
-              <a:t>- </a:t>
-            </a:r>
-            <a:r>
-              <a:rPr lang="zh-CN" altLang="en-US" sz="1600" dirty="0" smtClean="0"/>
-              <a:t>协程间通信时的数据交换支持缓冲模式</a:t>
-            </a:r>
-            <a:endParaRPr lang="en-US" altLang="zh-CN" sz="1600" dirty="0" smtClean="0"/>
-          </a:p>
-          <a:p>
-            <a:r>
-              <a:rPr lang="en-US" altLang="zh-CN" sz="1600" dirty="0" smtClean="0"/>
-              <a:t>- </a:t>
-            </a:r>
-            <a:r>
-              <a:rPr lang="zh-CN" altLang="en-US" sz="1600" dirty="0" smtClean="0"/>
-              <a:t>协程间通信时的数据交换采用随机分配方式</a:t>
+              <a:t>支持多对多数据交互</a:t>
             </a:r>
             <a:endParaRPr lang="zh-CN" altLang="en-US" sz="1600" dirty="0"/>
           </a:p>
         </p:txBody>
       </p:sp>
-      <p:sp>
-        <p:nvSpPr>
-          <p:cNvPr id="6" name="圆角矩形 5"/>
-          <p:cNvSpPr/>
-          <p:nvPr/>
-        </p:nvSpPr>
-        <p:spPr>
-          <a:xfrm>
-            <a:off x="3275856" y="1628800"/>
-            <a:ext cx="1123524" cy="329461"/>
-          </a:xfrm>
-          <a:prstGeom prst="roundRect">
-            <a:avLst/>
-          </a:prstGeom>
-          <a:ln>
-            <a:noFill/>
-          </a:ln>
-        </p:spPr>
-        <p:style>
-          <a:lnRef idx="2">
-            <a:schemeClr val="accent1">
-              <a:shade val="50000"/>
-            </a:schemeClr>
-          </a:lnRef>
-          <a:fillRef idx="1">
-            <a:schemeClr val="accent1"/>
-          </a:fillRef>
-          <a:effectRef idx="0">
-            <a:schemeClr val="accent1"/>
-          </a:effectRef>
-          <a:fontRef idx="minor">
-            <a:schemeClr val="lt1"/>
-          </a:fontRef>
-        </p:style>
-        <p:txBody>
-          <a:bodyPr rtlCol="0" anchor="ctr"/>
-          <a:lstStyle/>
-          <a:p>
-            <a:pPr algn="ctr"/>
-            <a:r>
-              <a:rPr lang="en-US" altLang="zh-CN" b="1" dirty="0" smtClean="0">
-                <a:solidFill>
-                  <a:schemeClr val="tx1"/>
-                </a:solidFill>
-              </a:rPr>
-              <a:t>channel</a:t>
-            </a:r>
-            <a:endParaRPr lang="zh-CN" altLang="en-US" b="1" dirty="0">
-              <a:solidFill>
-                <a:schemeClr val="tx1"/>
-              </a:solidFill>
-            </a:endParaRPr>
-          </a:p>
-        </p:txBody>
-      </p:sp>
-      <p:sp>
-        <p:nvSpPr>
-          <p:cNvPr id="7" name="椭圆 6"/>
-          <p:cNvSpPr/>
-          <p:nvPr/>
-        </p:nvSpPr>
-        <p:spPr>
-          <a:xfrm>
-            <a:off x="1763688" y="1340768"/>
-            <a:ext cx="1080120" cy="216024"/>
-          </a:xfrm>
-          <a:prstGeom prst="ellipse">
-            <a:avLst/>
-          </a:prstGeom>
-          <a:solidFill>
-            <a:srgbClr val="00B050"/>
-          </a:solidFill>
-          <a:ln>
-            <a:noFill/>
-          </a:ln>
-        </p:spPr>
-        <p:style>
-          <a:lnRef idx="2">
-            <a:schemeClr val="accent1">
-              <a:shade val="50000"/>
-            </a:schemeClr>
-          </a:lnRef>
-          <a:fillRef idx="1">
-            <a:schemeClr val="accent1"/>
-          </a:fillRef>
-          <a:effectRef idx="0">
-            <a:schemeClr val="accent1"/>
-          </a:effectRef>
-          <a:fontRef idx="minor">
-            <a:schemeClr val="lt1"/>
-          </a:fontRef>
-        </p:style>
-        <p:txBody>
-          <a:bodyPr rtlCol="0" anchor="ctr"/>
-          <a:lstStyle/>
-          <a:p>
-            <a:pPr algn="ctr"/>
-            <a:r>
-              <a:rPr lang="en-US" altLang="zh-CN" sz="1100" b="1" dirty="0" smtClean="0">
-                <a:solidFill>
-                  <a:schemeClr val="tx1"/>
-                </a:solidFill>
-              </a:rPr>
-              <a:t>producer</a:t>
-            </a:r>
-            <a:endParaRPr lang="zh-CN" altLang="en-US" sz="1100" b="1" dirty="0">
-              <a:solidFill>
-                <a:schemeClr val="tx1"/>
-              </a:solidFill>
-            </a:endParaRPr>
-          </a:p>
-        </p:txBody>
-      </p:sp>
-      <p:sp>
-        <p:nvSpPr>
-          <p:cNvPr id="8" name="椭圆 7"/>
-          <p:cNvSpPr/>
-          <p:nvPr/>
-        </p:nvSpPr>
-        <p:spPr>
-          <a:xfrm>
-            <a:off x="1758256" y="1702409"/>
-            <a:ext cx="1080120" cy="182984"/>
-          </a:xfrm>
-          <a:prstGeom prst="ellipse">
-            <a:avLst/>
-          </a:prstGeom>
-          <a:solidFill>
-            <a:srgbClr val="00B050"/>
-          </a:solidFill>
-          <a:ln>
-            <a:noFill/>
-          </a:ln>
-        </p:spPr>
-        <p:style>
-          <a:lnRef idx="2">
-            <a:schemeClr val="accent1">
-              <a:shade val="50000"/>
-            </a:schemeClr>
-          </a:lnRef>
-          <a:fillRef idx="1">
-            <a:schemeClr val="accent1"/>
-          </a:fillRef>
-          <a:effectRef idx="0">
-            <a:schemeClr val="accent1"/>
-          </a:effectRef>
-          <a:fontRef idx="minor">
-            <a:schemeClr val="lt1"/>
-          </a:fontRef>
-        </p:style>
-        <p:txBody>
-          <a:bodyPr rtlCol="0" anchor="ctr"/>
-          <a:lstStyle/>
-          <a:p>
-            <a:pPr algn="ctr"/>
-            <a:r>
-              <a:rPr lang="en-US" altLang="zh-CN" sz="1100" b="1" dirty="0" smtClean="0">
-                <a:solidFill>
-                  <a:schemeClr val="tx1"/>
-                </a:solidFill>
-              </a:rPr>
-              <a:t>producer</a:t>
-            </a:r>
-            <a:endParaRPr lang="zh-CN" altLang="en-US" sz="1100" b="1" dirty="0">
-              <a:solidFill>
-                <a:schemeClr val="tx1"/>
-              </a:solidFill>
-            </a:endParaRPr>
-          </a:p>
-        </p:txBody>
-      </p:sp>
-      <p:sp>
-        <p:nvSpPr>
-          <p:cNvPr id="9" name="椭圆 8"/>
-          <p:cNvSpPr/>
-          <p:nvPr/>
-        </p:nvSpPr>
-        <p:spPr>
-          <a:xfrm>
-            <a:off x="1758256" y="2031870"/>
-            <a:ext cx="1080120" cy="204186"/>
-          </a:xfrm>
-          <a:prstGeom prst="ellipse">
-            <a:avLst/>
-          </a:prstGeom>
-          <a:solidFill>
-            <a:srgbClr val="00B050"/>
-          </a:solidFill>
-          <a:ln>
-            <a:noFill/>
-          </a:ln>
-        </p:spPr>
-        <p:style>
-          <a:lnRef idx="2">
-            <a:schemeClr val="accent1">
-              <a:shade val="50000"/>
-            </a:schemeClr>
-          </a:lnRef>
-          <a:fillRef idx="1">
-            <a:schemeClr val="accent1"/>
-          </a:fillRef>
-          <a:effectRef idx="0">
-            <a:schemeClr val="accent1"/>
-          </a:effectRef>
-          <a:fontRef idx="minor">
-            <a:schemeClr val="lt1"/>
-          </a:fontRef>
-        </p:style>
-        <p:txBody>
-          <a:bodyPr rtlCol="0" anchor="ctr"/>
-          <a:lstStyle/>
-          <a:p>
-            <a:pPr algn="ctr"/>
-            <a:r>
-              <a:rPr lang="en-US" altLang="zh-CN" sz="1100" b="1" dirty="0" smtClean="0">
-                <a:solidFill>
-                  <a:schemeClr val="tx1"/>
-                </a:solidFill>
-              </a:rPr>
-              <a:t>producer</a:t>
-            </a:r>
-            <a:endParaRPr lang="zh-CN" altLang="en-US" sz="1100" b="1" dirty="0">
-              <a:solidFill>
-                <a:schemeClr val="tx1"/>
-              </a:solidFill>
-            </a:endParaRPr>
-          </a:p>
-        </p:txBody>
-      </p:sp>
-      <p:cxnSp>
-        <p:nvCxnSpPr>
-          <p:cNvPr id="11" name="直接箭头连接符 10"/>
-          <p:cNvCxnSpPr>
-            <a:stCxn id="7" idx="6"/>
-            <a:endCxn id="6" idx="1"/>
-          </p:cNvCxnSpPr>
-          <p:nvPr/>
-        </p:nvCxnSpPr>
-        <p:spPr>
-          <a:xfrm>
-            <a:off x="2843808" y="1448780"/>
-            <a:ext cx="432048" cy="344751"/>
-          </a:xfrm>
-          <a:prstGeom prst="straightConnector1">
-            <a:avLst/>
-          </a:prstGeom>
-          <a:ln>
-            <a:tailEnd type="triangle"/>
-          </a:ln>
-        </p:spPr>
-        <p:style>
-          <a:lnRef idx="1">
-            <a:schemeClr val="accent1"/>
-          </a:lnRef>
-          <a:fillRef idx="0">
-            <a:schemeClr val="accent1"/>
-          </a:fillRef>
-          <a:effectRef idx="0">
-            <a:schemeClr val="accent1"/>
-          </a:effectRef>
-          <a:fontRef idx="minor">
-            <a:schemeClr val="tx1"/>
-          </a:fontRef>
-        </p:style>
-      </p:cxnSp>
-      <p:cxnSp>
-        <p:nvCxnSpPr>
-          <p:cNvPr id="13" name="直接箭头连接符 12"/>
-          <p:cNvCxnSpPr>
-            <a:stCxn id="8" idx="6"/>
-            <a:endCxn id="6" idx="1"/>
-          </p:cNvCxnSpPr>
-          <p:nvPr/>
-        </p:nvCxnSpPr>
-        <p:spPr>
-          <a:xfrm flipV="1">
-            <a:off x="2838376" y="1793531"/>
-            <a:ext cx="437480" cy="370"/>
-          </a:xfrm>
-          <a:prstGeom prst="straightConnector1">
-            <a:avLst/>
-          </a:prstGeom>
-          <a:ln>
-            <a:tailEnd type="triangle"/>
-          </a:ln>
-        </p:spPr>
-        <p:style>
-          <a:lnRef idx="1">
-            <a:schemeClr val="accent1"/>
-          </a:lnRef>
-          <a:fillRef idx="0">
-            <a:schemeClr val="accent1"/>
-          </a:fillRef>
-          <a:effectRef idx="0">
-            <a:schemeClr val="accent1"/>
-          </a:effectRef>
-          <a:fontRef idx="minor">
-            <a:schemeClr val="tx1"/>
-          </a:fontRef>
-        </p:style>
-      </p:cxnSp>
-      <p:cxnSp>
-        <p:nvCxnSpPr>
-          <p:cNvPr id="15" name="直接箭头连接符 14"/>
-          <p:cNvCxnSpPr>
-            <a:stCxn id="9" idx="6"/>
-            <a:endCxn id="6" idx="1"/>
-          </p:cNvCxnSpPr>
-          <p:nvPr/>
-        </p:nvCxnSpPr>
-        <p:spPr>
-          <a:xfrm flipV="1">
-            <a:off x="2838376" y="1793531"/>
-            <a:ext cx="437480" cy="340432"/>
-          </a:xfrm>
-          <a:prstGeom prst="straightConnector1">
-            <a:avLst/>
-          </a:prstGeom>
-          <a:ln>
-            <a:tailEnd type="triangle"/>
-          </a:ln>
-        </p:spPr>
-        <p:style>
-          <a:lnRef idx="1">
-            <a:schemeClr val="accent1"/>
-          </a:lnRef>
-          <a:fillRef idx="0">
-            <a:schemeClr val="accent1"/>
-          </a:fillRef>
-          <a:effectRef idx="0">
-            <a:schemeClr val="accent1"/>
-          </a:effectRef>
-          <a:fontRef idx="minor">
-            <a:schemeClr val="tx1"/>
-          </a:fontRef>
-        </p:style>
-      </p:cxnSp>
-      <p:sp>
-        <p:nvSpPr>
-          <p:cNvPr id="22" name="椭圆 21"/>
-          <p:cNvSpPr/>
-          <p:nvPr/>
-        </p:nvSpPr>
-        <p:spPr>
-          <a:xfrm>
-            <a:off x="4865464" y="1173716"/>
-            <a:ext cx="1080120" cy="216024"/>
-          </a:xfrm>
-          <a:prstGeom prst="ellipse">
-            <a:avLst/>
-          </a:prstGeom>
-          <a:solidFill>
-            <a:srgbClr val="0070C0"/>
-          </a:solidFill>
-          <a:ln>
-            <a:noFill/>
-          </a:ln>
-        </p:spPr>
-        <p:style>
-          <a:lnRef idx="2">
-            <a:schemeClr val="accent1">
-              <a:shade val="50000"/>
-            </a:schemeClr>
-          </a:lnRef>
-          <a:fillRef idx="1">
-            <a:schemeClr val="accent1"/>
-          </a:fillRef>
-          <a:effectRef idx="0">
-            <a:schemeClr val="accent1"/>
-          </a:effectRef>
-          <a:fontRef idx="minor">
-            <a:schemeClr val="lt1"/>
-          </a:fontRef>
-        </p:style>
-        <p:txBody>
-          <a:bodyPr rtlCol="0" anchor="ctr"/>
-          <a:lstStyle/>
-          <a:p>
-            <a:pPr algn="ctr"/>
-            <a:r>
-              <a:rPr lang="en-US" altLang="zh-CN" sz="1100" b="1" dirty="0" smtClean="0">
-                <a:solidFill>
-                  <a:schemeClr val="tx1"/>
-                </a:solidFill>
-              </a:rPr>
-              <a:t>consumer</a:t>
-            </a:r>
-            <a:endParaRPr lang="zh-CN" altLang="en-US" sz="1100" b="1" dirty="0">
-              <a:solidFill>
-                <a:schemeClr val="tx1"/>
-              </a:solidFill>
-            </a:endParaRPr>
-          </a:p>
-        </p:txBody>
-      </p:sp>
-      <p:sp>
-        <p:nvSpPr>
-          <p:cNvPr id="23" name="椭圆 22"/>
-          <p:cNvSpPr/>
-          <p:nvPr/>
-        </p:nvSpPr>
-        <p:spPr>
-          <a:xfrm>
-            <a:off x="4860032" y="1535357"/>
-            <a:ext cx="1080120" cy="182984"/>
-          </a:xfrm>
-          <a:prstGeom prst="ellipse">
-            <a:avLst/>
-          </a:prstGeom>
-          <a:solidFill>
-            <a:srgbClr val="0070C0"/>
-          </a:solidFill>
-          <a:ln>
-            <a:noFill/>
-          </a:ln>
-        </p:spPr>
-        <p:style>
-          <a:lnRef idx="2">
-            <a:schemeClr val="accent1">
-              <a:shade val="50000"/>
-            </a:schemeClr>
-          </a:lnRef>
-          <a:fillRef idx="1">
-            <a:schemeClr val="accent1"/>
-          </a:fillRef>
-          <a:effectRef idx="0">
-            <a:schemeClr val="accent1"/>
-          </a:effectRef>
-          <a:fontRef idx="minor">
-            <a:schemeClr val="lt1"/>
-          </a:fontRef>
-        </p:style>
-        <p:txBody>
-          <a:bodyPr rtlCol="0" anchor="ctr"/>
-          <a:lstStyle/>
-          <a:p>
-            <a:pPr algn="ctr"/>
-            <a:r>
-              <a:rPr lang="en-US" altLang="zh-CN" sz="1100" b="1" dirty="0">
-                <a:solidFill>
-                  <a:schemeClr val="tx1"/>
-                </a:solidFill>
-              </a:rPr>
-              <a:t>consumer</a:t>
-            </a:r>
-            <a:endParaRPr lang="zh-CN" altLang="en-US" sz="1100" b="1" dirty="0">
-              <a:solidFill>
-                <a:schemeClr val="tx1"/>
-              </a:solidFill>
-            </a:endParaRPr>
-          </a:p>
-        </p:txBody>
-      </p:sp>
-      <p:sp>
-        <p:nvSpPr>
-          <p:cNvPr id="24" name="椭圆 23"/>
-          <p:cNvSpPr/>
-          <p:nvPr/>
-        </p:nvSpPr>
-        <p:spPr>
-          <a:xfrm>
-            <a:off x="4860032" y="1864818"/>
-            <a:ext cx="1080120" cy="204186"/>
-          </a:xfrm>
-          <a:prstGeom prst="ellipse">
-            <a:avLst/>
-          </a:prstGeom>
-          <a:solidFill>
-            <a:srgbClr val="0070C0"/>
-          </a:solidFill>
-          <a:ln>
-            <a:noFill/>
-          </a:ln>
-        </p:spPr>
-        <p:style>
-          <a:lnRef idx="2">
-            <a:schemeClr val="accent1">
-              <a:shade val="50000"/>
-            </a:schemeClr>
-          </a:lnRef>
-          <a:fillRef idx="1">
-            <a:schemeClr val="accent1"/>
-          </a:fillRef>
-          <a:effectRef idx="0">
-            <a:schemeClr val="accent1"/>
-          </a:effectRef>
-          <a:fontRef idx="minor">
-            <a:schemeClr val="lt1"/>
-          </a:fontRef>
-        </p:style>
-        <p:txBody>
-          <a:bodyPr rtlCol="0" anchor="ctr"/>
-          <a:lstStyle/>
-          <a:p>
-            <a:pPr algn="ctr"/>
-            <a:r>
-              <a:rPr lang="en-US" altLang="zh-CN" sz="1100" b="1" dirty="0">
-                <a:solidFill>
-                  <a:schemeClr val="tx1"/>
-                </a:solidFill>
-              </a:rPr>
-              <a:t>consumer</a:t>
-            </a:r>
-            <a:endParaRPr lang="zh-CN" altLang="en-US" sz="1100" b="1" dirty="0">
-              <a:solidFill>
-                <a:schemeClr val="tx1"/>
-              </a:solidFill>
-            </a:endParaRPr>
-          </a:p>
-        </p:txBody>
-      </p:sp>
-      <p:sp>
-        <p:nvSpPr>
-          <p:cNvPr id="25" name="椭圆 24"/>
-          <p:cNvSpPr/>
-          <p:nvPr/>
-        </p:nvSpPr>
-        <p:spPr>
-          <a:xfrm>
-            <a:off x="4869284" y="2216702"/>
-            <a:ext cx="1080120" cy="204186"/>
-          </a:xfrm>
-          <a:prstGeom prst="ellipse">
-            <a:avLst/>
-          </a:prstGeom>
-          <a:solidFill>
-            <a:srgbClr val="0070C0"/>
-          </a:solidFill>
-          <a:ln>
-            <a:noFill/>
-          </a:ln>
-        </p:spPr>
-        <p:style>
-          <a:lnRef idx="2">
-            <a:schemeClr val="accent1">
-              <a:shade val="50000"/>
-            </a:schemeClr>
-          </a:lnRef>
-          <a:fillRef idx="1">
-            <a:schemeClr val="accent1"/>
-          </a:fillRef>
-          <a:effectRef idx="0">
-            <a:schemeClr val="accent1"/>
-          </a:effectRef>
-          <a:fontRef idx="minor">
-            <a:schemeClr val="lt1"/>
-          </a:fontRef>
-        </p:style>
-        <p:txBody>
-          <a:bodyPr rtlCol="0" anchor="ctr"/>
-          <a:lstStyle/>
-          <a:p>
-            <a:pPr algn="ctr"/>
-            <a:r>
-              <a:rPr lang="en-US" altLang="zh-CN" sz="1100" b="1" dirty="0">
-                <a:solidFill>
-                  <a:schemeClr val="tx1"/>
-                </a:solidFill>
-              </a:rPr>
-              <a:t>consumer</a:t>
-            </a:r>
-            <a:endParaRPr lang="zh-CN" altLang="en-US" sz="1100" b="1" dirty="0">
-              <a:solidFill>
-                <a:schemeClr val="tx1"/>
-              </a:solidFill>
-            </a:endParaRPr>
-          </a:p>
-        </p:txBody>
-      </p:sp>
-      <p:cxnSp>
-        <p:nvCxnSpPr>
-          <p:cNvPr id="27" name="直接箭头连接符 26"/>
-          <p:cNvCxnSpPr>
-            <a:stCxn id="6" idx="3"/>
-            <a:endCxn id="22" idx="2"/>
-          </p:cNvCxnSpPr>
-          <p:nvPr/>
-        </p:nvCxnSpPr>
-        <p:spPr>
-          <a:xfrm flipV="1">
-            <a:off x="4399380" y="1281728"/>
-            <a:ext cx="466084" cy="511803"/>
-          </a:xfrm>
-          <a:prstGeom prst="straightConnector1">
-            <a:avLst/>
-          </a:prstGeom>
-          <a:ln>
-            <a:tailEnd type="triangle"/>
-          </a:ln>
-        </p:spPr>
-        <p:style>
-          <a:lnRef idx="1">
-            <a:schemeClr val="accent1"/>
-          </a:lnRef>
-          <a:fillRef idx="0">
-            <a:schemeClr val="accent1"/>
-          </a:fillRef>
-          <a:effectRef idx="0">
-            <a:schemeClr val="accent1"/>
-          </a:effectRef>
-          <a:fontRef idx="minor">
-            <a:schemeClr val="tx1"/>
-          </a:fontRef>
-        </p:style>
-      </p:cxnSp>
-      <p:cxnSp>
-        <p:nvCxnSpPr>
-          <p:cNvPr id="29" name="直接箭头连接符 28"/>
-          <p:cNvCxnSpPr>
-            <a:stCxn id="6" idx="3"/>
-            <a:endCxn id="23" idx="2"/>
-          </p:cNvCxnSpPr>
-          <p:nvPr/>
-        </p:nvCxnSpPr>
-        <p:spPr>
-          <a:xfrm flipV="1">
-            <a:off x="4399380" y="1626849"/>
-            <a:ext cx="460652" cy="166682"/>
-          </a:xfrm>
-          <a:prstGeom prst="straightConnector1">
-            <a:avLst/>
-          </a:prstGeom>
-          <a:ln>
-            <a:tailEnd type="triangle"/>
-          </a:ln>
-        </p:spPr>
-        <p:style>
-          <a:lnRef idx="1">
-            <a:schemeClr val="accent1"/>
-          </a:lnRef>
-          <a:fillRef idx="0">
-            <a:schemeClr val="accent1"/>
-          </a:fillRef>
-          <a:effectRef idx="0">
-            <a:schemeClr val="accent1"/>
-          </a:effectRef>
-          <a:fontRef idx="minor">
-            <a:schemeClr val="tx1"/>
-          </a:fontRef>
-        </p:style>
-      </p:cxnSp>
-      <p:cxnSp>
-        <p:nvCxnSpPr>
-          <p:cNvPr id="31" name="直接箭头连接符 30"/>
-          <p:cNvCxnSpPr>
-            <a:stCxn id="6" idx="3"/>
-            <a:endCxn id="24" idx="2"/>
-          </p:cNvCxnSpPr>
-          <p:nvPr/>
-        </p:nvCxnSpPr>
-        <p:spPr>
-          <a:xfrm>
-            <a:off x="4399380" y="1793531"/>
-            <a:ext cx="460652" cy="173380"/>
-          </a:xfrm>
-          <a:prstGeom prst="straightConnector1">
-            <a:avLst/>
-          </a:prstGeom>
-          <a:ln>
-            <a:tailEnd type="triangle"/>
-          </a:ln>
-        </p:spPr>
-        <p:style>
-          <a:lnRef idx="1">
-            <a:schemeClr val="accent1"/>
-          </a:lnRef>
-          <a:fillRef idx="0">
-            <a:schemeClr val="accent1"/>
-          </a:fillRef>
-          <a:effectRef idx="0">
-            <a:schemeClr val="accent1"/>
-          </a:effectRef>
-          <a:fontRef idx="minor">
-            <a:schemeClr val="tx1"/>
-          </a:fontRef>
-        </p:style>
-      </p:cxnSp>
-      <p:cxnSp>
-        <p:nvCxnSpPr>
-          <p:cNvPr id="33" name="直接箭头连接符 32"/>
-          <p:cNvCxnSpPr>
-            <a:stCxn id="6" idx="3"/>
-            <a:endCxn id="25" idx="2"/>
-          </p:cNvCxnSpPr>
-          <p:nvPr/>
-        </p:nvCxnSpPr>
-        <p:spPr>
-          <a:xfrm>
-            <a:off x="4399380" y="1793531"/>
-            <a:ext cx="469904" cy="525264"/>
-          </a:xfrm>
-          <a:prstGeom prst="straightConnector1">
-            <a:avLst/>
-          </a:prstGeom>
-          <a:ln>
-            <a:tailEnd type="triangle"/>
-          </a:ln>
-        </p:spPr>
-        <p:style>
-          <a:lnRef idx="1">
-            <a:schemeClr val="accent1"/>
-          </a:lnRef>
-          <a:fillRef idx="0">
-            <a:schemeClr val="accent1"/>
-          </a:fillRef>
-          <a:effectRef idx="0">
-            <a:schemeClr val="accent1"/>
-          </a:effectRef>
-          <a:fontRef idx="minor">
-            <a:schemeClr val="tx1"/>
-          </a:fontRef>
-        </p:style>
-      </p:cxnSp>
-      <p:sp>
-        <p:nvSpPr>
-          <p:cNvPr id="34" name="椭圆 33"/>
-          <p:cNvSpPr/>
-          <p:nvPr/>
-        </p:nvSpPr>
-        <p:spPr>
-          <a:xfrm>
-            <a:off x="3112912" y="2754913"/>
-            <a:ext cx="1449412" cy="864096"/>
-          </a:xfrm>
-          <a:prstGeom prst="ellipse">
-            <a:avLst/>
-          </a:prstGeom>
-          <a:solidFill>
-            <a:srgbClr val="7030A0"/>
-          </a:solidFill>
-          <a:ln>
-            <a:noFill/>
-          </a:ln>
-        </p:spPr>
-        <p:style>
-          <a:lnRef idx="2">
-            <a:schemeClr val="accent1">
-              <a:shade val="50000"/>
-            </a:schemeClr>
-          </a:lnRef>
-          <a:fillRef idx="1">
-            <a:schemeClr val="accent1"/>
-          </a:fillRef>
-          <a:effectRef idx="0">
-            <a:schemeClr val="accent1"/>
-          </a:effectRef>
-          <a:fontRef idx="minor">
-            <a:schemeClr val="lt1"/>
-          </a:fontRef>
-        </p:style>
-        <p:txBody>
-          <a:bodyPr rtlCol="0" anchor="ctr"/>
-          <a:lstStyle/>
-          <a:p>
-            <a:pPr algn="ctr"/>
-            <a:r>
-              <a:rPr lang="zh-CN" altLang="en-US" sz="1200" b="1" dirty="0" smtClean="0">
-                <a:solidFill>
-                  <a:schemeClr val="tx1"/>
-                </a:solidFill>
-              </a:rPr>
-              <a:t>协程调度器</a:t>
-            </a:r>
-            <a:endParaRPr lang="zh-CN" altLang="en-US" sz="1200" b="1" dirty="0">
-              <a:solidFill>
-                <a:schemeClr val="tx1"/>
-              </a:solidFill>
-            </a:endParaRPr>
-          </a:p>
-        </p:txBody>
-      </p:sp>
-      <p:cxnSp>
-        <p:nvCxnSpPr>
-          <p:cNvPr id="36" name="曲线连接符 35"/>
-          <p:cNvCxnSpPr>
-            <a:stCxn id="34" idx="2"/>
-            <a:endCxn id="7" idx="2"/>
-          </p:cNvCxnSpPr>
-          <p:nvPr/>
-        </p:nvCxnSpPr>
-        <p:spPr>
-          <a:xfrm rot="10800000">
-            <a:off x="1763688" y="1448781"/>
-            <a:ext cx="1349224" cy="1738181"/>
-          </a:xfrm>
-          <a:prstGeom prst="curvedConnector3">
-            <a:avLst>
-              <a:gd name="adj1" fmla="val 162125"/>
-            </a:avLst>
-          </a:prstGeom>
-          <a:ln>
-            <a:tailEnd type="triangle"/>
-          </a:ln>
-        </p:spPr>
-        <p:style>
-          <a:lnRef idx="1">
-            <a:schemeClr val="accent1"/>
-          </a:lnRef>
-          <a:fillRef idx="0">
-            <a:schemeClr val="accent1"/>
-          </a:fillRef>
-          <a:effectRef idx="0">
-            <a:schemeClr val="accent1"/>
-          </a:effectRef>
-          <a:fontRef idx="minor">
-            <a:schemeClr val="tx1"/>
-          </a:fontRef>
-        </p:style>
-      </p:cxnSp>
-      <p:cxnSp>
-        <p:nvCxnSpPr>
-          <p:cNvPr id="39" name="曲线连接符 38"/>
-          <p:cNvCxnSpPr>
-            <a:stCxn id="34" idx="2"/>
-            <a:endCxn id="8" idx="2"/>
-          </p:cNvCxnSpPr>
-          <p:nvPr/>
-        </p:nvCxnSpPr>
-        <p:spPr>
-          <a:xfrm rot="10800000">
-            <a:off x="1758256" y="1793901"/>
-            <a:ext cx="1354656" cy="1393060"/>
-          </a:xfrm>
-          <a:prstGeom prst="curvedConnector3">
-            <a:avLst>
-              <a:gd name="adj1" fmla="val 116875"/>
-            </a:avLst>
-          </a:prstGeom>
-          <a:ln>
-            <a:tailEnd type="triangle"/>
-          </a:ln>
-        </p:spPr>
-        <p:style>
-          <a:lnRef idx="1">
-            <a:schemeClr val="accent1"/>
-          </a:lnRef>
-          <a:fillRef idx="0">
-            <a:schemeClr val="accent1"/>
-          </a:fillRef>
-          <a:effectRef idx="0">
-            <a:schemeClr val="accent1"/>
-          </a:effectRef>
-          <a:fontRef idx="minor">
-            <a:schemeClr val="tx1"/>
-          </a:fontRef>
-        </p:style>
-      </p:cxnSp>
-      <p:cxnSp>
-        <p:nvCxnSpPr>
-          <p:cNvPr id="41" name="曲线连接符 40"/>
-          <p:cNvCxnSpPr>
-            <a:stCxn id="34" idx="2"/>
-            <a:endCxn id="9" idx="4"/>
-          </p:cNvCxnSpPr>
-          <p:nvPr/>
-        </p:nvCxnSpPr>
-        <p:spPr>
-          <a:xfrm rot="10800000">
-            <a:off x="2298316" y="2236057"/>
-            <a:ext cx="814596" cy="950905"/>
-          </a:xfrm>
-          <a:prstGeom prst="curvedConnector2">
-            <a:avLst/>
-          </a:prstGeom>
-          <a:ln>
-            <a:tailEnd type="triangle"/>
-          </a:ln>
-        </p:spPr>
-        <p:style>
-          <a:lnRef idx="1">
-            <a:schemeClr val="accent1"/>
-          </a:lnRef>
-          <a:fillRef idx="0">
-            <a:schemeClr val="accent1"/>
-          </a:fillRef>
-          <a:effectRef idx="0">
-            <a:schemeClr val="accent1"/>
-          </a:effectRef>
-          <a:fontRef idx="minor">
-            <a:schemeClr val="tx1"/>
-          </a:fontRef>
-        </p:style>
-      </p:cxnSp>
-      <p:cxnSp>
-        <p:nvCxnSpPr>
-          <p:cNvPr id="43" name="曲线连接符 42"/>
-          <p:cNvCxnSpPr>
-            <a:stCxn id="34" idx="6"/>
-            <a:endCxn id="22" idx="6"/>
-          </p:cNvCxnSpPr>
-          <p:nvPr/>
-        </p:nvCxnSpPr>
-        <p:spPr>
-          <a:xfrm flipV="1">
-            <a:off x="4562324" y="1281728"/>
-            <a:ext cx="1383260" cy="1905233"/>
-          </a:xfrm>
-          <a:prstGeom prst="curvedConnector3">
-            <a:avLst>
-              <a:gd name="adj1" fmla="val 166105"/>
-            </a:avLst>
-          </a:prstGeom>
-          <a:ln>
-            <a:tailEnd type="triangle"/>
-          </a:ln>
-        </p:spPr>
-        <p:style>
-          <a:lnRef idx="1">
-            <a:schemeClr val="accent1"/>
-          </a:lnRef>
-          <a:fillRef idx="0">
-            <a:schemeClr val="accent1"/>
-          </a:fillRef>
-          <a:effectRef idx="0">
-            <a:schemeClr val="accent1"/>
-          </a:effectRef>
-          <a:fontRef idx="minor">
-            <a:schemeClr val="tx1"/>
-          </a:fontRef>
-        </p:style>
-      </p:cxnSp>
-      <p:cxnSp>
-        <p:nvCxnSpPr>
-          <p:cNvPr id="46" name="曲线连接符 45"/>
-          <p:cNvCxnSpPr>
-            <a:stCxn id="34" idx="6"/>
-            <a:endCxn id="23" idx="6"/>
-          </p:cNvCxnSpPr>
-          <p:nvPr/>
-        </p:nvCxnSpPr>
-        <p:spPr>
-          <a:xfrm flipV="1">
-            <a:off x="4562324" y="1626849"/>
-            <a:ext cx="1377828" cy="1560112"/>
-          </a:xfrm>
-          <a:prstGeom prst="curvedConnector3">
-            <a:avLst>
-              <a:gd name="adj1" fmla="val 147008"/>
-            </a:avLst>
-          </a:prstGeom>
-          <a:ln>
-            <a:tailEnd type="triangle"/>
-          </a:ln>
-        </p:spPr>
-        <p:style>
-          <a:lnRef idx="1">
-            <a:schemeClr val="accent1"/>
-          </a:lnRef>
-          <a:fillRef idx="0">
-            <a:schemeClr val="accent1"/>
-          </a:fillRef>
-          <a:effectRef idx="0">
-            <a:schemeClr val="accent1"/>
-          </a:effectRef>
-          <a:fontRef idx="minor">
-            <a:schemeClr val="tx1"/>
-          </a:fontRef>
-        </p:style>
-      </p:cxnSp>
-      <p:cxnSp>
-        <p:nvCxnSpPr>
-          <p:cNvPr id="49" name="曲线连接符 48"/>
-          <p:cNvCxnSpPr>
-            <a:stCxn id="34" idx="6"/>
-            <a:endCxn id="24" idx="6"/>
-          </p:cNvCxnSpPr>
-          <p:nvPr/>
-        </p:nvCxnSpPr>
-        <p:spPr>
-          <a:xfrm flipV="1">
-            <a:off x="4562324" y="1966911"/>
-            <a:ext cx="1377828" cy="1220050"/>
-          </a:xfrm>
-          <a:prstGeom prst="curvedConnector3">
-            <a:avLst>
-              <a:gd name="adj1" fmla="val 118434"/>
-            </a:avLst>
-          </a:prstGeom>
-          <a:ln>
-            <a:tailEnd type="triangle"/>
-          </a:ln>
-        </p:spPr>
-        <p:style>
-          <a:lnRef idx="1">
-            <a:schemeClr val="accent1"/>
-          </a:lnRef>
-          <a:fillRef idx="0">
-            <a:schemeClr val="accent1"/>
-          </a:fillRef>
-          <a:effectRef idx="0">
-            <a:schemeClr val="accent1"/>
-          </a:effectRef>
-          <a:fontRef idx="minor">
-            <a:schemeClr val="tx1"/>
-          </a:fontRef>
-        </p:style>
-      </p:cxnSp>
-      <p:cxnSp>
-        <p:nvCxnSpPr>
-          <p:cNvPr id="52" name="曲线连接符 51"/>
-          <p:cNvCxnSpPr>
-            <a:stCxn id="34" idx="6"/>
-            <a:endCxn id="25" idx="4"/>
-          </p:cNvCxnSpPr>
-          <p:nvPr/>
-        </p:nvCxnSpPr>
-        <p:spPr>
-          <a:xfrm flipV="1">
-            <a:off x="4562324" y="2420888"/>
-            <a:ext cx="847020" cy="766073"/>
-          </a:xfrm>
-          <a:prstGeom prst="curvedConnector2">
-            <a:avLst/>
-          </a:prstGeom>
-          <a:ln>
-            <a:tailEnd type="triangle"/>
-          </a:ln>
-        </p:spPr>
-        <p:style>
-          <a:lnRef idx="1">
-            <a:schemeClr val="accent1"/>
-          </a:lnRef>
-          <a:fillRef idx="0">
-            <a:schemeClr val="accent1"/>
-          </a:fillRef>
-          <a:effectRef idx="0">
-            <a:schemeClr val="accent1"/>
-          </a:effectRef>
-          <a:fontRef idx="minor">
-            <a:schemeClr val="tx1"/>
-          </a:fontRef>
-        </p:style>
-      </p:cxnSp>
     </p:spTree>
     <p:extLst>
       <p:ext uri="{BB962C8B-B14F-4D97-AF65-F5344CB8AC3E}">
-        <p14:creationId xmlns:p14="http://schemas.microsoft.com/office/powerpoint/2010/main" val="3681865729"/>
+        <p14:creationId xmlns:p14="http://schemas.microsoft.com/office/powerpoint/2010/main" val="1199947123"/>
       </p:ext>
     </p:extLst>
   </p:cSld>
@@ -19785,7 +20793,7 @@
           <a:p>
             <a:r>
               <a:rPr lang="zh-CN" altLang="en-US" dirty="0" smtClean="0"/>
-              <a:t>线程间通信 </a:t>
+              <a:t>协程间通信 </a:t>
             </a:r>
             <a:r>
               <a:rPr lang="en-US" altLang="zh-CN" dirty="0" smtClean="0"/>
@@ -19811,20 +20819,15 @@
         </p:nvSpPr>
         <p:spPr>
           <a:xfrm>
-            <a:off x="428596" y="1047733"/>
-            <a:ext cx="8229600" cy="2381267"/>
+            <a:off x="428596" y="4407011"/>
+            <a:ext cx="8229600" cy="1784257"/>
           </a:xfrm>
         </p:spPr>
         <p:txBody>
-          <a:bodyPr/>
+          <a:bodyPr>
+            <a:normAutofit/>
+          </a:bodyPr>
           <a:lstStyle/>
-          <a:p>
-            <a:r>
-              <a:rPr lang="zh-CN" altLang="en-US" dirty="0" smtClean="0"/>
-              <a:t>协程模式下为何需要线程间通信？</a:t>
-            </a:r>
-            <a:endParaRPr lang="en-US" altLang="zh-CN" dirty="0" smtClean="0"/>
-          </a:p>
           <a:p>
             <a:r>
               <a:rPr lang="en-US" altLang="zh-CN" sz="1600" dirty="0" smtClean="0"/>
@@ -19832,7 +20835,7 @@
             </a:r>
             <a:r>
               <a:rPr lang="zh-CN" altLang="en-US" sz="1600" dirty="0" smtClean="0"/>
-              <a:t>为使用多核，开启多个线程，线程间需要交换数据</a:t>
+              <a:t>协程通信管道支持多对多方式</a:t>
             </a:r>
             <a:endParaRPr lang="en-US" altLang="zh-CN" sz="1600" dirty="0" smtClean="0"/>
           </a:p>
@@ -19843,19 +20846,9 @@
             </a:r>
             <a:r>
               <a:rPr lang="zh-CN" altLang="en-US" sz="1600" dirty="0" smtClean="0"/>
-              <a:t>有些任务需要在线程池里异步完成，结果需要传递给主线程</a:t>
+              <a:t>协程间通信通过切换协程上下文及数据交换完成</a:t>
             </a:r>
             <a:endParaRPr lang="en-US" altLang="zh-CN" sz="1600" dirty="0" smtClean="0"/>
-          </a:p>
-          <a:p>
-            <a:endParaRPr lang="en-US" altLang="zh-CN" dirty="0"/>
-          </a:p>
-          <a:p>
-            <a:r>
-              <a:rPr lang="zh-CN" altLang="en-US" dirty="0" smtClean="0"/>
-              <a:t>协程模式下线程间的通信方式：</a:t>
-            </a:r>
-            <a:endParaRPr lang="en-US" altLang="zh-CN" dirty="0" smtClean="0"/>
           </a:p>
           <a:p>
             <a:r>
@@ -19864,15 +20857,18 @@
             </a:r>
             <a:r>
               <a:rPr lang="zh-CN" altLang="en-US" sz="1600" dirty="0" smtClean="0"/>
-              <a:t>无锁消息队列 </a:t>
-            </a:r>
+              <a:t>协程间通信时的数据交换支持缓冲模式</a:t>
+            </a:r>
+            <a:endParaRPr lang="en-US" altLang="zh-CN" sz="1600" dirty="0" smtClean="0"/>
+          </a:p>
+          <a:p>
             <a:r>
               <a:rPr lang="en-US" altLang="zh-CN" sz="1600" dirty="0" smtClean="0"/>
-              <a:t>+ IO </a:t>
+              <a:t>- </a:t>
             </a:r>
             <a:r>
               <a:rPr lang="zh-CN" altLang="en-US" sz="1600" dirty="0" smtClean="0"/>
-              <a:t>模式</a:t>
+              <a:t>协程间通信时的数据交换采用随机分配方式</a:t>
             </a:r>
             <a:endParaRPr lang="zh-CN" altLang="en-US" sz="1600" dirty="0"/>
           </a:p>
@@ -19880,21 +20876,18 @@
       </p:sp>
       <p:sp>
         <p:nvSpPr>
-          <p:cNvPr id="4" name="矩形 3"/>
+          <p:cNvPr id="6" name="圆角矩形 5"/>
           <p:cNvSpPr/>
           <p:nvPr/>
         </p:nvSpPr>
         <p:spPr>
           <a:xfrm>
-            <a:off x="3275856" y="3969060"/>
-            <a:ext cx="1368152" cy="360040"/>
-          </a:xfrm>
-          <a:prstGeom prst="rect">
-            <a:avLst/>
-          </a:prstGeom>
-          <a:solidFill>
-            <a:srgbClr val="00B0F0"/>
-          </a:solidFill>
+            <a:off x="3275856" y="1628800"/>
+            <a:ext cx="1123524" cy="329461"/>
+          </a:xfrm>
+          <a:prstGeom prst="roundRect">
+            <a:avLst/>
+          </a:prstGeom>
           <a:ln>
             <a:noFill/>
           </a:ln>
@@ -19921,14 +20914,14 @@
           <a:p>
             <a:pPr algn="ctr"/>
             <a:r>
-              <a:rPr lang="zh-CN" altLang="en-US" sz="1200" b="1" dirty="0" smtClean="0">
+              <a:rPr lang="en-US" altLang="zh-CN" b="1" dirty="0" smtClean="0">
                 <a:solidFill>
                   <a:schemeClr val="tx1"/>
                 </a:solidFill>
               </a:rPr>
-              <a:t>无锁队列</a:t>
-            </a:r>
-            <a:endParaRPr lang="zh-CN" altLang="en-US" sz="1200" b="1" dirty="0">
+              <a:t>channel</a:t>
+            </a:r>
+            <a:endParaRPr lang="zh-CN" altLang="en-US" b="1" dirty="0">
               <a:solidFill>
                 <a:schemeClr val="tx1"/>
               </a:solidFill>
@@ -19938,14 +20931,14 @@
       </p:sp>
       <p:sp>
         <p:nvSpPr>
-          <p:cNvPr id="5" name="椭圆 4"/>
+          <p:cNvPr id="7" name="椭圆 6"/>
           <p:cNvSpPr/>
           <p:nvPr/>
         </p:nvSpPr>
         <p:spPr>
           <a:xfrm>
-            <a:off x="1331640" y="3429000"/>
-            <a:ext cx="1008112" cy="360040"/>
+            <a:off x="1763688" y="1340768"/>
+            <a:ext cx="1080120" cy="216024"/>
           </a:xfrm>
           <a:prstGeom prst="ellipse">
             <a:avLst/>
@@ -19996,14 +20989,14 @@
       </p:sp>
       <p:sp>
         <p:nvSpPr>
-          <p:cNvPr id="6" name="椭圆 5"/>
+          <p:cNvPr id="8" name="椭圆 7"/>
           <p:cNvSpPr/>
           <p:nvPr/>
         </p:nvSpPr>
         <p:spPr>
           <a:xfrm>
-            <a:off x="1331640" y="3969060"/>
-            <a:ext cx="1008112" cy="360040"/>
+            <a:off x="1758256" y="1702409"/>
+            <a:ext cx="1080120" cy="182984"/>
           </a:xfrm>
           <a:prstGeom prst="ellipse">
             <a:avLst/>
@@ -20054,14 +21047,14 @@
       </p:sp>
       <p:sp>
         <p:nvSpPr>
-          <p:cNvPr id="7" name="椭圆 6"/>
+          <p:cNvPr id="9" name="椭圆 8"/>
           <p:cNvSpPr/>
           <p:nvPr/>
         </p:nvSpPr>
         <p:spPr>
           <a:xfrm>
-            <a:off x="1331640" y="4509120"/>
-            <a:ext cx="1008112" cy="360040"/>
+            <a:off x="1758256" y="2031870"/>
+            <a:ext cx="1080120" cy="204186"/>
           </a:xfrm>
           <a:prstGeom prst="ellipse">
             <a:avLst/>
@@ -20112,17 +21105,53 @@
       </p:sp>
       <p:cxnSp>
         <p:nvCxnSpPr>
-          <p:cNvPr id="13" name="直接箭头连接符 12"/>
+          <p:cNvPr id="11" name="直接箭头连接符 10"/>
           <p:cNvCxnSpPr>
-            <a:stCxn id="5" idx="6"/>
-            <a:endCxn id="4" idx="1"/>
+            <a:stCxn id="7" idx="6"/>
+            <a:endCxn id="6" idx="1"/>
           </p:cNvCxnSpPr>
           <p:nvPr/>
         </p:nvCxnSpPr>
         <p:spPr>
           <a:xfrm>
-            <a:off x="2339752" y="3609020"/>
-            <a:ext cx="936104" cy="540060"/>
+            <a:off x="2843808" y="1448780"/>
+            <a:ext cx="432048" cy="344751"/>
+          </a:xfrm>
+          <a:prstGeom prst="straightConnector1">
+            <a:avLst/>
+          </a:prstGeom>
+          <a:ln>
+            <a:tailEnd type="triangle"/>
+          </a:ln>
+        </p:spPr>
+        <p:style>
+          <a:lnRef idx="1">
+            <a:schemeClr val="accent1"/>
+          </a:lnRef>
+          <a:fillRef idx="0">
+            <a:schemeClr val="accent1"/>
+          </a:fillRef>
+          <a:effectRef idx="0">
+            <a:schemeClr val="accent1"/>
+          </a:effectRef>
+          <a:fontRef idx="minor">
+            <a:schemeClr val="tx1"/>
+          </a:fontRef>
+        </p:style>
+      </p:cxnSp>
+      <p:cxnSp>
+        <p:nvCxnSpPr>
+          <p:cNvPr id="13" name="直接箭头连接符 12"/>
+          <p:cNvCxnSpPr>
+            <a:stCxn id="8" idx="6"/>
+            <a:endCxn id="6" idx="1"/>
+          </p:cNvCxnSpPr>
+          <p:nvPr/>
+        </p:nvCxnSpPr>
+        <p:spPr>
+          <a:xfrm flipV="1">
+            <a:off x="2838376" y="1793531"/>
+            <a:ext cx="437480" cy="370"/>
           </a:xfrm>
           <a:prstGeom prst="straightConnector1">
             <a:avLst/>
@@ -20150,15 +21179,283 @@
         <p:nvCxnSpPr>
           <p:cNvPr id="15" name="直接箭头连接符 14"/>
           <p:cNvCxnSpPr>
-            <a:stCxn id="6" idx="6"/>
-            <a:endCxn id="4" idx="1"/>
+            <a:stCxn id="9" idx="6"/>
+            <a:endCxn id="6" idx="1"/>
           </p:cNvCxnSpPr>
           <p:nvPr/>
         </p:nvCxnSpPr>
         <p:spPr>
+          <a:xfrm flipV="1">
+            <a:off x="2838376" y="1793531"/>
+            <a:ext cx="437480" cy="340432"/>
+          </a:xfrm>
+          <a:prstGeom prst="straightConnector1">
+            <a:avLst/>
+          </a:prstGeom>
+          <a:ln>
+            <a:tailEnd type="triangle"/>
+          </a:ln>
+        </p:spPr>
+        <p:style>
+          <a:lnRef idx="1">
+            <a:schemeClr val="accent1"/>
+          </a:lnRef>
+          <a:fillRef idx="0">
+            <a:schemeClr val="accent1"/>
+          </a:fillRef>
+          <a:effectRef idx="0">
+            <a:schemeClr val="accent1"/>
+          </a:effectRef>
+          <a:fontRef idx="minor">
+            <a:schemeClr val="tx1"/>
+          </a:fontRef>
+        </p:style>
+      </p:cxnSp>
+      <p:sp>
+        <p:nvSpPr>
+          <p:cNvPr id="22" name="椭圆 21"/>
+          <p:cNvSpPr/>
+          <p:nvPr/>
+        </p:nvSpPr>
+        <p:spPr>
           <a:xfrm>
-            <a:off x="2339752" y="4149080"/>
-            <a:ext cx="936104" cy="0"/>
+            <a:off x="4865464" y="1173716"/>
+            <a:ext cx="1080120" cy="216024"/>
+          </a:xfrm>
+          <a:prstGeom prst="ellipse">
+            <a:avLst/>
+          </a:prstGeom>
+          <a:solidFill>
+            <a:srgbClr val="0070C0"/>
+          </a:solidFill>
+          <a:ln>
+            <a:noFill/>
+          </a:ln>
+        </p:spPr>
+        <p:style>
+          <a:lnRef idx="2">
+            <a:schemeClr val="accent1">
+              <a:shade val="50000"/>
+            </a:schemeClr>
+          </a:lnRef>
+          <a:fillRef idx="1">
+            <a:schemeClr val="accent1"/>
+          </a:fillRef>
+          <a:effectRef idx="0">
+            <a:schemeClr val="accent1"/>
+          </a:effectRef>
+          <a:fontRef idx="minor">
+            <a:schemeClr val="lt1"/>
+          </a:fontRef>
+        </p:style>
+        <p:txBody>
+          <a:bodyPr rtlCol="0" anchor="ctr"/>
+          <a:lstStyle/>
+          <a:p>
+            <a:pPr algn="ctr"/>
+            <a:r>
+              <a:rPr lang="en-US" altLang="zh-CN" sz="1100" b="1" dirty="0" smtClean="0">
+                <a:solidFill>
+                  <a:schemeClr val="tx1"/>
+                </a:solidFill>
+              </a:rPr>
+              <a:t>consumer</a:t>
+            </a:r>
+            <a:endParaRPr lang="zh-CN" altLang="en-US" sz="1100" b="1" dirty="0">
+              <a:solidFill>
+                <a:schemeClr val="tx1"/>
+              </a:solidFill>
+            </a:endParaRPr>
+          </a:p>
+        </p:txBody>
+      </p:sp>
+      <p:sp>
+        <p:nvSpPr>
+          <p:cNvPr id="23" name="椭圆 22"/>
+          <p:cNvSpPr/>
+          <p:nvPr/>
+        </p:nvSpPr>
+        <p:spPr>
+          <a:xfrm>
+            <a:off x="4860032" y="1535357"/>
+            <a:ext cx="1080120" cy="182984"/>
+          </a:xfrm>
+          <a:prstGeom prst="ellipse">
+            <a:avLst/>
+          </a:prstGeom>
+          <a:solidFill>
+            <a:srgbClr val="0070C0"/>
+          </a:solidFill>
+          <a:ln>
+            <a:noFill/>
+          </a:ln>
+        </p:spPr>
+        <p:style>
+          <a:lnRef idx="2">
+            <a:schemeClr val="accent1">
+              <a:shade val="50000"/>
+            </a:schemeClr>
+          </a:lnRef>
+          <a:fillRef idx="1">
+            <a:schemeClr val="accent1"/>
+          </a:fillRef>
+          <a:effectRef idx="0">
+            <a:schemeClr val="accent1"/>
+          </a:effectRef>
+          <a:fontRef idx="minor">
+            <a:schemeClr val="lt1"/>
+          </a:fontRef>
+        </p:style>
+        <p:txBody>
+          <a:bodyPr rtlCol="0" anchor="ctr"/>
+          <a:lstStyle/>
+          <a:p>
+            <a:pPr algn="ctr"/>
+            <a:r>
+              <a:rPr lang="en-US" altLang="zh-CN" sz="1100" b="1" dirty="0">
+                <a:solidFill>
+                  <a:schemeClr val="tx1"/>
+                </a:solidFill>
+              </a:rPr>
+              <a:t>consumer</a:t>
+            </a:r>
+            <a:endParaRPr lang="zh-CN" altLang="en-US" sz="1100" b="1" dirty="0">
+              <a:solidFill>
+                <a:schemeClr val="tx1"/>
+              </a:solidFill>
+            </a:endParaRPr>
+          </a:p>
+        </p:txBody>
+      </p:sp>
+      <p:sp>
+        <p:nvSpPr>
+          <p:cNvPr id="24" name="椭圆 23"/>
+          <p:cNvSpPr/>
+          <p:nvPr/>
+        </p:nvSpPr>
+        <p:spPr>
+          <a:xfrm>
+            <a:off x="4860032" y="1864818"/>
+            <a:ext cx="1080120" cy="204186"/>
+          </a:xfrm>
+          <a:prstGeom prst="ellipse">
+            <a:avLst/>
+          </a:prstGeom>
+          <a:solidFill>
+            <a:srgbClr val="0070C0"/>
+          </a:solidFill>
+          <a:ln>
+            <a:noFill/>
+          </a:ln>
+        </p:spPr>
+        <p:style>
+          <a:lnRef idx="2">
+            <a:schemeClr val="accent1">
+              <a:shade val="50000"/>
+            </a:schemeClr>
+          </a:lnRef>
+          <a:fillRef idx="1">
+            <a:schemeClr val="accent1"/>
+          </a:fillRef>
+          <a:effectRef idx="0">
+            <a:schemeClr val="accent1"/>
+          </a:effectRef>
+          <a:fontRef idx="minor">
+            <a:schemeClr val="lt1"/>
+          </a:fontRef>
+        </p:style>
+        <p:txBody>
+          <a:bodyPr rtlCol="0" anchor="ctr"/>
+          <a:lstStyle/>
+          <a:p>
+            <a:pPr algn="ctr"/>
+            <a:r>
+              <a:rPr lang="en-US" altLang="zh-CN" sz="1100" b="1" dirty="0">
+                <a:solidFill>
+                  <a:schemeClr val="tx1"/>
+                </a:solidFill>
+              </a:rPr>
+              <a:t>consumer</a:t>
+            </a:r>
+            <a:endParaRPr lang="zh-CN" altLang="en-US" sz="1100" b="1" dirty="0">
+              <a:solidFill>
+                <a:schemeClr val="tx1"/>
+              </a:solidFill>
+            </a:endParaRPr>
+          </a:p>
+        </p:txBody>
+      </p:sp>
+      <p:sp>
+        <p:nvSpPr>
+          <p:cNvPr id="25" name="椭圆 24"/>
+          <p:cNvSpPr/>
+          <p:nvPr/>
+        </p:nvSpPr>
+        <p:spPr>
+          <a:xfrm>
+            <a:off x="4869284" y="2216702"/>
+            <a:ext cx="1080120" cy="204186"/>
+          </a:xfrm>
+          <a:prstGeom prst="ellipse">
+            <a:avLst/>
+          </a:prstGeom>
+          <a:solidFill>
+            <a:srgbClr val="0070C0"/>
+          </a:solidFill>
+          <a:ln>
+            <a:noFill/>
+          </a:ln>
+        </p:spPr>
+        <p:style>
+          <a:lnRef idx="2">
+            <a:schemeClr val="accent1">
+              <a:shade val="50000"/>
+            </a:schemeClr>
+          </a:lnRef>
+          <a:fillRef idx="1">
+            <a:schemeClr val="accent1"/>
+          </a:fillRef>
+          <a:effectRef idx="0">
+            <a:schemeClr val="accent1"/>
+          </a:effectRef>
+          <a:fontRef idx="minor">
+            <a:schemeClr val="lt1"/>
+          </a:fontRef>
+        </p:style>
+        <p:txBody>
+          <a:bodyPr rtlCol="0" anchor="ctr"/>
+          <a:lstStyle/>
+          <a:p>
+            <a:pPr algn="ctr"/>
+            <a:r>
+              <a:rPr lang="en-US" altLang="zh-CN" sz="1100" b="1" dirty="0">
+                <a:solidFill>
+                  <a:schemeClr val="tx1"/>
+                </a:solidFill>
+              </a:rPr>
+              <a:t>consumer</a:t>
+            </a:r>
+            <a:endParaRPr lang="zh-CN" altLang="en-US" sz="1100" b="1" dirty="0">
+              <a:solidFill>
+                <a:schemeClr val="tx1"/>
+              </a:solidFill>
+            </a:endParaRPr>
+          </a:p>
+        </p:txBody>
+      </p:sp>
+      <p:cxnSp>
+        <p:nvCxnSpPr>
+          <p:cNvPr id="27" name="直接箭头连接符 26"/>
+          <p:cNvCxnSpPr>
+            <a:stCxn id="6" idx="3"/>
+            <a:endCxn id="22" idx="2"/>
+          </p:cNvCxnSpPr>
+          <p:nvPr/>
+        </p:nvCxnSpPr>
+        <p:spPr>
+          <a:xfrm flipV="1">
+            <a:off x="4399380" y="1281728"/>
+            <a:ext cx="466084" cy="511803"/>
           </a:xfrm>
           <a:prstGeom prst="straightConnector1">
             <a:avLst/>
@@ -20184,17 +21481,89 @@
       </p:cxnSp>
       <p:cxnSp>
         <p:nvCxnSpPr>
-          <p:cNvPr id="17" name="直接箭头连接符 16"/>
+          <p:cNvPr id="29" name="直接箭头连接符 28"/>
           <p:cNvCxnSpPr>
-            <a:stCxn id="7" idx="6"/>
-            <a:endCxn id="4" idx="1"/>
+            <a:stCxn id="6" idx="3"/>
+            <a:endCxn id="23" idx="2"/>
           </p:cNvCxnSpPr>
           <p:nvPr/>
         </p:nvCxnSpPr>
         <p:spPr>
           <a:xfrm flipV="1">
-            <a:off x="2339752" y="4149080"/>
-            <a:ext cx="936104" cy="540060"/>
+            <a:off x="4399380" y="1626849"/>
+            <a:ext cx="460652" cy="166682"/>
+          </a:xfrm>
+          <a:prstGeom prst="straightConnector1">
+            <a:avLst/>
+          </a:prstGeom>
+          <a:ln>
+            <a:tailEnd type="triangle"/>
+          </a:ln>
+        </p:spPr>
+        <p:style>
+          <a:lnRef idx="1">
+            <a:schemeClr val="accent1"/>
+          </a:lnRef>
+          <a:fillRef idx="0">
+            <a:schemeClr val="accent1"/>
+          </a:fillRef>
+          <a:effectRef idx="0">
+            <a:schemeClr val="accent1"/>
+          </a:effectRef>
+          <a:fontRef idx="minor">
+            <a:schemeClr val="tx1"/>
+          </a:fontRef>
+        </p:style>
+      </p:cxnSp>
+      <p:cxnSp>
+        <p:nvCxnSpPr>
+          <p:cNvPr id="31" name="直接箭头连接符 30"/>
+          <p:cNvCxnSpPr>
+            <a:stCxn id="6" idx="3"/>
+            <a:endCxn id="24" idx="2"/>
+          </p:cNvCxnSpPr>
+          <p:nvPr/>
+        </p:nvCxnSpPr>
+        <p:spPr>
+          <a:xfrm>
+            <a:off x="4399380" y="1793531"/>
+            <a:ext cx="460652" cy="173380"/>
+          </a:xfrm>
+          <a:prstGeom prst="straightConnector1">
+            <a:avLst/>
+          </a:prstGeom>
+          <a:ln>
+            <a:tailEnd type="triangle"/>
+          </a:ln>
+        </p:spPr>
+        <p:style>
+          <a:lnRef idx="1">
+            <a:schemeClr val="accent1"/>
+          </a:lnRef>
+          <a:fillRef idx="0">
+            <a:schemeClr val="accent1"/>
+          </a:fillRef>
+          <a:effectRef idx="0">
+            <a:schemeClr val="accent1"/>
+          </a:effectRef>
+          <a:fontRef idx="minor">
+            <a:schemeClr val="tx1"/>
+          </a:fontRef>
+        </p:style>
+      </p:cxnSp>
+      <p:cxnSp>
+        <p:nvCxnSpPr>
+          <p:cNvPr id="33" name="直接箭头连接符 32"/>
+          <p:cNvCxnSpPr>
+            <a:stCxn id="6" idx="3"/>
+            <a:endCxn id="25" idx="2"/>
+          </p:cNvCxnSpPr>
+          <p:nvPr/>
+        </p:nvCxnSpPr>
+        <p:spPr>
+          <a:xfrm>
+            <a:off x="4399380" y="1793531"/>
+            <a:ext cx="469904" cy="525264"/>
           </a:xfrm>
           <a:prstGeom prst="straightConnector1">
             <a:avLst/>
@@ -20220,23 +21589,20 @@
       </p:cxnSp>
       <p:sp>
         <p:nvSpPr>
-          <p:cNvPr id="24" name="椭圆 23"/>
+          <p:cNvPr id="34" name="椭圆 33"/>
           <p:cNvSpPr/>
           <p:nvPr/>
         </p:nvSpPr>
         <p:spPr>
           <a:xfrm>
-            <a:off x="5580112" y="3969060"/>
-            <a:ext cx="1080120" cy="360040"/>
+            <a:off x="3112912" y="2754913"/>
+            <a:ext cx="1449412" cy="864096"/>
           </a:xfrm>
           <a:prstGeom prst="ellipse">
             <a:avLst/>
           </a:prstGeom>
           <a:solidFill>
-            <a:schemeClr val="accent4">
-              <a:lumMod val="50000"/>
-              <a:lumOff val="50000"/>
-            </a:schemeClr>
+            <a:srgbClr val="7030A0"/>
           </a:solidFill>
           <a:ln>
             <a:noFill/>
@@ -20264,14 +21630,14 @@
           <a:p>
             <a:pPr algn="ctr"/>
             <a:r>
-              <a:rPr lang="en-US" altLang="zh-CN" sz="1100" b="1" dirty="0" smtClean="0">
+              <a:rPr lang="zh-CN" altLang="en-US" sz="1200" b="1" dirty="0" smtClean="0">
                 <a:solidFill>
                   <a:schemeClr val="tx1"/>
                 </a:solidFill>
               </a:rPr>
-              <a:t>consumer</a:t>
-            </a:r>
-            <a:endParaRPr lang="zh-CN" altLang="en-US" sz="1100" b="1" dirty="0">
+              <a:t>协程调度器</a:t>
+            </a:r>
+            <a:endParaRPr lang="zh-CN" altLang="en-US" sz="1200" b="1" dirty="0">
               <a:solidFill>
                 <a:schemeClr val="tx1"/>
               </a:solidFill>
@@ -20281,20 +21647,22 @@
       </p:sp>
       <p:cxnSp>
         <p:nvCxnSpPr>
-          <p:cNvPr id="26" name="直接箭头连接符 25"/>
+          <p:cNvPr id="36" name="曲线连接符 35"/>
           <p:cNvCxnSpPr>
-            <a:stCxn id="4" idx="3"/>
-            <a:endCxn id="24" idx="2"/>
+            <a:stCxn id="34" idx="2"/>
+            <a:endCxn id="7" idx="2"/>
           </p:cNvCxnSpPr>
           <p:nvPr/>
         </p:nvCxnSpPr>
         <p:spPr>
-          <a:xfrm>
-            <a:off x="4644008" y="4149080"/>
-            <a:ext cx="936104" cy="0"/>
-          </a:xfrm>
-          <a:prstGeom prst="straightConnector1">
-            <a:avLst/>
+          <a:xfrm rot="10800000">
+            <a:off x="1763688" y="1448781"/>
+            <a:ext cx="1349224" cy="1738181"/>
+          </a:xfrm>
+          <a:prstGeom prst="curvedConnector3">
+            <a:avLst>
+              <a:gd name="adj1" fmla="val 162125"/>
+            </a:avLst>
           </a:prstGeom>
           <a:ln>
             <a:tailEnd type="triangle"/>
@@ -20315,313 +21683,234 @@
           </a:fontRef>
         </p:style>
       </p:cxnSp>
-      <p:sp>
-        <p:nvSpPr>
-          <p:cNvPr id="27" name="矩形 26"/>
-          <p:cNvSpPr/>
+      <p:cxnSp>
+        <p:nvCxnSpPr>
+          <p:cNvPr id="39" name="曲线连接符 38"/>
+          <p:cNvCxnSpPr>
+            <a:stCxn id="34" idx="2"/>
+            <a:endCxn id="8" idx="2"/>
+          </p:cNvCxnSpPr>
           <p:nvPr/>
-        </p:nvSpPr>
-        <p:spPr>
-          <a:xfrm>
-            <a:off x="3275856" y="4329100"/>
-            <a:ext cx="1368152" cy="180020"/>
-          </a:xfrm>
-          <a:prstGeom prst="rect">
-            <a:avLst/>
-          </a:prstGeom>
-          <a:solidFill>
-            <a:schemeClr val="accent2">
-              <a:lumMod val="75000"/>
-            </a:schemeClr>
-          </a:solidFill>
+        </p:nvCxnSpPr>
+        <p:spPr>
+          <a:xfrm rot="10800000">
+            <a:off x="1758256" y="1793901"/>
+            <a:ext cx="1354656" cy="1393060"/>
+          </a:xfrm>
+          <a:prstGeom prst="curvedConnector3">
+            <a:avLst>
+              <a:gd name="adj1" fmla="val 116875"/>
+            </a:avLst>
+          </a:prstGeom>
           <a:ln>
-            <a:noFill/>
+            <a:tailEnd type="triangle"/>
           </a:ln>
         </p:spPr>
         <p:style>
-          <a:lnRef idx="2">
-            <a:schemeClr val="accent1">
-              <a:shade val="50000"/>
-            </a:schemeClr>
+          <a:lnRef idx="1">
+            <a:schemeClr val="accent1"/>
           </a:lnRef>
-          <a:fillRef idx="1">
+          <a:fillRef idx="0">
             <a:schemeClr val="accent1"/>
           </a:fillRef>
           <a:effectRef idx="0">
             <a:schemeClr val="accent1"/>
           </a:effectRef>
           <a:fontRef idx="minor">
-            <a:schemeClr val="lt1"/>
+            <a:schemeClr val="tx1"/>
           </a:fontRef>
         </p:style>
-        <p:txBody>
-          <a:bodyPr rtlCol="0" anchor="ctr"/>
-          <a:lstStyle/>
-          <a:p>
-            <a:pPr algn="ctr"/>
-            <a:r>
-              <a:rPr lang="en-US" altLang="zh-CN" sz="1200" b="1" dirty="0" smtClean="0">
-                <a:solidFill>
-                  <a:schemeClr val="tx1"/>
-                </a:solidFill>
-              </a:rPr>
-              <a:t>IO</a:t>
-            </a:r>
-            <a:r>
-              <a:rPr lang="zh-CN" altLang="en-US" sz="1200" b="1" dirty="0" smtClean="0">
-                <a:solidFill>
-                  <a:schemeClr val="tx1"/>
-                </a:solidFill>
-              </a:rPr>
-              <a:t>管道</a:t>
-            </a:r>
-            <a:endParaRPr lang="zh-CN" altLang="en-US" sz="1200" b="1" dirty="0">
-              <a:solidFill>
-                <a:schemeClr val="tx1"/>
-              </a:solidFill>
-            </a:endParaRPr>
-          </a:p>
-        </p:txBody>
-      </p:sp>
-      <p:sp>
-        <p:nvSpPr>
-          <p:cNvPr id="28" name="文本框 27"/>
-          <p:cNvSpPr txBox="1"/>
+      </p:cxnSp>
+      <p:cxnSp>
+        <p:nvCxnSpPr>
+          <p:cNvPr id="41" name="曲线连接符 40"/>
+          <p:cNvCxnSpPr>
+            <a:stCxn id="34" idx="2"/>
+            <a:endCxn id="9" idx="4"/>
+          </p:cNvCxnSpPr>
           <p:nvPr/>
-        </p:nvSpPr>
-        <p:spPr>
-          <a:xfrm>
-            <a:off x="899592" y="5301208"/>
-            <a:ext cx="7344816" cy="1077218"/>
-          </a:xfrm>
-          <a:prstGeom prst="rect">
-            <a:avLst/>
-          </a:prstGeom>
-          <a:noFill/>
-        </p:spPr>
-        <p:txBody>
-          <a:bodyPr wrap="square" rtlCol="0">
-            <a:spAutoFit/>
-          </a:bodyPr>
-          <a:lstStyle/>
-          <a:p>
-            <a:r>
-              <a:rPr lang="en-US" altLang="zh-CN" sz="1600" dirty="0" smtClean="0"/>
-              <a:t>1</a:t>
-            </a:r>
-            <a:r>
-              <a:rPr lang="zh-CN" altLang="en-US" sz="1600" dirty="0" smtClean="0"/>
-              <a:t>、生产者</a:t>
-            </a:r>
-            <a:r>
-              <a:rPr lang="en-US" altLang="zh-CN" sz="1600" dirty="0" smtClean="0"/>
-              <a:t>/</a:t>
-            </a:r>
-            <a:r>
-              <a:rPr lang="zh-CN" altLang="en-US" sz="1600" dirty="0" smtClean="0"/>
-              <a:t>消费者之间优先通过无锁队列进行数据传递</a:t>
-            </a:r>
-            <a:endParaRPr lang="en-US" altLang="zh-CN" sz="1600" dirty="0" smtClean="0"/>
-          </a:p>
-          <a:p>
-            <a:r>
-              <a:rPr lang="en-US" altLang="zh-CN" sz="1600" dirty="0" smtClean="0"/>
-              <a:t>2</a:t>
-            </a:r>
-            <a:r>
-              <a:rPr lang="zh-CN" altLang="en-US" sz="1600" dirty="0" smtClean="0"/>
-              <a:t>、当生产者无数据时，消费者通过</a:t>
-            </a:r>
-            <a:r>
-              <a:rPr lang="en-US" altLang="zh-CN" sz="1600" dirty="0" smtClean="0"/>
-              <a:t>IO</a:t>
-            </a:r>
-            <a:r>
-              <a:rPr lang="zh-CN" altLang="en-US" sz="1600" dirty="0" smtClean="0"/>
-              <a:t>堵塞</a:t>
-            </a:r>
-            <a:endParaRPr lang="en-US" altLang="zh-CN" sz="1600" dirty="0" smtClean="0"/>
-          </a:p>
-          <a:p>
-            <a:r>
-              <a:rPr lang="en-US" altLang="zh-CN" sz="1600" dirty="0" smtClean="0"/>
-              <a:t>3</a:t>
-            </a:r>
-            <a:r>
-              <a:rPr lang="zh-CN" altLang="en-US" sz="1600" dirty="0" smtClean="0"/>
-              <a:t>、当消费者堵塞在</a:t>
-            </a:r>
-            <a:r>
-              <a:rPr lang="en-US" altLang="zh-CN" sz="1600" dirty="0" smtClean="0"/>
-              <a:t>IO</a:t>
-            </a:r>
-            <a:r>
-              <a:rPr lang="zh-CN" altLang="en-US" sz="1600" dirty="0" smtClean="0"/>
-              <a:t>等待新消息时，生产者若有新消息则通过</a:t>
-            </a:r>
-            <a:r>
-              <a:rPr lang="en-US" altLang="zh-CN" sz="1600" dirty="0" smtClean="0"/>
-              <a:t>IO</a:t>
-            </a:r>
-            <a:r>
-              <a:rPr lang="zh-CN" altLang="en-US" sz="1600" dirty="0" smtClean="0"/>
-              <a:t>通知消费者</a:t>
-            </a:r>
-            <a:endParaRPr lang="en-US" altLang="zh-CN" sz="1600" dirty="0" smtClean="0"/>
-          </a:p>
-          <a:p>
-            <a:r>
-              <a:rPr lang="en-US" altLang="zh-CN" sz="1600" dirty="0" smtClean="0"/>
-              <a:t>4</a:t>
-            </a:r>
-            <a:r>
-              <a:rPr lang="zh-CN" altLang="en-US" sz="1600" dirty="0" smtClean="0"/>
-              <a:t>、无锁队列利用率越高，则处理性能越高</a:t>
-            </a:r>
-            <a:endParaRPr lang="en-US" altLang="zh-CN" sz="1600" dirty="0" smtClean="0"/>
-          </a:p>
-        </p:txBody>
-      </p:sp>
-      <p:sp>
-        <p:nvSpPr>
-          <p:cNvPr id="8" name="文本框 7"/>
-          <p:cNvSpPr txBox="1"/>
+        </p:nvCxnSpPr>
+        <p:spPr>
+          <a:xfrm rot="10800000">
+            <a:off x="2298316" y="2236057"/>
+            <a:ext cx="814596" cy="950905"/>
+          </a:xfrm>
+          <a:prstGeom prst="curvedConnector2">
+            <a:avLst/>
+          </a:prstGeom>
+          <a:ln>
+            <a:tailEnd type="triangle"/>
+          </a:ln>
+        </p:spPr>
+        <p:style>
+          <a:lnRef idx="1">
+            <a:schemeClr val="accent1"/>
+          </a:lnRef>
+          <a:fillRef idx="0">
+            <a:schemeClr val="accent1"/>
+          </a:fillRef>
+          <a:effectRef idx="0">
+            <a:schemeClr val="accent1"/>
+          </a:effectRef>
+          <a:fontRef idx="minor">
+            <a:schemeClr val="tx1"/>
+          </a:fontRef>
+        </p:style>
+      </p:cxnSp>
+      <p:cxnSp>
+        <p:nvCxnSpPr>
+          <p:cNvPr id="43" name="曲线连接符 42"/>
+          <p:cNvCxnSpPr>
+            <a:stCxn id="34" idx="6"/>
+            <a:endCxn id="22" idx="6"/>
+          </p:cNvCxnSpPr>
           <p:nvPr/>
-        </p:nvSpPr>
-        <p:spPr>
-          <a:xfrm>
-            <a:off x="634976" y="3455422"/>
-            <a:ext cx="720080" cy="261610"/>
-          </a:xfrm>
-          <a:prstGeom prst="rect">
-            <a:avLst/>
-          </a:prstGeom>
-          <a:noFill/>
-        </p:spPr>
-        <p:txBody>
-          <a:bodyPr wrap="square" rtlCol="0">
-            <a:spAutoFit/>
-          </a:bodyPr>
-          <a:lstStyle/>
-          <a:p>
-            <a:r>
-              <a:rPr lang="zh-CN" altLang="en-US" sz="1100" b="1" dirty="0" smtClean="0"/>
-              <a:t>线程 </a:t>
-            </a:r>
-            <a:r>
-              <a:rPr lang="en-US" altLang="zh-CN" sz="1100" b="1" dirty="0" smtClean="0"/>
-              <a:t>A</a:t>
-            </a:r>
-            <a:endParaRPr lang="zh-CN" altLang="en-US" sz="1100" b="1" dirty="0"/>
-          </a:p>
-        </p:txBody>
-      </p:sp>
-      <p:sp>
-        <p:nvSpPr>
-          <p:cNvPr id="16" name="文本框 15"/>
-          <p:cNvSpPr txBox="1"/>
+        </p:nvCxnSpPr>
+        <p:spPr>
+          <a:xfrm flipV="1">
+            <a:off x="4562324" y="1281728"/>
+            <a:ext cx="1383260" cy="1905233"/>
+          </a:xfrm>
+          <a:prstGeom prst="curvedConnector3">
+            <a:avLst>
+              <a:gd name="adj1" fmla="val 166105"/>
+            </a:avLst>
+          </a:prstGeom>
+          <a:ln>
+            <a:tailEnd type="triangle"/>
+          </a:ln>
+        </p:spPr>
+        <p:style>
+          <a:lnRef idx="1">
+            <a:schemeClr val="accent1"/>
+          </a:lnRef>
+          <a:fillRef idx="0">
+            <a:schemeClr val="accent1"/>
+          </a:fillRef>
+          <a:effectRef idx="0">
+            <a:schemeClr val="accent1"/>
+          </a:effectRef>
+          <a:fontRef idx="minor">
+            <a:schemeClr val="tx1"/>
+          </a:fontRef>
+        </p:style>
+      </p:cxnSp>
+      <p:cxnSp>
+        <p:nvCxnSpPr>
+          <p:cNvPr id="46" name="曲线连接符 45"/>
+          <p:cNvCxnSpPr>
+            <a:stCxn id="34" idx="6"/>
+            <a:endCxn id="23" idx="6"/>
+          </p:cNvCxnSpPr>
           <p:nvPr/>
-        </p:nvSpPr>
-        <p:spPr>
-          <a:xfrm>
-            <a:off x="626592" y="4026695"/>
-            <a:ext cx="720080" cy="261610"/>
-          </a:xfrm>
-          <a:prstGeom prst="rect">
-            <a:avLst/>
-          </a:prstGeom>
-          <a:noFill/>
-        </p:spPr>
-        <p:txBody>
-          <a:bodyPr wrap="square" rtlCol="0">
-            <a:spAutoFit/>
-          </a:bodyPr>
-          <a:lstStyle/>
-          <a:p>
-            <a:r>
-              <a:rPr lang="zh-CN" altLang="en-US" sz="1100" b="1" dirty="0" smtClean="0"/>
-              <a:t>线程 </a:t>
-            </a:r>
-            <a:r>
-              <a:rPr lang="en-US" altLang="zh-CN" sz="1100" b="1" dirty="0" smtClean="0"/>
-              <a:t>B</a:t>
-            </a:r>
-            <a:endParaRPr lang="zh-CN" altLang="en-US" sz="1100" b="1" dirty="0"/>
-          </a:p>
-        </p:txBody>
-      </p:sp>
-      <p:sp>
-        <p:nvSpPr>
-          <p:cNvPr id="18" name="文本框 17"/>
-          <p:cNvSpPr txBox="1"/>
+        </p:nvCxnSpPr>
+        <p:spPr>
+          <a:xfrm flipV="1">
+            <a:off x="4562324" y="1626849"/>
+            <a:ext cx="1377828" cy="1560112"/>
+          </a:xfrm>
+          <a:prstGeom prst="curvedConnector3">
+            <a:avLst>
+              <a:gd name="adj1" fmla="val 147008"/>
+            </a:avLst>
+          </a:prstGeom>
+          <a:ln>
+            <a:tailEnd type="triangle"/>
+          </a:ln>
+        </p:spPr>
+        <p:style>
+          <a:lnRef idx="1">
+            <a:schemeClr val="accent1"/>
+          </a:lnRef>
+          <a:fillRef idx="0">
+            <a:schemeClr val="accent1"/>
+          </a:fillRef>
+          <a:effectRef idx="0">
+            <a:schemeClr val="accent1"/>
+          </a:effectRef>
+          <a:fontRef idx="minor">
+            <a:schemeClr val="tx1"/>
+          </a:fontRef>
+        </p:style>
+      </p:cxnSp>
+      <p:cxnSp>
+        <p:nvCxnSpPr>
+          <p:cNvPr id="49" name="曲线连接符 48"/>
+          <p:cNvCxnSpPr>
+            <a:stCxn id="34" idx="6"/>
+            <a:endCxn id="24" idx="6"/>
+          </p:cNvCxnSpPr>
           <p:nvPr/>
-        </p:nvSpPr>
-        <p:spPr>
-          <a:xfrm>
-            <a:off x="634976" y="4549936"/>
-            <a:ext cx="720080" cy="261610"/>
-          </a:xfrm>
-          <a:prstGeom prst="rect">
-            <a:avLst/>
-          </a:prstGeom>
-          <a:noFill/>
-        </p:spPr>
-        <p:txBody>
-          <a:bodyPr wrap="square" rtlCol="0">
-            <a:spAutoFit/>
-          </a:bodyPr>
-          <a:lstStyle/>
-          <a:p>
-            <a:r>
-              <a:rPr lang="zh-CN" altLang="en-US" sz="1100" b="1" dirty="0" smtClean="0"/>
-              <a:t>线程 </a:t>
-            </a:r>
-            <a:r>
-              <a:rPr lang="en-US" altLang="zh-CN" sz="1100" b="1" dirty="0" smtClean="0"/>
-              <a:t>C</a:t>
-            </a:r>
-            <a:endParaRPr lang="zh-CN" altLang="en-US" sz="1100" b="1" dirty="0"/>
-          </a:p>
-        </p:txBody>
-      </p:sp>
-      <p:sp>
-        <p:nvSpPr>
-          <p:cNvPr id="19" name="文本框 18"/>
-          <p:cNvSpPr txBox="1"/>
+        </p:nvCxnSpPr>
+        <p:spPr>
+          <a:xfrm flipV="1">
+            <a:off x="4562324" y="1966911"/>
+            <a:ext cx="1377828" cy="1220050"/>
+          </a:xfrm>
+          <a:prstGeom prst="curvedConnector3">
+            <a:avLst>
+              <a:gd name="adj1" fmla="val 118434"/>
+            </a:avLst>
+          </a:prstGeom>
+          <a:ln>
+            <a:tailEnd type="triangle"/>
+          </a:ln>
+        </p:spPr>
+        <p:style>
+          <a:lnRef idx="1">
+            <a:schemeClr val="accent1"/>
+          </a:lnRef>
+          <a:fillRef idx="0">
+            <a:schemeClr val="accent1"/>
+          </a:fillRef>
+          <a:effectRef idx="0">
+            <a:schemeClr val="accent1"/>
+          </a:effectRef>
+          <a:fontRef idx="minor">
+            <a:schemeClr val="tx1"/>
+          </a:fontRef>
+        </p:style>
+      </p:cxnSp>
+      <p:cxnSp>
+        <p:nvCxnSpPr>
+          <p:cNvPr id="52" name="曲线连接符 51"/>
+          <p:cNvCxnSpPr>
+            <a:stCxn id="34" idx="6"/>
+            <a:endCxn id="25" idx="4"/>
+          </p:cNvCxnSpPr>
           <p:nvPr/>
-        </p:nvSpPr>
-        <p:spPr>
-          <a:xfrm>
-            <a:off x="6929388" y="4026695"/>
-            <a:ext cx="720080" cy="261610"/>
-          </a:xfrm>
-          <a:prstGeom prst="rect">
-            <a:avLst/>
-          </a:prstGeom>
-          <a:noFill/>
-        </p:spPr>
-        <p:txBody>
-          <a:bodyPr wrap="square" rtlCol="0">
-            <a:spAutoFit/>
-          </a:bodyPr>
-          <a:lstStyle/>
-          <a:p>
-            <a:r>
-              <a:rPr lang="zh-CN" altLang="en-US" sz="1100" b="1" dirty="0" smtClean="0"/>
-              <a:t>线程 </a:t>
-            </a:r>
-            <a:r>
-              <a:rPr lang="en-US" altLang="zh-CN" sz="1100" b="1" dirty="0" smtClean="0"/>
-              <a:t>D</a:t>
-            </a:r>
-            <a:endParaRPr lang="zh-CN" altLang="en-US" sz="1100" b="1" dirty="0"/>
-          </a:p>
-        </p:txBody>
-      </p:sp>
+        </p:nvCxnSpPr>
+        <p:spPr>
+          <a:xfrm flipV="1">
+            <a:off x="4562324" y="2420888"/>
+            <a:ext cx="847020" cy="766073"/>
+          </a:xfrm>
+          <a:prstGeom prst="curvedConnector2">
+            <a:avLst/>
+          </a:prstGeom>
+          <a:ln>
+            <a:tailEnd type="triangle"/>
+          </a:ln>
+        </p:spPr>
+        <p:style>
+          <a:lnRef idx="1">
+            <a:schemeClr val="accent1"/>
+          </a:lnRef>
+          <a:fillRef idx="0">
+            <a:schemeClr val="accent1"/>
+          </a:fillRef>
+          <a:effectRef idx="0">
+            <a:schemeClr val="accent1"/>
+          </a:effectRef>
+          <a:fontRef idx="minor">
+            <a:schemeClr val="tx1"/>
+          </a:fontRef>
+        </p:style>
+      </p:cxnSp>
     </p:spTree>
     <p:extLst>
       <p:ext uri="{BB962C8B-B14F-4D97-AF65-F5344CB8AC3E}">
-        <p14:creationId xmlns:p14="http://schemas.microsoft.com/office/powerpoint/2010/main" val="1490133852"/>
+        <p14:creationId xmlns:p14="http://schemas.microsoft.com/office/powerpoint/2010/main" val="3681865729"/>
       </p:ext>
     </p:extLst>
   </p:cSld>
@@ -20672,7 +21961,7 @@
           <a:p>
             <a:r>
               <a:rPr lang="zh-CN" altLang="en-US" dirty="0" smtClean="0"/>
-              <a:t>如何与第三方库无缝集成 </a:t>
+              <a:t>线程间通信 </a:t>
             </a:r>
             <a:r>
               <a:rPr lang="en-US" altLang="zh-CN" dirty="0" smtClean="0"/>
@@ -20696,311 +21985,70 @@
             <p:ph idx="1"/>
           </p:nvPr>
         </p:nvSpPr>
-        <p:spPr/>
+        <p:spPr>
+          <a:xfrm>
+            <a:off x="428596" y="1047733"/>
+            <a:ext cx="8229600" cy="2381267"/>
+          </a:xfrm>
+        </p:spPr>
         <p:txBody>
           <a:bodyPr/>
           <a:lstStyle/>
           <a:p>
             <a:r>
-              <a:rPr lang="en-US" altLang="zh-CN" sz="1600" b="1" dirty="0" smtClean="0"/>
-              <a:t>1</a:t>
-            </a:r>
-            <a:r>
-              <a:rPr lang="zh-CN" altLang="en-US" sz="1600" b="1" dirty="0" smtClean="0"/>
-              <a:t>、</a:t>
-            </a:r>
-            <a:r>
-              <a:rPr lang="en-US" altLang="zh-CN" sz="1600" b="1" dirty="0" smtClean="0"/>
-              <a:t>HOOK IO</a:t>
-            </a:r>
-            <a:r>
-              <a:rPr lang="zh-CN" altLang="en-US" sz="1600" b="1" dirty="0" smtClean="0"/>
-              <a:t>相关</a:t>
-            </a:r>
-            <a:r>
-              <a:rPr lang="en-US" altLang="zh-CN" sz="1600" b="1" dirty="0" smtClean="0"/>
-              <a:t>API</a:t>
-            </a:r>
-          </a:p>
-          <a:p>
+              <a:rPr lang="zh-CN" altLang="en-US" dirty="0" smtClean="0"/>
+              <a:t>协程模式下为何需要线程间通信？</a:t>
+            </a:r>
+            <a:endParaRPr lang="en-US" altLang="zh-CN" dirty="0" smtClean="0"/>
+          </a:p>
+          <a:p>
+            <a:r>
+              <a:rPr lang="en-US" altLang="zh-CN" sz="1600" dirty="0" smtClean="0"/>
+              <a:t>- </a:t>
+            </a:r>
             <a:r>
               <a:rPr lang="zh-CN" altLang="en-US" sz="1600" dirty="0" smtClean="0"/>
-              <a:t>读 </a:t>
-            </a:r>
+              <a:t>为使用多核，开启多个线程，线程间需要交换数据</a:t>
+            </a:r>
+            <a:endParaRPr lang="en-US" altLang="zh-CN" sz="1600" dirty="0" smtClean="0"/>
+          </a:p>
+          <a:p>
             <a:r>
               <a:rPr lang="en-US" altLang="zh-CN" sz="1600" dirty="0" smtClean="0"/>
-              <a:t>API</a:t>
+              <a:t>- </a:t>
             </a:r>
             <a:r>
               <a:rPr lang="zh-CN" altLang="en-US" sz="1600" dirty="0" smtClean="0"/>
-              <a:t>：</a:t>
-            </a:r>
+              <a:t>有些任务需要在线程池里异步完成，结果需要传递给主线程</a:t>
+            </a:r>
+            <a:endParaRPr lang="en-US" altLang="zh-CN" sz="1600" dirty="0" smtClean="0"/>
+          </a:p>
+          <a:p>
+            <a:endParaRPr lang="en-US" altLang="zh-CN" dirty="0"/>
+          </a:p>
+          <a:p>
+            <a:r>
+              <a:rPr lang="zh-CN" altLang="en-US" dirty="0" smtClean="0"/>
+              <a:t>协程模式下线程间的通信方式：</a:t>
+            </a:r>
+            <a:endParaRPr lang="en-US" altLang="zh-CN" dirty="0" smtClean="0"/>
+          </a:p>
+          <a:p>
             <a:r>
               <a:rPr lang="en-US" altLang="zh-CN" sz="1600" dirty="0" smtClean="0"/>
-              <a:t>read/</a:t>
-            </a:r>
-            <a:r>
-              <a:rPr lang="en-US" altLang="zh-CN" sz="1600" dirty="0" err="1" smtClean="0"/>
-              <a:t>readv</a:t>
+              <a:t>- </a:t>
+            </a:r>
+            <a:r>
+              <a:rPr lang="zh-CN" altLang="en-US" sz="1600" dirty="0" smtClean="0"/>
+              <a:t>无锁消息队列 </a:t>
             </a:r>
             <a:r>
               <a:rPr lang="en-US" altLang="zh-CN" sz="1600" dirty="0" smtClean="0"/>
-              <a:t>/</a:t>
-            </a:r>
-            <a:r>
-              <a:rPr lang="en-US" altLang="zh-CN" sz="1600" dirty="0" err="1" smtClean="0"/>
-              <a:t>recv</a:t>
-            </a:r>
-            <a:r>
-              <a:rPr lang="en-US" altLang="zh-CN" sz="1600" dirty="0" smtClean="0"/>
-              <a:t>/</a:t>
-            </a:r>
-            <a:r>
-              <a:rPr lang="en-US" altLang="zh-CN" sz="1600" dirty="0" err="1" smtClean="0"/>
-              <a:t>recvfrom</a:t>
-            </a:r>
-            <a:r>
-              <a:rPr lang="en-US" altLang="zh-CN" sz="1600" dirty="0" smtClean="0"/>
-              <a:t>/</a:t>
-            </a:r>
-            <a:r>
-              <a:rPr lang="en-US" altLang="zh-CN" sz="1600" dirty="0" err="1" smtClean="0"/>
-              <a:t>recvmsg</a:t>
-            </a:r>
-            <a:endParaRPr lang="en-US" altLang="zh-CN" sz="1600" dirty="0" smtClean="0"/>
-          </a:p>
-          <a:p>
+              <a:t>+ IO </a:t>
+            </a:r>
             <a:r>
               <a:rPr lang="zh-CN" altLang="en-US" sz="1600" dirty="0" smtClean="0"/>
-              <a:t>写 </a:t>
-            </a:r>
-            <a:r>
-              <a:rPr lang="en-US" altLang="zh-CN" sz="1600" dirty="0" smtClean="0"/>
-              <a:t>API</a:t>
-            </a:r>
-            <a:r>
-              <a:rPr lang="zh-CN" altLang="en-US" sz="1600" dirty="0" smtClean="0"/>
-              <a:t>：</a:t>
-            </a:r>
-            <a:r>
-              <a:rPr lang="en-US" altLang="zh-CN" sz="1600" dirty="0" smtClean="0"/>
-              <a:t>write/</a:t>
-            </a:r>
-            <a:r>
-              <a:rPr lang="en-US" altLang="zh-CN" sz="1600" dirty="0" err="1" smtClean="0"/>
-              <a:t>writev</a:t>
-            </a:r>
-            <a:r>
-              <a:rPr lang="en-US" altLang="zh-CN" sz="1600" dirty="0" smtClean="0"/>
-              <a:t>/send/</a:t>
-            </a:r>
-            <a:r>
-              <a:rPr lang="en-US" altLang="zh-CN" sz="1600" dirty="0" err="1" smtClean="0"/>
-              <a:t>sendto</a:t>
-            </a:r>
-            <a:r>
-              <a:rPr lang="en-US" altLang="zh-CN" sz="1600" dirty="0" smtClean="0"/>
-              <a:t>/</a:t>
-            </a:r>
-            <a:r>
-              <a:rPr lang="en-US" altLang="zh-CN" sz="1600" dirty="0" err="1" smtClean="0"/>
-              <a:t>sendmsg</a:t>
-            </a:r>
-            <a:endParaRPr lang="en-US" altLang="zh-CN" sz="1600" dirty="0" smtClean="0"/>
-          </a:p>
-          <a:p>
-            <a:r>
-              <a:rPr lang="zh-CN" altLang="en-US" sz="1600" dirty="0" smtClean="0"/>
-              <a:t>其它 </a:t>
-            </a:r>
-            <a:r>
-              <a:rPr lang="en-US" altLang="zh-CN" sz="1600" dirty="0" smtClean="0"/>
-              <a:t>API</a:t>
-            </a:r>
-            <a:r>
-              <a:rPr lang="zh-CN" altLang="en-US" sz="1600" dirty="0" smtClean="0"/>
-              <a:t>：</a:t>
-            </a:r>
-            <a:r>
-              <a:rPr lang="en-US" altLang="zh-CN" sz="1600" dirty="0" smtClean="0"/>
-              <a:t>pipe/</a:t>
-            </a:r>
-            <a:r>
-              <a:rPr lang="en-US" altLang="zh-CN" sz="1600" dirty="0" err="1" smtClean="0"/>
-              <a:t>popen</a:t>
-            </a:r>
-            <a:r>
-              <a:rPr lang="en-US" altLang="zh-CN" sz="1600" dirty="0" smtClean="0"/>
-              <a:t>/</a:t>
-            </a:r>
-            <a:r>
-              <a:rPr lang="en-US" altLang="zh-CN" sz="1600" dirty="0" err="1" smtClean="0"/>
-              <a:t>pclose</a:t>
-            </a:r>
-            <a:r>
-              <a:rPr lang="en-US" altLang="zh-CN" sz="1600" dirty="0" smtClean="0"/>
-              <a:t>/open/close/</a:t>
-            </a:r>
-            <a:r>
-              <a:rPr lang="en-US" altLang="zh-CN" sz="1600" dirty="0" err="1" smtClean="0"/>
-              <a:t>fcntl</a:t>
-            </a:r>
-            <a:endParaRPr lang="en-US" altLang="zh-CN" sz="1600" dirty="0" smtClean="0"/>
-          </a:p>
-          <a:p>
-            <a:r>
-              <a:rPr lang="en-US" altLang="zh-CN" sz="1600" b="1" dirty="0" smtClean="0"/>
-              <a:t>2</a:t>
-            </a:r>
-            <a:r>
-              <a:rPr lang="zh-CN" altLang="en-US" sz="1600" b="1" dirty="0" smtClean="0"/>
-              <a:t>、</a:t>
-            </a:r>
-            <a:r>
-              <a:rPr lang="en-US" altLang="zh-CN" sz="1600" b="1" dirty="0" smtClean="0"/>
-              <a:t>HOOK </a:t>
-            </a:r>
-            <a:r>
-              <a:rPr lang="zh-CN" altLang="en-US" sz="1600" b="1" dirty="0" smtClean="0"/>
-              <a:t>网络相关</a:t>
-            </a:r>
-            <a:r>
-              <a:rPr lang="en-US" altLang="zh-CN" sz="1600" b="1" dirty="0" smtClean="0"/>
-              <a:t>API</a:t>
-            </a:r>
-          </a:p>
-          <a:p>
-            <a:r>
-              <a:rPr lang="en-US" altLang="zh-CN" sz="1600" dirty="0" smtClean="0"/>
-              <a:t>socket/</a:t>
-            </a:r>
-            <a:r>
-              <a:rPr lang="en-US" altLang="zh-CN" sz="1600" dirty="0" err="1" smtClean="0"/>
-              <a:t>socketpair</a:t>
-            </a:r>
-            <a:r>
-              <a:rPr lang="en-US" altLang="zh-CN" sz="1600" dirty="0" smtClean="0"/>
-              <a:t>/bind/listen/accept/connect</a:t>
-            </a:r>
-          </a:p>
-          <a:p>
-            <a:r>
-              <a:rPr lang="en-US" altLang="zh-CN" sz="1600" dirty="0" smtClean="0"/>
-              <a:t>poll/select/</a:t>
-            </a:r>
-            <a:r>
-              <a:rPr lang="en-US" altLang="zh-CN" sz="1600" dirty="0" err="1" smtClean="0"/>
-              <a:t>epoll_create</a:t>
-            </a:r>
-            <a:r>
-              <a:rPr lang="en-US" altLang="zh-CN" sz="1600" dirty="0" smtClean="0"/>
-              <a:t>/</a:t>
-            </a:r>
-            <a:r>
-              <a:rPr lang="en-US" altLang="zh-CN" sz="1600" dirty="0" err="1" smtClean="0"/>
-              <a:t>epoll_wait</a:t>
-            </a:r>
-            <a:r>
-              <a:rPr lang="en-US" altLang="zh-CN" sz="1600" dirty="0" smtClean="0"/>
-              <a:t>/</a:t>
-            </a:r>
-            <a:r>
-              <a:rPr lang="en-US" altLang="zh-CN" sz="1600" dirty="0" err="1" smtClean="0"/>
-              <a:t>epoll_ctl</a:t>
-            </a:r>
-            <a:endParaRPr lang="en-US" altLang="zh-CN" sz="1600" dirty="0" smtClean="0"/>
-          </a:p>
-          <a:p>
-            <a:r>
-              <a:rPr lang="en-US" altLang="zh-CN" sz="1600" dirty="0" err="1" smtClean="0"/>
-              <a:t>gethostbyname</a:t>
-            </a:r>
-            <a:r>
-              <a:rPr lang="en-US" altLang="zh-CN" sz="1600" dirty="0" smtClean="0"/>
-              <a:t>/</a:t>
-            </a:r>
-            <a:r>
-              <a:rPr lang="en-US" altLang="zh-CN" sz="1600" dirty="0" err="1" smtClean="0"/>
-              <a:t>gethostbyname_r</a:t>
-            </a:r>
-            <a:endParaRPr lang="en-US" altLang="zh-CN" sz="1600" dirty="0" smtClean="0"/>
-          </a:p>
-          <a:p>
-            <a:endParaRPr lang="en-US" altLang="zh-CN" sz="1600" dirty="0"/>
-          </a:p>
-          <a:p>
-            <a:r>
-              <a:rPr lang="zh-CN" altLang="en-US" sz="1600" b="1" dirty="0" smtClean="0"/>
-              <a:t>通过 </a:t>
-            </a:r>
-            <a:r>
-              <a:rPr lang="en-US" altLang="zh-CN" sz="1600" b="1" dirty="0" smtClean="0"/>
-              <a:t>HOOK </a:t>
-            </a:r>
-            <a:r>
-              <a:rPr lang="zh-CN" altLang="en-US" sz="1600" b="1" dirty="0" smtClean="0"/>
-              <a:t>系统底层 </a:t>
-            </a:r>
-            <a:r>
-              <a:rPr lang="en-US" altLang="zh-CN" sz="1600" b="1" dirty="0" smtClean="0"/>
-              <a:t>API</a:t>
-            </a:r>
-            <a:r>
-              <a:rPr lang="zh-CN" altLang="en-US" sz="1600" b="1" dirty="0" smtClean="0"/>
-              <a:t>，可以实现：</a:t>
-            </a:r>
-            <a:endParaRPr lang="en-US" altLang="zh-CN" sz="1600" b="1" dirty="0" smtClean="0"/>
-          </a:p>
-          <a:p>
-            <a:r>
-              <a:rPr lang="en-US" altLang="zh-CN" sz="1600" dirty="0" smtClean="0"/>
-              <a:t>1</a:t>
-            </a:r>
-            <a:r>
-              <a:rPr lang="zh-CN" altLang="en-US" sz="1600" dirty="0" smtClean="0"/>
-              <a:t>、直接接管第三方库（如：</a:t>
-            </a:r>
-            <a:r>
-              <a:rPr lang="en-US" altLang="zh-CN" sz="1600" dirty="0" err="1" smtClean="0"/>
-              <a:t>mysql</a:t>
-            </a:r>
-            <a:r>
-              <a:rPr lang="en-US" altLang="zh-CN" sz="1600" dirty="0" smtClean="0"/>
-              <a:t>/http/</a:t>
-            </a:r>
-            <a:r>
-              <a:rPr lang="en-US" altLang="zh-CN" sz="1600" dirty="0" err="1" smtClean="0"/>
-              <a:t>redis</a:t>
-            </a:r>
-            <a:r>
-              <a:rPr lang="en-US" altLang="zh-CN" sz="1600" dirty="0" smtClean="0"/>
-              <a:t> </a:t>
-            </a:r>
-            <a:r>
-              <a:rPr lang="zh-CN" altLang="en-US" sz="1600" dirty="0" smtClean="0"/>
-              <a:t>等库）的网络连接及通信过程</a:t>
-            </a:r>
-            <a:endParaRPr lang="en-US" altLang="zh-CN" sz="1600" dirty="0" smtClean="0"/>
-          </a:p>
-          <a:p>
-            <a:r>
-              <a:rPr lang="en-US" altLang="zh-CN" sz="1600" dirty="0" smtClean="0"/>
-              <a:t>2</a:t>
-            </a:r>
-            <a:r>
-              <a:rPr lang="zh-CN" altLang="en-US" sz="1600" dirty="0" smtClean="0"/>
-              <a:t>、直接接管第三方库的域名解析过程</a:t>
-            </a:r>
-            <a:endParaRPr lang="en-US" altLang="zh-CN" sz="1600" dirty="0" smtClean="0"/>
-          </a:p>
-          <a:p>
-            <a:r>
-              <a:rPr lang="en-US" altLang="zh-CN" sz="1600" dirty="0" smtClean="0"/>
-              <a:t>3</a:t>
-            </a:r>
-            <a:r>
-              <a:rPr lang="zh-CN" altLang="en-US" sz="1600" dirty="0" smtClean="0"/>
-              <a:t>、将第三方网络阻塞过程协程化，在协程库底层转化为非阻塞过程</a:t>
+              <a:t>模式</a:t>
             </a:r>
             <a:endParaRPr lang="zh-CN" altLang="en-US" sz="1600" dirty="0"/>
           </a:p>
@@ -21008,14 +22056,519 @@
       </p:sp>
       <p:sp>
         <p:nvSpPr>
-          <p:cNvPr id="5" name="文本框 4"/>
+          <p:cNvPr id="4" name="矩形 3"/>
+          <p:cNvSpPr/>
+          <p:nvPr/>
+        </p:nvSpPr>
+        <p:spPr>
+          <a:xfrm>
+            <a:off x="3275856" y="3969060"/>
+            <a:ext cx="1368152" cy="360040"/>
+          </a:xfrm>
+          <a:prstGeom prst="rect">
+            <a:avLst/>
+          </a:prstGeom>
+          <a:solidFill>
+            <a:srgbClr val="00B0F0"/>
+          </a:solidFill>
+          <a:ln>
+            <a:noFill/>
+          </a:ln>
+        </p:spPr>
+        <p:style>
+          <a:lnRef idx="2">
+            <a:schemeClr val="accent1">
+              <a:shade val="50000"/>
+            </a:schemeClr>
+          </a:lnRef>
+          <a:fillRef idx="1">
+            <a:schemeClr val="accent1"/>
+          </a:fillRef>
+          <a:effectRef idx="0">
+            <a:schemeClr val="accent1"/>
+          </a:effectRef>
+          <a:fontRef idx="minor">
+            <a:schemeClr val="lt1"/>
+          </a:fontRef>
+        </p:style>
+        <p:txBody>
+          <a:bodyPr rtlCol="0" anchor="ctr"/>
+          <a:lstStyle/>
+          <a:p>
+            <a:pPr algn="ctr"/>
+            <a:r>
+              <a:rPr lang="zh-CN" altLang="en-US" sz="1200" b="1" dirty="0" smtClean="0">
+                <a:solidFill>
+                  <a:schemeClr val="tx1"/>
+                </a:solidFill>
+              </a:rPr>
+              <a:t>无锁队列</a:t>
+            </a:r>
+            <a:endParaRPr lang="zh-CN" altLang="en-US" sz="1200" b="1" dirty="0">
+              <a:solidFill>
+                <a:schemeClr val="tx1"/>
+              </a:solidFill>
+            </a:endParaRPr>
+          </a:p>
+        </p:txBody>
+      </p:sp>
+      <p:sp>
+        <p:nvSpPr>
+          <p:cNvPr id="5" name="椭圆 4"/>
+          <p:cNvSpPr/>
+          <p:nvPr/>
+        </p:nvSpPr>
+        <p:spPr>
+          <a:xfrm>
+            <a:off x="1331640" y="3429000"/>
+            <a:ext cx="1008112" cy="360040"/>
+          </a:xfrm>
+          <a:prstGeom prst="ellipse">
+            <a:avLst/>
+          </a:prstGeom>
+          <a:solidFill>
+            <a:srgbClr val="00B050"/>
+          </a:solidFill>
+          <a:ln>
+            <a:noFill/>
+          </a:ln>
+        </p:spPr>
+        <p:style>
+          <a:lnRef idx="2">
+            <a:schemeClr val="accent1">
+              <a:shade val="50000"/>
+            </a:schemeClr>
+          </a:lnRef>
+          <a:fillRef idx="1">
+            <a:schemeClr val="accent1"/>
+          </a:fillRef>
+          <a:effectRef idx="0">
+            <a:schemeClr val="accent1"/>
+          </a:effectRef>
+          <a:fontRef idx="minor">
+            <a:schemeClr val="lt1"/>
+          </a:fontRef>
+        </p:style>
+        <p:txBody>
+          <a:bodyPr rtlCol="0" anchor="ctr"/>
+          <a:lstStyle/>
+          <a:p>
+            <a:pPr algn="ctr"/>
+            <a:r>
+              <a:rPr lang="en-US" altLang="zh-CN" sz="1100" b="1" dirty="0" smtClean="0">
+                <a:solidFill>
+                  <a:schemeClr val="tx1"/>
+                </a:solidFill>
+              </a:rPr>
+              <a:t>producer</a:t>
+            </a:r>
+            <a:endParaRPr lang="zh-CN" altLang="en-US" sz="1100" b="1" dirty="0">
+              <a:solidFill>
+                <a:schemeClr val="tx1"/>
+              </a:solidFill>
+            </a:endParaRPr>
+          </a:p>
+        </p:txBody>
+      </p:sp>
+      <p:sp>
+        <p:nvSpPr>
+          <p:cNvPr id="6" name="椭圆 5"/>
+          <p:cNvSpPr/>
+          <p:nvPr/>
+        </p:nvSpPr>
+        <p:spPr>
+          <a:xfrm>
+            <a:off x="1331640" y="3969060"/>
+            <a:ext cx="1008112" cy="360040"/>
+          </a:xfrm>
+          <a:prstGeom prst="ellipse">
+            <a:avLst/>
+          </a:prstGeom>
+          <a:solidFill>
+            <a:srgbClr val="00B050"/>
+          </a:solidFill>
+          <a:ln>
+            <a:noFill/>
+          </a:ln>
+        </p:spPr>
+        <p:style>
+          <a:lnRef idx="2">
+            <a:schemeClr val="accent1">
+              <a:shade val="50000"/>
+            </a:schemeClr>
+          </a:lnRef>
+          <a:fillRef idx="1">
+            <a:schemeClr val="accent1"/>
+          </a:fillRef>
+          <a:effectRef idx="0">
+            <a:schemeClr val="accent1"/>
+          </a:effectRef>
+          <a:fontRef idx="minor">
+            <a:schemeClr val="lt1"/>
+          </a:fontRef>
+        </p:style>
+        <p:txBody>
+          <a:bodyPr rtlCol="0" anchor="ctr"/>
+          <a:lstStyle/>
+          <a:p>
+            <a:pPr algn="ctr"/>
+            <a:r>
+              <a:rPr lang="en-US" altLang="zh-CN" sz="1100" b="1" dirty="0" smtClean="0">
+                <a:solidFill>
+                  <a:schemeClr val="tx1"/>
+                </a:solidFill>
+              </a:rPr>
+              <a:t>producer</a:t>
+            </a:r>
+            <a:endParaRPr lang="zh-CN" altLang="en-US" sz="1100" b="1" dirty="0">
+              <a:solidFill>
+                <a:schemeClr val="tx1"/>
+              </a:solidFill>
+            </a:endParaRPr>
+          </a:p>
+        </p:txBody>
+      </p:sp>
+      <p:sp>
+        <p:nvSpPr>
+          <p:cNvPr id="7" name="椭圆 6"/>
+          <p:cNvSpPr/>
+          <p:nvPr/>
+        </p:nvSpPr>
+        <p:spPr>
+          <a:xfrm>
+            <a:off x="1331640" y="4509120"/>
+            <a:ext cx="1008112" cy="360040"/>
+          </a:xfrm>
+          <a:prstGeom prst="ellipse">
+            <a:avLst/>
+          </a:prstGeom>
+          <a:solidFill>
+            <a:srgbClr val="00B050"/>
+          </a:solidFill>
+          <a:ln>
+            <a:noFill/>
+          </a:ln>
+        </p:spPr>
+        <p:style>
+          <a:lnRef idx="2">
+            <a:schemeClr val="accent1">
+              <a:shade val="50000"/>
+            </a:schemeClr>
+          </a:lnRef>
+          <a:fillRef idx="1">
+            <a:schemeClr val="accent1"/>
+          </a:fillRef>
+          <a:effectRef idx="0">
+            <a:schemeClr val="accent1"/>
+          </a:effectRef>
+          <a:fontRef idx="minor">
+            <a:schemeClr val="lt1"/>
+          </a:fontRef>
+        </p:style>
+        <p:txBody>
+          <a:bodyPr rtlCol="0" anchor="ctr"/>
+          <a:lstStyle/>
+          <a:p>
+            <a:pPr algn="ctr"/>
+            <a:r>
+              <a:rPr lang="en-US" altLang="zh-CN" sz="1100" b="1" dirty="0" smtClean="0">
+                <a:solidFill>
+                  <a:schemeClr val="tx1"/>
+                </a:solidFill>
+              </a:rPr>
+              <a:t>producer</a:t>
+            </a:r>
+            <a:endParaRPr lang="zh-CN" altLang="en-US" sz="1100" b="1" dirty="0">
+              <a:solidFill>
+                <a:schemeClr val="tx1"/>
+              </a:solidFill>
+            </a:endParaRPr>
+          </a:p>
+        </p:txBody>
+      </p:sp>
+      <p:cxnSp>
+        <p:nvCxnSpPr>
+          <p:cNvPr id="13" name="直接箭头连接符 12"/>
+          <p:cNvCxnSpPr>
+            <a:stCxn id="5" idx="6"/>
+            <a:endCxn id="4" idx="1"/>
+          </p:cNvCxnSpPr>
+          <p:nvPr/>
+        </p:nvCxnSpPr>
+        <p:spPr>
+          <a:xfrm>
+            <a:off x="2339752" y="3609020"/>
+            <a:ext cx="936104" cy="540060"/>
+          </a:xfrm>
+          <a:prstGeom prst="straightConnector1">
+            <a:avLst/>
+          </a:prstGeom>
+          <a:ln>
+            <a:tailEnd type="triangle"/>
+          </a:ln>
+        </p:spPr>
+        <p:style>
+          <a:lnRef idx="1">
+            <a:schemeClr val="accent1"/>
+          </a:lnRef>
+          <a:fillRef idx="0">
+            <a:schemeClr val="accent1"/>
+          </a:fillRef>
+          <a:effectRef idx="0">
+            <a:schemeClr val="accent1"/>
+          </a:effectRef>
+          <a:fontRef idx="minor">
+            <a:schemeClr val="tx1"/>
+          </a:fontRef>
+        </p:style>
+      </p:cxnSp>
+      <p:cxnSp>
+        <p:nvCxnSpPr>
+          <p:cNvPr id="15" name="直接箭头连接符 14"/>
+          <p:cNvCxnSpPr>
+            <a:stCxn id="6" idx="6"/>
+            <a:endCxn id="4" idx="1"/>
+          </p:cNvCxnSpPr>
+          <p:nvPr/>
+        </p:nvCxnSpPr>
+        <p:spPr>
+          <a:xfrm>
+            <a:off x="2339752" y="4149080"/>
+            <a:ext cx="936104" cy="0"/>
+          </a:xfrm>
+          <a:prstGeom prst="straightConnector1">
+            <a:avLst/>
+          </a:prstGeom>
+          <a:ln>
+            <a:tailEnd type="triangle"/>
+          </a:ln>
+        </p:spPr>
+        <p:style>
+          <a:lnRef idx="1">
+            <a:schemeClr val="accent1"/>
+          </a:lnRef>
+          <a:fillRef idx="0">
+            <a:schemeClr val="accent1"/>
+          </a:fillRef>
+          <a:effectRef idx="0">
+            <a:schemeClr val="accent1"/>
+          </a:effectRef>
+          <a:fontRef idx="minor">
+            <a:schemeClr val="tx1"/>
+          </a:fontRef>
+        </p:style>
+      </p:cxnSp>
+      <p:cxnSp>
+        <p:nvCxnSpPr>
+          <p:cNvPr id="17" name="直接箭头连接符 16"/>
+          <p:cNvCxnSpPr>
+            <a:stCxn id="7" idx="6"/>
+            <a:endCxn id="4" idx="1"/>
+          </p:cNvCxnSpPr>
+          <p:nvPr/>
+        </p:nvCxnSpPr>
+        <p:spPr>
+          <a:xfrm flipV="1">
+            <a:off x="2339752" y="4149080"/>
+            <a:ext cx="936104" cy="540060"/>
+          </a:xfrm>
+          <a:prstGeom prst="straightConnector1">
+            <a:avLst/>
+          </a:prstGeom>
+          <a:ln>
+            <a:tailEnd type="triangle"/>
+          </a:ln>
+        </p:spPr>
+        <p:style>
+          <a:lnRef idx="1">
+            <a:schemeClr val="accent1"/>
+          </a:lnRef>
+          <a:fillRef idx="0">
+            <a:schemeClr val="accent1"/>
+          </a:fillRef>
+          <a:effectRef idx="0">
+            <a:schemeClr val="accent1"/>
+          </a:effectRef>
+          <a:fontRef idx="minor">
+            <a:schemeClr val="tx1"/>
+          </a:fontRef>
+        </p:style>
+      </p:cxnSp>
+      <p:sp>
+        <p:nvSpPr>
+          <p:cNvPr id="24" name="椭圆 23"/>
+          <p:cNvSpPr/>
+          <p:nvPr/>
+        </p:nvSpPr>
+        <p:spPr>
+          <a:xfrm>
+            <a:off x="5580112" y="3969060"/>
+            <a:ext cx="1080120" cy="360040"/>
+          </a:xfrm>
+          <a:prstGeom prst="ellipse">
+            <a:avLst/>
+          </a:prstGeom>
+          <a:solidFill>
+            <a:schemeClr val="accent4">
+              <a:lumMod val="50000"/>
+              <a:lumOff val="50000"/>
+            </a:schemeClr>
+          </a:solidFill>
+          <a:ln>
+            <a:noFill/>
+          </a:ln>
+        </p:spPr>
+        <p:style>
+          <a:lnRef idx="2">
+            <a:schemeClr val="accent1">
+              <a:shade val="50000"/>
+            </a:schemeClr>
+          </a:lnRef>
+          <a:fillRef idx="1">
+            <a:schemeClr val="accent1"/>
+          </a:fillRef>
+          <a:effectRef idx="0">
+            <a:schemeClr val="accent1"/>
+          </a:effectRef>
+          <a:fontRef idx="minor">
+            <a:schemeClr val="lt1"/>
+          </a:fontRef>
+        </p:style>
+        <p:txBody>
+          <a:bodyPr rtlCol="0" anchor="ctr"/>
+          <a:lstStyle/>
+          <a:p>
+            <a:pPr algn="ctr"/>
+            <a:r>
+              <a:rPr lang="en-US" altLang="zh-CN" sz="1100" b="1" dirty="0" smtClean="0">
+                <a:solidFill>
+                  <a:schemeClr val="tx1"/>
+                </a:solidFill>
+              </a:rPr>
+              <a:t>consumer</a:t>
+            </a:r>
+            <a:endParaRPr lang="zh-CN" altLang="en-US" sz="1100" b="1" dirty="0">
+              <a:solidFill>
+                <a:schemeClr val="tx1"/>
+              </a:solidFill>
+            </a:endParaRPr>
+          </a:p>
+        </p:txBody>
+      </p:sp>
+      <p:cxnSp>
+        <p:nvCxnSpPr>
+          <p:cNvPr id="26" name="直接箭头连接符 25"/>
+          <p:cNvCxnSpPr>
+            <a:stCxn id="4" idx="3"/>
+            <a:endCxn id="24" idx="2"/>
+          </p:cNvCxnSpPr>
+          <p:nvPr/>
+        </p:nvCxnSpPr>
+        <p:spPr>
+          <a:xfrm>
+            <a:off x="4644008" y="4149080"/>
+            <a:ext cx="936104" cy="0"/>
+          </a:xfrm>
+          <a:prstGeom prst="straightConnector1">
+            <a:avLst/>
+          </a:prstGeom>
+          <a:ln>
+            <a:tailEnd type="triangle"/>
+          </a:ln>
+        </p:spPr>
+        <p:style>
+          <a:lnRef idx="1">
+            <a:schemeClr val="accent1"/>
+          </a:lnRef>
+          <a:fillRef idx="0">
+            <a:schemeClr val="accent1"/>
+          </a:fillRef>
+          <a:effectRef idx="0">
+            <a:schemeClr val="accent1"/>
+          </a:effectRef>
+          <a:fontRef idx="minor">
+            <a:schemeClr val="tx1"/>
+          </a:fontRef>
+        </p:style>
+      </p:cxnSp>
+      <p:sp>
+        <p:nvSpPr>
+          <p:cNvPr id="27" name="矩形 26"/>
+          <p:cNvSpPr/>
+          <p:nvPr/>
+        </p:nvSpPr>
+        <p:spPr>
+          <a:xfrm>
+            <a:off x="3275856" y="4329100"/>
+            <a:ext cx="1368152" cy="180020"/>
+          </a:xfrm>
+          <a:prstGeom prst="rect">
+            <a:avLst/>
+          </a:prstGeom>
+          <a:solidFill>
+            <a:schemeClr val="accent2">
+              <a:lumMod val="75000"/>
+            </a:schemeClr>
+          </a:solidFill>
+          <a:ln>
+            <a:noFill/>
+          </a:ln>
+        </p:spPr>
+        <p:style>
+          <a:lnRef idx="2">
+            <a:schemeClr val="accent1">
+              <a:shade val="50000"/>
+            </a:schemeClr>
+          </a:lnRef>
+          <a:fillRef idx="1">
+            <a:schemeClr val="accent1"/>
+          </a:fillRef>
+          <a:effectRef idx="0">
+            <a:schemeClr val="accent1"/>
+          </a:effectRef>
+          <a:fontRef idx="minor">
+            <a:schemeClr val="lt1"/>
+          </a:fontRef>
+        </p:style>
+        <p:txBody>
+          <a:bodyPr rtlCol="0" anchor="ctr"/>
+          <a:lstStyle/>
+          <a:p>
+            <a:pPr algn="ctr"/>
+            <a:r>
+              <a:rPr lang="en-US" altLang="zh-CN" sz="1200" b="1" dirty="0" smtClean="0">
+                <a:solidFill>
+                  <a:schemeClr val="tx1"/>
+                </a:solidFill>
+              </a:rPr>
+              <a:t>IO</a:t>
+            </a:r>
+            <a:r>
+              <a:rPr lang="zh-CN" altLang="en-US" sz="1200" b="1" dirty="0" smtClean="0">
+                <a:solidFill>
+                  <a:schemeClr val="tx1"/>
+                </a:solidFill>
+              </a:rPr>
+              <a:t>管道</a:t>
+            </a:r>
+            <a:endParaRPr lang="zh-CN" altLang="en-US" sz="1200" b="1" dirty="0">
+              <a:solidFill>
+                <a:schemeClr val="tx1"/>
+              </a:solidFill>
+            </a:endParaRPr>
+          </a:p>
+        </p:txBody>
+      </p:sp>
+      <p:sp>
+        <p:nvSpPr>
+          <p:cNvPr id="28" name="文本框 27"/>
           <p:cNvSpPr txBox="1"/>
           <p:nvPr/>
         </p:nvSpPr>
         <p:spPr>
           <a:xfrm>
-            <a:off x="683568" y="5373216"/>
-            <a:ext cx="6408712" cy="338554"/>
+            <a:off x="899592" y="5301208"/>
+            <a:ext cx="7344816" cy="1077218"/>
           </a:xfrm>
           <a:prstGeom prst="rect">
             <a:avLst/>
@@ -21029,67 +22582,222 @@
           <a:lstStyle/>
           <a:p>
             <a:r>
-              <a:rPr lang="zh-CN" altLang="en-US" sz="1600" b="1" dirty="0" smtClean="0">
-                <a:latin typeface="微软雅黑" panose="020B0503020204020204" pitchFamily="34" charset="-122"/>
-                <a:ea typeface="微软雅黑" panose="020B0503020204020204" pitchFamily="34" charset="-122"/>
-              </a:rPr>
-              <a:t>将</a:t>
-            </a:r>
-            <a:r>
-              <a:rPr lang="en-US" altLang="zh-CN" sz="1600" b="1" dirty="0" err="1" smtClean="0">
-                <a:latin typeface="微软雅黑" panose="020B0503020204020204" pitchFamily="34" charset="-122"/>
-                <a:ea typeface="微软雅黑" panose="020B0503020204020204" pitchFamily="34" charset="-122"/>
-              </a:rPr>
-              <a:t>mysql</a:t>
-            </a:r>
-            <a:r>
-              <a:rPr lang="zh-CN" altLang="en-US" sz="1600" b="1" dirty="0" smtClean="0">
-                <a:latin typeface="微软雅黑" panose="020B0503020204020204" pitchFamily="34" charset="-122"/>
-                <a:ea typeface="微软雅黑" panose="020B0503020204020204" pitchFamily="34" charset="-122"/>
-              </a:rPr>
-              <a:t>库协程化的例子参见</a:t>
-            </a:r>
-            <a:r>
-              <a:rPr lang="zh-CN" altLang="en-US" sz="1600" dirty="0" smtClean="0">
-                <a:latin typeface="微软雅黑" panose="020B0503020204020204" pitchFamily="34" charset="-122"/>
-                <a:ea typeface="微软雅黑" panose="020B0503020204020204" pitchFamily="34" charset="-122"/>
-              </a:rPr>
-              <a:t>：</a:t>
-            </a:r>
-            <a:r>
-              <a:rPr lang="en-US" altLang="zh-CN" sz="1600" dirty="0" err="1" smtClean="0">
-                <a:latin typeface="微软雅黑" panose="020B0503020204020204" pitchFamily="34" charset="-122"/>
-                <a:ea typeface="微软雅黑" panose="020B0503020204020204" pitchFamily="34" charset="-122"/>
-              </a:rPr>
-              <a:t>acl</a:t>
-            </a:r>
-            <a:r>
-              <a:rPr lang="en-US" altLang="zh-CN" sz="1600" dirty="0" smtClean="0">
-                <a:latin typeface="微软雅黑" panose="020B0503020204020204" pitchFamily="34" charset="-122"/>
-                <a:ea typeface="微软雅黑" panose="020B0503020204020204" pitchFamily="34" charset="-122"/>
-              </a:rPr>
+              <a:rPr lang="en-US" altLang="zh-CN" sz="1600" dirty="0" smtClean="0"/>
+              <a:t>1</a:t>
+            </a:r>
+            <a:r>
+              <a:rPr lang="zh-CN" altLang="en-US" sz="1600" dirty="0" smtClean="0"/>
+              <a:t>、生产者</a:t>
+            </a:r>
+            <a:r>
+              <a:rPr lang="en-US" altLang="zh-CN" sz="1600" dirty="0" smtClean="0"/>
               <a:t>/</a:t>
             </a:r>
             <a:r>
-              <a:rPr lang="en-US" altLang="zh-CN" sz="1600" dirty="0" err="1" smtClean="0"/>
-              <a:t>lib_fiber</a:t>
-            </a:r>
+              <a:rPr lang="zh-CN" altLang="en-US" sz="1600" dirty="0" smtClean="0"/>
+              <a:t>消费者之间优先通过无锁队列进行数据传递</a:t>
+            </a:r>
+            <a:endParaRPr lang="en-US" altLang="zh-CN" sz="1600" dirty="0" smtClean="0"/>
+          </a:p>
+          <a:p>
             <a:r>
               <a:rPr lang="en-US" altLang="zh-CN" sz="1600" dirty="0" smtClean="0"/>
-              <a:t>/samples/</a:t>
-            </a:r>
-            <a:r>
-              <a:rPr lang="en-US" altLang="zh-CN" sz="1600" dirty="0" err="1" smtClean="0"/>
-              <a:t>mysql</a:t>
-            </a:r>
-            <a:endParaRPr lang="zh-CN" altLang="en-US" sz="1600" dirty="0"/>
+              <a:t>2</a:t>
+            </a:r>
+            <a:r>
+              <a:rPr lang="zh-CN" altLang="en-US" sz="1600" dirty="0" smtClean="0"/>
+              <a:t>、当生产者无数据时，消费者通过</a:t>
+            </a:r>
+            <a:r>
+              <a:rPr lang="en-US" altLang="zh-CN" sz="1600" dirty="0" smtClean="0"/>
+              <a:t>IO</a:t>
+            </a:r>
+            <a:r>
+              <a:rPr lang="zh-CN" altLang="en-US" sz="1600" dirty="0" smtClean="0"/>
+              <a:t>堵塞</a:t>
+            </a:r>
+            <a:endParaRPr lang="en-US" altLang="zh-CN" sz="1600" dirty="0" smtClean="0"/>
+          </a:p>
+          <a:p>
+            <a:r>
+              <a:rPr lang="en-US" altLang="zh-CN" sz="1600" dirty="0" smtClean="0"/>
+              <a:t>3</a:t>
+            </a:r>
+            <a:r>
+              <a:rPr lang="zh-CN" altLang="en-US" sz="1600" dirty="0" smtClean="0"/>
+              <a:t>、当消费者堵塞在</a:t>
+            </a:r>
+            <a:r>
+              <a:rPr lang="en-US" altLang="zh-CN" sz="1600" dirty="0" smtClean="0"/>
+              <a:t>IO</a:t>
+            </a:r>
+            <a:r>
+              <a:rPr lang="zh-CN" altLang="en-US" sz="1600" dirty="0" smtClean="0"/>
+              <a:t>等待新消息时，生产者若有新消息则通过</a:t>
+            </a:r>
+            <a:r>
+              <a:rPr lang="en-US" altLang="zh-CN" sz="1600" dirty="0" smtClean="0"/>
+              <a:t>IO</a:t>
+            </a:r>
+            <a:r>
+              <a:rPr lang="zh-CN" altLang="en-US" sz="1600" dirty="0" smtClean="0"/>
+              <a:t>通知消费者</a:t>
+            </a:r>
+            <a:endParaRPr lang="en-US" altLang="zh-CN" sz="1600" dirty="0" smtClean="0"/>
+          </a:p>
+          <a:p>
+            <a:r>
+              <a:rPr lang="en-US" altLang="zh-CN" sz="1600" dirty="0" smtClean="0"/>
+              <a:t>4</a:t>
+            </a:r>
+            <a:r>
+              <a:rPr lang="zh-CN" altLang="en-US" sz="1600" dirty="0" smtClean="0"/>
+              <a:t>、无锁队列利用率越高，则处理性能越高</a:t>
+            </a:r>
+            <a:endParaRPr lang="en-US" altLang="zh-CN" sz="1600" dirty="0" smtClean="0"/>
+          </a:p>
+        </p:txBody>
+      </p:sp>
+      <p:sp>
+        <p:nvSpPr>
+          <p:cNvPr id="8" name="文本框 7"/>
+          <p:cNvSpPr txBox="1"/>
+          <p:nvPr/>
+        </p:nvSpPr>
+        <p:spPr>
+          <a:xfrm>
+            <a:off x="634976" y="3455422"/>
+            <a:ext cx="720080" cy="261610"/>
+          </a:xfrm>
+          <a:prstGeom prst="rect">
+            <a:avLst/>
+          </a:prstGeom>
+          <a:noFill/>
+        </p:spPr>
+        <p:txBody>
+          <a:bodyPr wrap="square" rtlCol="0">
+            <a:spAutoFit/>
+          </a:bodyPr>
+          <a:lstStyle/>
+          <a:p>
+            <a:r>
+              <a:rPr lang="zh-CN" altLang="en-US" sz="1100" b="1" dirty="0" smtClean="0"/>
+              <a:t>线程 </a:t>
+            </a:r>
+            <a:r>
+              <a:rPr lang="en-US" altLang="zh-CN" sz="1100" b="1" dirty="0" smtClean="0"/>
+              <a:t>A</a:t>
+            </a:r>
+            <a:endParaRPr lang="zh-CN" altLang="en-US" sz="1100" b="1" dirty="0"/>
+          </a:p>
+        </p:txBody>
+      </p:sp>
+      <p:sp>
+        <p:nvSpPr>
+          <p:cNvPr id="16" name="文本框 15"/>
+          <p:cNvSpPr txBox="1"/>
+          <p:nvPr/>
+        </p:nvSpPr>
+        <p:spPr>
+          <a:xfrm>
+            <a:off x="626592" y="4026695"/>
+            <a:ext cx="720080" cy="261610"/>
+          </a:xfrm>
+          <a:prstGeom prst="rect">
+            <a:avLst/>
+          </a:prstGeom>
+          <a:noFill/>
+        </p:spPr>
+        <p:txBody>
+          <a:bodyPr wrap="square" rtlCol="0">
+            <a:spAutoFit/>
+          </a:bodyPr>
+          <a:lstStyle/>
+          <a:p>
+            <a:r>
+              <a:rPr lang="zh-CN" altLang="en-US" sz="1100" b="1" dirty="0" smtClean="0"/>
+              <a:t>线程 </a:t>
+            </a:r>
+            <a:r>
+              <a:rPr lang="en-US" altLang="zh-CN" sz="1100" b="1" dirty="0" smtClean="0"/>
+              <a:t>B</a:t>
+            </a:r>
+            <a:endParaRPr lang="zh-CN" altLang="en-US" sz="1100" b="1" dirty="0"/>
+          </a:p>
+        </p:txBody>
+      </p:sp>
+      <p:sp>
+        <p:nvSpPr>
+          <p:cNvPr id="18" name="文本框 17"/>
+          <p:cNvSpPr txBox="1"/>
+          <p:nvPr/>
+        </p:nvSpPr>
+        <p:spPr>
+          <a:xfrm>
+            <a:off x="634976" y="4549936"/>
+            <a:ext cx="720080" cy="261610"/>
+          </a:xfrm>
+          <a:prstGeom prst="rect">
+            <a:avLst/>
+          </a:prstGeom>
+          <a:noFill/>
+        </p:spPr>
+        <p:txBody>
+          <a:bodyPr wrap="square" rtlCol="0">
+            <a:spAutoFit/>
+          </a:bodyPr>
+          <a:lstStyle/>
+          <a:p>
+            <a:r>
+              <a:rPr lang="zh-CN" altLang="en-US" sz="1100" b="1" dirty="0" smtClean="0"/>
+              <a:t>线程 </a:t>
+            </a:r>
+            <a:r>
+              <a:rPr lang="en-US" altLang="zh-CN" sz="1100" b="1" dirty="0" smtClean="0"/>
+              <a:t>C</a:t>
+            </a:r>
+            <a:endParaRPr lang="zh-CN" altLang="en-US" sz="1100" b="1" dirty="0"/>
+          </a:p>
+        </p:txBody>
+      </p:sp>
+      <p:sp>
+        <p:nvSpPr>
+          <p:cNvPr id="19" name="文本框 18"/>
+          <p:cNvSpPr txBox="1"/>
+          <p:nvPr/>
+        </p:nvSpPr>
+        <p:spPr>
+          <a:xfrm>
+            <a:off x="6929388" y="4026695"/>
+            <a:ext cx="720080" cy="261610"/>
+          </a:xfrm>
+          <a:prstGeom prst="rect">
+            <a:avLst/>
+          </a:prstGeom>
+          <a:noFill/>
+        </p:spPr>
+        <p:txBody>
+          <a:bodyPr wrap="square" rtlCol="0">
+            <a:spAutoFit/>
+          </a:bodyPr>
+          <a:lstStyle/>
+          <a:p>
+            <a:r>
+              <a:rPr lang="zh-CN" altLang="en-US" sz="1100" b="1" dirty="0" smtClean="0"/>
+              <a:t>线程 </a:t>
+            </a:r>
+            <a:r>
+              <a:rPr lang="en-US" altLang="zh-CN" sz="1100" b="1" dirty="0" smtClean="0"/>
+              <a:t>D</a:t>
+            </a:r>
+            <a:endParaRPr lang="zh-CN" altLang="en-US" sz="1100" b="1" dirty="0"/>
           </a:p>
         </p:txBody>
       </p:sp>
     </p:spTree>
     <p:extLst>
       <p:ext uri="{BB962C8B-B14F-4D97-AF65-F5344CB8AC3E}">
-        <p14:creationId xmlns:p14="http://schemas.microsoft.com/office/powerpoint/2010/main" val="636470633"/>
+        <p14:creationId xmlns:p14="http://schemas.microsoft.com/office/powerpoint/2010/main" val="1490133852"/>
       </p:ext>
     </p:extLst>
   </p:cSld>
@@ -21140,19 +22848,11 @@
           <a:p>
             <a:r>
               <a:rPr lang="zh-CN" altLang="en-US" dirty="0" smtClean="0"/>
-              <a:t>为何要 </a:t>
+              <a:t>如何与第三方库无缝集成 </a:t>
             </a:r>
             <a:r>
               <a:rPr lang="en-US" altLang="zh-CN" dirty="0" smtClean="0"/>
-              <a:t>HOOK </a:t>
-            </a:r>
-            <a:r>
-              <a:rPr lang="zh-CN" altLang="en-US" dirty="0" smtClean="0"/>
-              <a:t>很多系统</a:t>
-            </a:r>
-            <a:r>
-              <a:rPr lang="en-US" altLang="zh-CN" dirty="0" smtClean="0"/>
-              <a:t>API --- </a:t>
+              <a:t>--- </a:t>
             </a:r>
             <a:r>
               <a:rPr lang="zh-CN" altLang="en-US" sz="2000" dirty="0" smtClean="0"/>
@@ -21178,178 +22878,394 @@
           <a:lstStyle/>
           <a:p>
             <a:r>
-              <a:rPr lang="en-US" altLang="zh-CN" dirty="0" smtClean="0"/>
+              <a:rPr lang="en-US" altLang="zh-CN" sz="1600" b="1" dirty="0" smtClean="0"/>
               <a:t>1</a:t>
             </a:r>
             <a:r>
-              <a:rPr lang="zh-CN" altLang="en-US" dirty="0" smtClean="0"/>
+              <a:rPr lang="zh-CN" altLang="en-US" sz="1600" b="1" dirty="0" smtClean="0"/>
               <a:t>、</a:t>
             </a:r>
             <a:r>
-              <a:rPr lang="en-US" altLang="zh-CN" dirty="0" smtClean="0"/>
-              <a:t>poll/select </a:t>
-            </a:r>
-            <a:r>
-              <a:rPr lang="zh-CN" altLang="en-US" dirty="0" smtClean="0"/>
-              <a:t>为网络编程中常用系统 </a:t>
-            </a:r>
-            <a:r>
-              <a:rPr lang="en-US" altLang="zh-CN" dirty="0" smtClean="0"/>
+              <a:rPr lang="en-US" altLang="zh-CN" sz="1600" b="1" dirty="0" smtClean="0"/>
+              <a:t>HOOK IO</a:t>
+            </a:r>
+            <a:r>
+              <a:rPr lang="zh-CN" altLang="en-US" sz="1600" b="1" dirty="0" smtClean="0"/>
+              <a:t>相关</a:t>
+            </a:r>
+            <a:r>
+              <a:rPr lang="en-US" altLang="zh-CN" sz="1600" b="1" dirty="0" smtClean="0"/>
               <a:t>API</a:t>
             </a:r>
           </a:p>
           <a:p>
             <a:r>
-              <a:rPr lang="en-US" altLang="zh-CN" dirty="0" smtClean="0"/>
+              <a:rPr lang="zh-CN" altLang="en-US" sz="1600" dirty="0" smtClean="0"/>
+              <a:t>读 </a:t>
+            </a:r>
+            <a:r>
+              <a:rPr lang="en-US" altLang="zh-CN" sz="1600" dirty="0" smtClean="0"/>
+              <a:t>API</a:t>
+            </a:r>
+            <a:r>
+              <a:rPr lang="zh-CN" altLang="en-US" sz="1600" dirty="0" smtClean="0"/>
+              <a:t>：</a:t>
+            </a:r>
+            <a:r>
+              <a:rPr lang="en-US" altLang="zh-CN" sz="1600" dirty="0" smtClean="0"/>
+              <a:t>read/</a:t>
+            </a:r>
+            <a:r>
+              <a:rPr lang="en-US" altLang="zh-CN" sz="1600" dirty="0" err="1" smtClean="0"/>
+              <a:t>readv</a:t>
+            </a:r>
+            <a:r>
+              <a:rPr lang="en-US" altLang="zh-CN" sz="1600" dirty="0" smtClean="0"/>
+              <a:t>/</a:t>
+            </a:r>
+            <a:r>
+              <a:rPr lang="en-US" altLang="zh-CN" sz="1600" dirty="0" err="1" smtClean="0"/>
+              <a:t>recv</a:t>
+            </a:r>
+            <a:r>
+              <a:rPr lang="en-US" altLang="zh-CN" sz="1600" dirty="0" smtClean="0"/>
+              <a:t>/</a:t>
+            </a:r>
+            <a:r>
+              <a:rPr lang="en-US" altLang="zh-CN" sz="1600" dirty="0" err="1" smtClean="0"/>
+              <a:t>recvfrom</a:t>
+            </a:r>
+            <a:r>
+              <a:rPr lang="en-US" altLang="zh-CN" sz="1600" dirty="0" smtClean="0"/>
+              <a:t>/</a:t>
+            </a:r>
+            <a:r>
+              <a:rPr lang="en-US" altLang="zh-CN" sz="1600" dirty="0" err="1" smtClean="0"/>
+              <a:t>recvmsg</a:t>
+            </a:r>
+            <a:endParaRPr lang="en-US" altLang="zh-CN" sz="1600" dirty="0" smtClean="0"/>
+          </a:p>
+          <a:p>
+            <a:r>
+              <a:rPr lang="zh-CN" altLang="en-US" sz="1600" dirty="0" smtClean="0"/>
+              <a:t>写 </a:t>
+            </a:r>
+            <a:r>
+              <a:rPr lang="en-US" altLang="zh-CN" sz="1600" dirty="0" smtClean="0"/>
+              <a:t>API</a:t>
+            </a:r>
+            <a:r>
+              <a:rPr lang="zh-CN" altLang="en-US" sz="1600" dirty="0" smtClean="0"/>
+              <a:t>：</a:t>
+            </a:r>
+            <a:r>
+              <a:rPr lang="en-US" altLang="zh-CN" sz="1600" dirty="0" smtClean="0"/>
+              <a:t>write/</a:t>
+            </a:r>
+            <a:r>
+              <a:rPr lang="en-US" altLang="zh-CN" sz="1600" dirty="0" err="1" smtClean="0"/>
+              <a:t>writev</a:t>
+            </a:r>
+            <a:r>
+              <a:rPr lang="en-US" altLang="zh-CN" sz="1600" dirty="0" smtClean="0"/>
+              <a:t>/send/</a:t>
+            </a:r>
+            <a:r>
+              <a:rPr lang="en-US" altLang="zh-CN" sz="1600" dirty="0" err="1" smtClean="0"/>
+              <a:t>sendto</a:t>
+            </a:r>
+            <a:r>
+              <a:rPr lang="en-US" altLang="zh-CN" sz="1600" dirty="0" smtClean="0"/>
+              <a:t>/</a:t>
+            </a:r>
+            <a:r>
+              <a:rPr lang="en-US" altLang="zh-CN" sz="1600" dirty="0" err="1" smtClean="0"/>
+              <a:t>sendmsg</a:t>
+            </a:r>
+            <a:endParaRPr lang="en-US" altLang="zh-CN" sz="1600" dirty="0" smtClean="0"/>
+          </a:p>
+          <a:p>
+            <a:r>
+              <a:rPr lang="zh-CN" altLang="en-US" sz="1600" dirty="0" smtClean="0"/>
+              <a:t>其它 </a:t>
+            </a:r>
+            <a:r>
+              <a:rPr lang="en-US" altLang="zh-CN" sz="1600" dirty="0" smtClean="0"/>
+              <a:t>API</a:t>
+            </a:r>
+            <a:r>
+              <a:rPr lang="zh-CN" altLang="en-US" sz="1600" dirty="0" smtClean="0"/>
+              <a:t>：</a:t>
+            </a:r>
+            <a:r>
+              <a:rPr lang="en-US" altLang="zh-CN" sz="1600" dirty="0" smtClean="0"/>
+              <a:t>pipe/</a:t>
+            </a:r>
+            <a:r>
+              <a:rPr lang="en-US" altLang="zh-CN" sz="1600" dirty="0" err="1" smtClean="0"/>
+              <a:t>popen</a:t>
+            </a:r>
+            <a:r>
+              <a:rPr lang="en-US" altLang="zh-CN" sz="1600" dirty="0" smtClean="0"/>
+              <a:t>/</a:t>
+            </a:r>
+            <a:r>
+              <a:rPr lang="en-US" altLang="zh-CN" sz="1600" dirty="0" err="1" smtClean="0"/>
+              <a:t>pclose</a:t>
+            </a:r>
+            <a:r>
+              <a:rPr lang="en-US" altLang="zh-CN" sz="1600" dirty="0" smtClean="0"/>
+              <a:t>/open/close/</a:t>
+            </a:r>
+            <a:r>
+              <a:rPr lang="en-US" altLang="zh-CN" sz="1600" dirty="0" err="1" smtClean="0"/>
+              <a:t>fcntl</a:t>
+            </a:r>
+            <a:endParaRPr lang="en-US" altLang="zh-CN" sz="1600" dirty="0" smtClean="0"/>
+          </a:p>
+          <a:p>
+            <a:r>
+              <a:rPr lang="en-US" altLang="zh-CN" sz="1600" b="1" dirty="0" smtClean="0"/>
               <a:t>2</a:t>
             </a:r>
             <a:r>
-              <a:rPr lang="zh-CN" altLang="en-US" dirty="0" smtClean="0"/>
-              <a:t>、很多第三方网络库用 </a:t>
-            </a:r>
-            <a:r>
-              <a:rPr lang="en-US" altLang="zh-CN" dirty="0" smtClean="0"/>
-              <a:t>poll/select </a:t>
-            </a:r>
-            <a:r>
-              <a:rPr lang="zh-CN" altLang="en-US" dirty="0" smtClean="0"/>
-              <a:t>模拟</a:t>
-            </a:r>
-            <a:r>
-              <a:rPr lang="en-US" altLang="zh-CN" dirty="0" smtClean="0"/>
-              <a:t>IO</a:t>
-            </a:r>
-            <a:r>
-              <a:rPr lang="zh-CN" altLang="en-US" dirty="0" smtClean="0"/>
-              <a:t>超时</a:t>
-            </a:r>
-            <a:endParaRPr lang="en-US" altLang="zh-CN" dirty="0" smtClean="0"/>
-          </a:p>
-          <a:p>
-            <a:r>
-              <a:rPr lang="en-US" altLang="zh-CN" dirty="0" smtClean="0"/>
+              <a:rPr lang="zh-CN" altLang="en-US" sz="1600" b="1" dirty="0" smtClean="0"/>
+              <a:t>、</a:t>
+            </a:r>
+            <a:r>
+              <a:rPr lang="en-US" altLang="zh-CN" sz="1600" b="1" dirty="0" smtClean="0"/>
+              <a:t>HOOK </a:t>
+            </a:r>
+            <a:r>
+              <a:rPr lang="zh-CN" altLang="en-US" sz="1600" b="1" dirty="0" smtClean="0"/>
+              <a:t>网络相关</a:t>
+            </a:r>
+            <a:r>
+              <a:rPr lang="en-US" altLang="zh-CN" sz="1600" b="1" dirty="0" smtClean="0"/>
+              <a:t>API</a:t>
+            </a:r>
+          </a:p>
+          <a:p>
+            <a:r>
+              <a:rPr lang="en-US" altLang="zh-CN" sz="1600" dirty="0" smtClean="0"/>
+              <a:t>socket/</a:t>
+            </a:r>
+            <a:r>
+              <a:rPr lang="en-US" altLang="zh-CN" sz="1600" dirty="0" err="1" smtClean="0"/>
+              <a:t>socketpair</a:t>
+            </a:r>
+            <a:r>
+              <a:rPr lang="en-US" altLang="zh-CN" sz="1600" dirty="0" smtClean="0"/>
+              <a:t>/bind/listen/accept/connect</a:t>
+            </a:r>
+          </a:p>
+          <a:p>
+            <a:r>
+              <a:rPr lang="en-US" altLang="zh-CN" sz="1600" dirty="0" smtClean="0"/>
+              <a:t>poll/select/</a:t>
+            </a:r>
+            <a:r>
+              <a:rPr lang="en-US" altLang="zh-CN" sz="1600" dirty="0" err="1" smtClean="0"/>
+              <a:t>epoll_create</a:t>
+            </a:r>
+            <a:r>
+              <a:rPr lang="en-US" altLang="zh-CN" sz="1600" dirty="0" smtClean="0"/>
+              <a:t>/</a:t>
+            </a:r>
+            <a:r>
+              <a:rPr lang="en-US" altLang="zh-CN" sz="1600" dirty="0" err="1" smtClean="0"/>
+              <a:t>epoll_wait</a:t>
+            </a:r>
+            <a:r>
+              <a:rPr lang="en-US" altLang="zh-CN" sz="1600" dirty="0" smtClean="0"/>
+              <a:t>/</a:t>
+            </a:r>
+            <a:r>
+              <a:rPr lang="en-US" altLang="zh-CN" sz="1600" dirty="0" err="1" smtClean="0"/>
+              <a:t>epoll_ctl</a:t>
+            </a:r>
+            <a:endParaRPr lang="en-US" altLang="zh-CN" sz="1600" dirty="0" smtClean="0"/>
+          </a:p>
+          <a:p>
+            <a:r>
+              <a:rPr lang="en-US" altLang="zh-CN" sz="1600" dirty="0" err="1" smtClean="0"/>
+              <a:t>gethostbyname</a:t>
+            </a:r>
+            <a:r>
+              <a:rPr lang="en-US" altLang="zh-CN" sz="1600" dirty="0" smtClean="0"/>
+              <a:t>/</a:t>
+            </a:r>
+            <a:r>
+              <a:rPr lang="en-US" altLang="zh-CN" sz="1600" dirty="0" err="1" smtClean="0"/>
+              <a:t>gethostbyname_r</a:t>
+            </a:r>
+            <a:endParaRPr lang="en-US" altLang="zh-CN" sz="1600" dirty="0" smtClean="0"/>
+          </a:p>
+          <a:p>
+            <a:endParaRPr lang="en-US" altLang="zh-CN" sz="1600" dirty="0"/>
+          </a:p>
+          <a:p>
+            <a:r>
+              <a:rPr lang="zh-CN" altLang="en-US" sz="1600" b="1" dirty="0" smtClean="0"/>
+              <a:t>通过 </a:t>
+            </a:r>
+            <a:r>
+              <a:rPr lang="en-US" altLang="zh-CN" sz="1600" b="1" dirty="0" smtClean="0"/>
+              <a:t>HOOK </a:t>
+            </a:r>
+            <a:r>
+              <a:rPr lang="zh-CN" altLang="en-US" sz="1600" b="1" dirty="0" smtClean="0"/>
+              <a:t>系统底层 </a:t>
+            </a:r>
+            <a:r>
+              <a:rPr lang="en-US" altLang="zh-CN" sz="1600" b="1" dirty="0" smtClean="0"/>
+              <a:t>API</a:t>
+            </a:r>
+            <a:r>
+              <a:rPr lang="zh-CN" altLang="en-US" sz="1600" b="1" dirty="0" smtClean="0"/>
+              <a:t>，可以实现：</a:t>
+            </a:r>
+            <a:endParaRPr lang="en-US" altLang="zh-CN" sz="1600" b="1" dirty="0" smtClean="0"/>
+          </a:p>
+          <a:p>
+            <a:r>
+              <a:rPr lang="en-US" altLang="zh-CN" sz="1600" dirty="0" smtClean="0"/>
+              <a:t>1</a:t>
+            </a:r>
+            <a:r>
+              <a:rPr lang="zh-CN" altLang="en-US" sz="1600" dirty="0" smtClean="0"/>
+              <a:t>、直接接管第三方库（如：</a:t>
+            </a:r>
+            <a:r>
+              <a:rPr lang="en-US" altLang="zh-CN" sz="1600" dirty="0" err="1" smtClean="0"/>
+              <a:t>mysql</a:t>
+            </a:r>
+            <a:r>
+              <a:rPr lang="en-US" altLang="zh-CN" sz="1600" dirty="0" smtClean="0"/>
+              <a:t>/http/</a:t>
+            </a:r>
+            <a:r>
+              <a:rPr lang="en-US" altLang="zh-CN" sz="1600" dirty="0" err="1" smtClean="0"/>
+              <a:t>redis</a:t>
+            </a:r>
+            <a:r>
+              <a:rPr lang="en-US" altLang="zh-CN" sz="1600" dirty="0" smtClean="0"/>
+              <a:t> </a:t>
+            </a:r>
+            <a:r>
+              <a:rPr lang="zh-CN" altLang="en-US" sz="1600" dirty="0" smtClean="0"/>
+              <a:t>等库）的网络连接及通信过程</a:t>
+            </a:r>
+            <a:endParaRPr lang="en-US" altLang="zh-CN" sz="1600" dirty="0" smtClean="0"/>
+          </a:p>
+          <a:p>
+            <a:r>
+              <a:rPr lang="en-US" altLang="zh-CN" sz="1600" dirty="0" smtClean="0"/>
+              <a:t>2</a:t>
+            </a:r>
+            <a:r>
+              <a:rPr lang="zh-CN" altLang="en-US" sz="1600" dirty="0" smtClean="0"/>
+              <a:t>、直接接管第三方库的域名解析过程</a:t>
+            </a:r>
+            <a:endParaRPr lang="en-US" altLang="zh-CN" sz="1600" dirty="0" smtClean="0"/>
+          </a:p>
+          <a:p>
+            <a:r>
+              <a:rPr lang="en-US" altLang="zh-CN" sz="1600" dirty="0" smtClean="0"/>
               <a:t>3</a:t>
             </a:r>
             <a:r>
-              <a:rPr lang="zh-CN" altLang="en-US" dirty="0" smtClean="0"/>
-              <a:t>、</a:t>
-            </a:r>
-            <a:r>
-              <a:rPr lang="en-US" altLang="zh-CN" dirty="0" err="1" smtClean="0"/>
-              <a:t>epoll</a:t>
-            </a:r>
-            <a:r>
-              <a:rPr lang="en-US" altLang="zh-CN" dirty="0" smtClean="0"/>
-              <a:t> </a:t>
-            </a:r>
-            <a:r>
-              <a:rPr lang="zh-CN" altLang="en-US" dirty="0" smtClean="0"/>
-              <a:t>在 </a:t>
-            </a:r>
-            <a:r>
-              <a:rPr lang="en-US" altLang="zh-CN" dirty="0" smtClean="0"/>
-              <a:t>reactor </a:t>
-            </a:r>
-            <a:r>
-              <a:rPr lang="zh-CN" altLang="en-US" dirty="0" smtClean="0"/>
-              <a:t>类应用（如：聊天）方面比较广泛</a:t>
-            </a:r>
-            <a:endParaRPr lang="en-US" altLang="zh-CN" dirty="0" smtClean="0"/>
-          </a:p>
-          <a:p>
-            <a:r>
-              <a:rPr lang="en-US" altLang="zh-CN" dirty="0" smtClean="0"/>
-              <a:t>4</a:t>
-            </a:r>
-            <a:r>
-              <a:rPr lang="zh-CN" altLang="en-US" dirty="0" smtClean="0"/>
-              <a:t>、</a:t>
-            </a:r>
-            <a:r>
-              <a:rPr lang="en-US" altLang="zh-CN" dirty="0" err="1" smtClean="0"/>
-              <a:t>gethostbyname</a:t>
-            </a:r>
-            <a:r>
-              <a:rPr lang="en-US" altLang="zh-CN" dirty="0" smtClean="0"/>
-              <a:t> </a:t>
-            </a:r>
-            <a:r>
-              <a:rPr lang="zh-CN" altLang="en-US" dirty="0" smtClean="0"/>
-              <a:t>在域名解析方面应用广泛</a:t>
-            </a:r>
-            <a:endParaRPr lang="en-US" altLang="zh-CN" dirty="0" smtClean="0"/>
-          </a:p>
-          <a:p>
-            <a:r>
-              <a:rPr lang="en-US" altLang="zh-CN" dirty="0" smtClean="0"/>
-              <a:t>5</a:t>
-            </a:r>
-            <a:r>
-              <a:rPr lang="zh-CN" altLang="en-US" dirty="0" smtClean="0"/>
-              <a:t>、</a:t>
-            </a:r>
-            <a:r>
-              <a:rPr lang="en-US" altLang="zh-CN" dirty="0" smtClean="0"/>
-              <a:t>listen </a:t>
-            </a:r>
-            <a:r>
-              <a:rPr lang="zh-CN" altLang="en-US" dirty="0" smtClean="0"/>
-              <a:t>需要将监听描述字设为非阻塞模式</a:t>
-            </a:r>
-            <a:endParaRPr lang="en-US" altLang="zh-CN" dirty="0" smtClean="0"/>
-          </a:p>
-          <a:p>
-            <a:r>
-              <a:rPr lang="en-US" altLang="zh-CN" dirty="0" smtClean="0"/>
-              <a:t>6</a:t>
-            </a:r>
-            <a:r>
-              <a:rPr lang="zh-CN" altLang="en-US" dirty="0" smtClean="0"/>
-              <a:t>、</a:t>
-            </a:r>
-            <a:r>
-              <a:rPr lang="en-US" altLang="zh-CN" dirty="0" smtClean="0"/>
-              <a:t>connect </a:t>
-            </a:r>
-            <a:r>
-              <a:rPr lang="zh-CN" altLang="en-US" dirty="0" smtClean="0"/>
-              <a:t>需要将连接描述字设为非阻塞模式</a:t>
-            </a:r>
-            <a:endParaRPr lang="en-US" altLang="zh-CN" dirty="0" smtClean="0"/>
-          </a:p>
-          <a:p>
-            <a:r>
-              <a:rPr lang="en-US" altLang="zh-CN" dirty="0" smtClean="0"/>
-              <a:t>7</a:t>
-            </a:r>
-            <a:r>
-              <a:rPr lang="zh-CN" altLang="en-US" dirty="0" smtClean="0"/>
-              <a:t>、</a:t>
-            </a:r>
-            <a:r>
-              <a:rPr lang="en-US" altLang="zh-CN" dirty="0" smtClean="0"/>
-              <a:t>bind/socket/</a:t>
-            </a:r>
-            <a:r>
-              <a:rPr lang="en-US" altLang="zh-CN" dirty="0" err="1" smtClean="0"/>
-              <a:t>socketpair</a:t>
-            </a:r>
-            <a:r>
-              <a:rPr lang="en-US" altLang="zh-CN" dirty="0" smtClean="0"/>
+              <a:rPr lang="zh-CN" altLang="en-US" sz="1600" dirty="0" smtClean="0"/>
+              <a:t>、将第三方网络阻塞过程协程化，在协程库底层转化为非阻塞过程</a:t>
+            </a:r>
+            <a:endParaRPr lang="zh-CN" altLang="en-US" sz="1600" dirty="0"/>
+          </a:p>
+        </p:txBody>
+      </p:sp>
+      <p:sp>
+        <p:nvSpPr>
+          <p:cNvPr id="5" name="文本框 4"/>
+          <p:cNvSpPr txBox="1"/>
+          <p:nvPr/>
+        </p:nvSpPr>
+        <p:spPr>
+          <a:xfrm>
+            <a:off x="683568" y="5373216"/>
+            <a:ext cx="6408712" cy="338554"/>
+          </a:xfrm>
+          <a:prstGeom prst="rect">
+            <a:avLst/>
+          </a:prstGeom>
+          <a:noFill/>
+        </p:spPr>
+        <p:txBody>
+          <a:bodyPr wrap="square" rtlCol="0">
+            <a:spAutoFit/>
+          </a:bodyPr>
+          <a:lstStyle/>
+          <a:p>
+            <a:r>
+              <a:rPr lang="zh-CN" altLang="en-US" sz="1600" b="1" dirty="0" smtClean="0">
+                <a:latin typeface="微软雅黑" panose="020B0503020204020204" pitchFamily="34" charset="-122"/>
+                <a:ea typeface="微软雅黑" panose="020B0503020204020204" pitchFamily="34" charset="-122"/>
+              </a:rPr>
+              <a:t>将</a:t>
+            </a:r>
+            <a:r>
+              <a:rPr lang="en-US" altLang="zh-CN" sz="1600" b="1" dirty="0" err="1" smtClean="0">
+                <a:latin typeface="微软雅黑" panose="020B0503020204020204" pitchFamily="34" charset="-122"/>
+                <a:ea typeface="微软雅黑" panose="020B0503020204020204" pitchFamily="34" charset="-122"/>
+              </a:rPr>
+              <a:t>mysql</a:t>
+            </a:r>
+            <a:r>
+              <a:rPr lang="zh-CN" altLang="en-US" sz="1600" b="1" dirty="0" smtClean="0">
+                <a:latin typeface="微软雅黑" panose="020B0503020204020204" pitchFamily="34" charset="-122"/>
+                <a:ea typeface="微软雅黑" panose="020B0503020204020204" pitchFamily="34" charset="-122"/>
+              </a:rPr>
+              <a:t>库协程化的例子参见</a:t>
+            </a:r>
+            <a:r>
+              <a:rPr lang="zh-CN" altLang="en-US" sz="1600" dirty="0" smtClean="0">
+                <a:latin typeface="微软雅黑" panose="020B0503020204020204" pitchFamily="34" charset="-122"/>
+                <a:ea typeface="微软雅黑" panose="020B0503020204020204" pitchFamily="34" charset="-122"/>
+              </a:rPr>
+              <a:t>：</a:t>
+            </a:r>
+            <a:r>
+              <a:rPr lang="en-US" altLang="zh-CN" sz="1600" dirty="0" err="1" smtClean="0">
+                <a:latin typeface="微软雅黑" panose="020B0503020204020204" pitchFamily="34" charset="-122"/>
+                <a:ea typeface="微软雅黑" panose="020B0503020204020204" pitchFamily="34" charset="-122"/>
+              </a:rPr>
+              <a:t>acl</a:t>
+            </a:r>
+            <a:r>
+              <a:rPr lang="en-US" altLang="zh-CN" sz="1600" dirty="0" smtClean="0">
+                <a:latin typeface="微软雅黑" panose="020B0503020204020204" pitchFamily="34" charset="-122"/>
+                <a:ea typeface="微软雅黑" panose="020B0503020204020204" pitchFamily="34" charset="-122"/>
+              </a:rPr>
               <a:t>/</a:t>
             </a:r>
             <a:r>
-              <a:rPr lang="zh-CN" altLang="en-US" dirty="0" smtClean="0"/>
-              <a:t>。。。为便于将出错号与协程绑定</a:t>
-            </a:r>
-            <a:endParaRPr lang="zh-CN" altLang="en-US" dirty="0"/>
+              <a:rPr lang="en-US" altLang="zh-CN" sz="1600" dirty="0" err="1" smtClean="0"/>
+              <a:t>lib_fiber</a:t>
+            </a:r>
+            <a:r>
+              <a:rPr lang="en-US" altLang="zh-CN" sz="1600" dirty="0" smtClean="0"/>
+              <a:t>/samples/</a:t>
+            </a:r>
+            <a:r>
+              <a:rPr lang="en-US" altLang="zh-CN" sz="1600" dirty="0" err="1" smtClean="0"/>
+              <a:t>mysql</a:t>
+            </a:r>
+            <a:endParaRPr lang="zh-CN" altLang="en-US" sz="1600" dirty="0"/>
           </a:p>
         </p:txBody>
       </p:sp>
     </p:spTree>
     <p:extLst>
       <p:ext uri="{BB962C8B-B14F-4D97-AF65-F5344CB8AC3E}">
-        <p14:creationId xmlns:p14="http://schemas.microsoft.com/office/powerpoint/2010/main" val="2488820698"/>
+        <p14:creationId xmlns:p14="http://schemas.microsoft.com/office/powerpoint/2010/main" val="636470633"/>
       </p:ext>
     </p:extLst>
   </p:cSld>
@@ -21400,15 +23316,19 @@
           <a:p>
             <a:r>
               <a:rPr lang="zh-CN" altLang="en-US" dirty="0" smtClean="0"/>
-              <a:t>基于协程的 </a:t>
-            </a:r>
-            <a:r>
-              <a:rPr lang="en-US" altLang="zh-CN" dirty="0" err="1" smtClean="0"/>
-              <a:t>errno</a:t>
+              <a:t>为何要 </a:t>
             </a:r>
             <a:r>
               <a:rPr lang="en-US" altLang="zh-CN" dirty="0" smtClean="0"/>
-              <a:t> --- </a:t>
+              <a:t>HOOK </a:t>
+            </a:r>
+            <a:r>
+              <a:rPr lang="zh-CN" altLang="en-US" dirty="0" smtClean="0"/>
+              <a:t>很多系统</a:t>
+            </a:r>
+            <a:r>
+              <a:rPr lang="en-US" altLang="zh-CN" dirty="0" smtClean="0"/>
+              <a:t>API --- </a:t>
             </a:r>
             <a:r>
               <a:rPr lang="zh-CN" altLang="en-US" sz="2000" dirty="0" smtClean="0"/>
@@ -21434,8 +23354,42 @@
           <a:lstStyle/>
           <a:p>
             <a:r>
+              <a:rPr lang="en-US" altLang="zh-CN" dirty="0" smtClean="0"/>
+              <a:t>1</a:t>
+            </a:r>
+            <a:r>
               <a:rPr lang="zh-CN" altLang="en-US" dirty="0" smtClean="0"/>
-              <a:t>因为每个线程中存在大量协程，当某个协程的</a:t>
+              <a:t>、</a:t>
+            </a:r>
+            <a:r>
+              <a:rPr lang="en-US" altLang="zh-CN" dirty="0" smtClean="0"/>
+              <a:t>poll/select </a:t>
+            </a:r>
+            <a:r>
+              <a:rPr lang="zh-CN" altLang="en-US" dirty="0" smtClean="0"/>
+              <a:t>为网络编程中常用系统 </a:t>
+            </a:r>
+            <a:r>
+              <a:rPr lang="en-US" altLang="zh-CN" dirty="0" smtClean="0"/>
+              <a:t>API</a:t>
+            </a:r>
+          </a:p>
+          <a:p>
+            <a:r>
+              <a:rPr lang="en-US" altLang="zh-CN" dirty="0" smtClean="0"/>
+              <a:t>2</a:t>
+            </a:r>
+            <a:r>
+              <a:rPr lang="zh-CN" altLang="en-US" dirty="0" smtClean="0"/>
+              <a:t>、很多第三方网络库用 </a:t>
+            </a:r>
+            <a:r>
+              <a:rPr lang="en-US" altLang="zh-CN" dirty="0" smtClean="0"/>
+              <a:t>poll/select </a:t>
+            </a:r>
+            <a:r>
+              <a:rPr lang="zh-CN" altLang="en-US" dirty="0" smtClean="0"/>
+              <a:t>模拟</a:t>
             </a:r>
             <a:r>
               <a:rPr lang="en-US" altLang="zh-CN" dirty="0" smtClean="0"/>
@@ -21443,11 +23397,22 @@
             </a:r>
             <a:r>
               <a:rPr lang="zh-CN" altLang="en-US" dirty="0" smtClean="0"/>
-              <a:t>过程出错时，如果实现不同协程之间的 </a:t>
+              <a:t>超时</a:t>
+            </a:r>
+            <a:endParaRPr lang="en-US" altLang="zh-CN" dirty="0" smtClean="0"/>
+          </a:p>
+          <a:p>
+            <a:r>
+              <a:rPr lang="en-US" altLang="zh-CN" dirty="0" smtClean="0"/>
+              <a:t>3</a:t>
+            </a:r>
+            <a:r>
+              <a:rPr lang="zh-CN" altLang="en-US" dirty="0" smtClean="0"/>
+              <a:t>、</a:t>
             </a:r>
             <a:r>
               <a:rPr lang="en-US" altLang="zh-CN" dirty="0" err="1" smtClean="0"/>
-              <a:t>errno</a:t>
+              <a:t>epoll</a:t>
             </a:r>
             <a:r>
               <a:rPr lang="en-US" altLang="zh-CN" dirty="0" smtClean="0"/>
@@ -21455,37 +23420,30 @@
             </a:r>
             <a:r>
               <a:rPr lang="zh-CN" altLang="en-US" dirty="0" smtClean="0"/>
-              <a:t>是相互隔离的？</a:t>
+              <a:t>在 </a:t>
+            </a:r>
+            <a:r>
+              <a:rPr lang="en-US" altLang="zh-CN" dirty="0" smtClean="0"/>
+              <a:t>reactor </a:t>
+            </a:r>
+            <a:r>
+              <a:rPr lang="zh-CN" altLang="en-US" dirty="0" smtClean="0"/>
+              <a:t>类应用（如：聊天）方面比较广泛</a:t>
             </a:r>
             <a:endParaRPr lang="en-US" altLang="zh-CN" dirty="0" smtClean="0"/>
           </a:p>
           <a:p>
-            <a:endParaRPr lang="en-US" altLang="zh-CN" dirty="0"/>
-          </a:p>
-          <a:p>
             <a:r>
               <a:rPr lang="en-US" altLang="zh-CN" dirty="0" smtClean="0"/>
-              <a:t>--- </a:t>
+              <a:t>4</a:t>
             </a:r>
             <a:r>
               <a:rPr lang="zh-CN" altLang="en-US" dirty="0" smtClean="0"/>
-              <a:t>在 </a:t>
-            </a:r>
-            <a:r>
-              <a:rPr lang="en-US" altLang="zh-CN" dirty="0" smtClean="0"/>
-              <a:t>Linux </a:t>
-            </a:r>
-            <a:r>
-              <a:rPr lang="zh-CN" altLang="en-US" dirty="0" smtClean="0"/>
-              <a:t>平台下直接 </a:t>
-            </a:r>
-            <a:r>
-              <a:rPr lang="en-US" altLang="zh-CN" dirty="0"/>
-              <a:t>HOOK __</a:t>
+              <a:t>、</a:t>
             </a:r>
             <a:r>
               <a:rPr lang="en-US" altLang="zh-CN" dirty="0" err="1" smtClean="0"/>
-              <a:t>errno_location</a:t>
+              <a:t>gethostbyname</a:t>
             </a:r>
             <a:r>
               <a:rPr lang="en-US" altLang="zh-CN" dirty="0" smtClean="0"/>
@@ -21493,158 +23451,81 @@
             </a:r>
             <a:r>
               <a:rPr lang="zh-CN" altLang="en-US" dirty="0" smtClean="0"/>
-              <a:t>系统函数</a:t>
+              <a:t>在域名解析方面应用广泛</a:t>
             </a:r>
             <a:endParaRPr lang="en-US" altLang="zh-CN" dirty="0" smtClean="0"/>
           </a:p>
           <a:p>
-            <a:endParaRPr lang="en-US" altLang="zh-CN" dirty="0"/>
-          </a:p>
-          <a:p>
+            <a:r>
+              <a:rPr lang="en-US" altLang="zh-CN" dirty="0" smtClean="0"/>
+              <a:t>5</a:t>
+            </a:r>
             <a:r>
               <a:rPr lang="zh-CN" altLang="en-US" dirty="0" smtClean="0"/>
-              <a:t>参见：</a:t>
-            </a:r>
-            <a:r>
-              <a:rPr lang="en-US" altLang="zh-CN" dirty="0"/>
+              <a:t>、</a:t>
+            </a:r>
+            <a:r>
+              <a:rPr lang="en-US" altLang="zh-CN" dirty="0" smtClean="0"/>
+              <a:t>listen </a:t>
+            </a:r>
+            <a:r>
+              <a:rPr lang="zh-CN" altLang="en-US" dirty="0" smtClean="0"/>
+              <a:t>需要将监听描述字设为非阻塞模式</a:t>
+            </a:r>
+            <a:endParaRPr lang="en-US" altLang="zh-CN" dirty="0" smtClean="0"/>
+          </a:p>
+          <a:p>
+            <a:r>
+              <a:rPr lang="en-US" altLang="zh-CN" dirty="0" smtClean="0"/>
+              <a:t>6</a:t>
+            </a:r>
+            <a:r>
+              <a:rPr lang="zh-CN" altLang="en-US" dirty="0" smtClean="0"/>
+              <a:t>、</a:t>
+            </a:r>
+            <a:r>
+              <a:rPr lang="en-US" altLang="zh-CN" dirty="0" smtClean="0"/>
+              <a:t>connect </a:t>
+            </a:r>
+            <a:r>
+              <a:rPr lang="zh-CN" altLang="en-US" dirty="0" smtClean="0"/>
+              <a:t>需要将连接描述字设为非阻塞模式</a:t>
+            </a:r>
+            <a:endParaRPr lang="en-US" altLang="zh-CN" dirty="0" smtClean="0"/>
+          </a:p>
+          <a:p>
+            <a:r>
+              <a:rPr lang="en-US" altLang="zh-CN" dirty="0" smtClean="0"/>
+              <a:t>7</a:t>
+            </a:r>
+            <a:r>
+              <a:rPr lang="zh-CN" altLang="en-US" dirty="0" smtClean="0"/>
+              <a:t>、</a:t>
+            </a:r>
+            <a:r>
+              <a:rPr lang="en-US" altLang="zh-CN" dirty="0" smtClean="0"/>
+              <a:t>bind/socket/</a:t>
+            </a:r>
+            <a:r>
+              <a:rPr lang="en-US" altLang="zh-CN" dirty="0" err="1" smtClean="0"/>
+              <a:t>socketpair</a:t>
+            </a:r>
+            <a:r>
+              <a:rPr lang="en-US" altLang="zh-CN" dirty="0" smtClean="0"/>
               <a:t>/</a:t>
             </a:r>
             <a:r>
-              <a:rPr lang="en-US" altLang="zh-CN" dirty="0" err="1" smtClean="0"/>
-              <a:t>usr</a:t>
-            </a:r>
-            <a:r>
-              <a:rPr lang="en-US" altLang="zh-CN" dirty="0" smtClean="0"/>
-              <a:t>/include/bits/</a:t>
-            </a:r>
-            <a:r>
-              <a:rPr lang="en-US" altLang="zh-CN" dirty="0" err="1" smtClean="0"/>
-              <a:t>errno.h</a:t>
-            </a:r>
-            <a:endParaRPr lang="en-US" altLang="zh-CN" dirty="0" smtClean="0"/>
-          </a:p>
-          <a:p>
-            <a:endParaRPr lang="en-US" altLang="zh-CN" dirty="0"/>
-          </a:p>
-          <a:p>
-            <a:r>
-              <a:rPr lang="en-US" altLang="zh-CN" sz="1600" b="1" dirty="0"/>
-              <a:t>extern </a:t>
-            </a:r>
-            <a:r>
-              <a:rPr lang="en-US" altLang="zh-CN" sz="1600" b="1" dirty="0" err="1"/>
-              <a:t>int</a:t>
-            </a:r>
-            <a:r>
-              <a:rPr lang="en-US" altLang="zh-CN" sz="1600" b="1" dirty="0"/>
-              <a:t> *__</a:t>
-            </a:r>
-            <a:r>
-              <a:rPr lang="en-US" altLang="zh-CN" sz="1600" b="1" dirty="0" err="1"/>
-              <a:t>errno_location</a:t>
-            </a:r>
-            <a:r>
-              <a:rPr lang="en-US" altLang="zh-CN" sz="1600" b="1" dirty="0"/>
-              <a:t> (void) __THROW __attribute__ ((__</a:t>
-            </a:r>
-            <a:r>
-              <a:rPr lang="en-US" altLang="zh-CN" sz="1600" b="1" dirty="0" err="1"/>
-              <a:t>const</a:t>
-            </a:r>
-            <a:r>
-              <a:rPr lang="en-US" altLang="zh-CN" sz="1600" b="1" dirty="0" smtClean="0"/>
-              <a:t>__));</a:t>
-            </a:r>
-          </a:p>
-          <a:p>
-            <a:r>
-              <a:rPr lang="en-US" altLang="zh-CN" sz="1600" b="1" dirty="0" smtClean="0"/>
-              <a:t>#define </a:t>
-            </a:r>
-            <a:r>
-              <a:rPr lang="en-US" altLang="zh-CN" sz="1600" b="1" dirty="0" err="1"/>
-              <a:t>errno</a:t>
-            </a:r>
-            <a:r>
-              <a:rPr lang="en-US" altLang="zh-CN" sz="1600" b="1" dirty="0"/>
-              <a:t> (*__</a:t>
-            </a:r>
-            <a:r>
-              <a:rPr lang="en-US" altLang="zh-CN" sz="1600" b="1" dirty="0" err="1" smtClean="0"/>
-              <a:t>errno_location</a:t>
-            </a:r>
-            <a:r>
-              <a:rPr lang="en-US" altLang="zh-CN" sz="1600" b="1" dirty="0" smtClean="0"/>
-              <a:t> ())</a:t>
-            </a:r>
-          </a:p>
-          <a:p>
-            <a:endParaRPr lang="en-US" altLang="zh-CN" sz="1600" dirty="0"/>
-          </a:p>
-          <a:p>
-            <a:r>
-              <a:rPr lang="zh-CN" altLang="en-US" sz="1600" dirty="0" smtClean="0"/>
-              <a:t>针对进程内全局变量：</a:t>
-            </a:r>
-            <a:r>
-              <a:rPr lang="en-US" altLang="zh-CN" sz="1600" dirty="0" err="1" smtClean="0"/>
-              <a:t>errno</a:t>
-            </a:r>
-            <a:r>
-              <a:rPr lang="zh-CN" altLang="en-US" sz="1600" dirty="0" smtClean="0"/>
-              <a:t>，操作系统将该变量定义为一个函数指针地址，函数内部会通过线程局部变量方式给每一个线程分配一个 </a:t>
-            </a:r>
-            <a:r>
-              <a:rPr lang="en-US" altLang="zh-CN" sz="1600" dirty="0" smtClean="0"/>
-              <a:t>error </a:t>
-            </a:r>
-            <a:r>
-              <a:rPr lang="zh-CN" altLang="en-US" sz="1600" dirty="0" smtClean="0"/>
-              <a:t>对象</a:t>
-            </a:r>
-            <a:endParaRPr lang="en-US" altLang="zh-CN" sz="1600" dirty="0" smtClean="0"/>
-          </a:p>
-          <a:p>
-            <a:r>
-              <a:rPr lang="zh-CN" altLang="en-US" sz="1600" dirty="0" smtClean="0"/>
-              <a:t>因此，通过 </a:t>
-            </a:r>
-            <a:r>
-              <a:rPr lang="en-US" altLang="zh-CN" sz="1600" dirty="0" smtClean="0"/>
-              <a:t>hook __</a:t>
-            </a:r>
-            <a:r>
-              <a:rPr lang="en-US" altLang="zh-CN" sz="1600" dirty="0" err="1" smtClean="0"/>
-              <a:t>errno_location</a:t>
-            </a:r>
-            <a:r>
-              <a:rPr lang="en-US" altLang="zh-CN" sz="1600" dirty="0" smtClean="0"/>
-              <a:t> </a:t>
-            </a:r>
-            <a:r>
-              <a:rPr lang="zh-CN" altLang="en-US" sz="1600" dirty="0" smtClean="0"/>
-              <a:t>函数，在协程库里给每个协程一个协程局部变量，实现了 </a:t>
-            </a:r>
-            <a:r>
-              <a:rPr lang="en-US" altLang="zh-CN" sz="1600" dirty="0" err="1" smtClean="0"/>
-              <a:t>errno</a:t>
-            </a:r>
-            <a:r>
-              <a:rPr lang="en-US" altLang="zh-CN" sz="1600" dirty="0" smtClean="0"/>
-              <a:t> </a:t>
-            </a:r>
-            <a:r>
-              <a:rPr lang="zh-CN" altLang="en-US" sz="1600" dirty="0" smtClean="0"/>
-              <a:t>全局变量的协程安全性</a:t>
-            </a:r>
-            <a:endParaRPr lang="zh-CN" altLang="en-US" sz="1600" dirty="0"/>
+              <a:rPr lang="zh-CN" altLang="en-US" dirty="0" smtClean="0"/>
+              <a:t>。。。为便于将出错号与协程绑定</a:t>
+            </a:r>
+            <a:endParaRPr lang="zh-CN" altLang="en-US" dirty="0"/>
           </a:p>
         </p:txBody>
       </p:sp>
     </p:spTree>
     <p:extLst>
       <p:ext uri="{BB962C8B-B14F-4D97-AF65-F5344CB8AC3E}">
-        <p14:creationId xmlns:p14="http://schemas.microsoft.com/office/powerpoint/2010/main" val="465318761"/>
+        <p14:creationId xmlns:p14="http://schemas.microsoft.com/office/powerpoint/2010/main" val="2488820698"/>
       </p:ext>
     </p:extLst>
   </p:cSld>
@@ -21695,11 +23576,15 @@
           <a:p>
             <a:r>
               <a:rPr lang="zh-CN" altLang="en-US" dirty="0" smtClean="0"/>
-              <a:t>内存检测 </a:t>
+              <a:t>基于协程的 </a:t>
+            </a:r>
+            <a:r>
+              <a:rPr lang="en-US" altLang="zh-CN" dirty="0" err="1" smtClean="0"/>
+              <a:t>errno</a:t>
             </a:r>
             <a:r>
               <a:rPr lang="en-US" altLang="zh-CN" dirty="0" smtClean="0"/>
-              <a:t>--- </a:t>
+              <a:t> --- </a:t>
             </a:r>
             <a:r>
               <a:rPr lang="zh-CN" altLang="en-US" sz="2000" dirty="0" smtClean="0"/>
@@ -21726,11 +23611,19 @@
           <a:p>
             <a:r>
               <a:rPr lang="zh-CN" altLang="en-US" dirty="0" smtClean="0"/>
-              <a:t>配合 </a:t>
+              <a:t>因为每个线程中存在大量协程，当某个协程的</a:t>
+            </a:r>
+            <a:r>
+              <a:rPr lang="en-US" altLang="zh-CN" dirty="0" smtClean="0"/>
+              <a:t>IO</a:t>
+            </a:r>
+            <a:r>
+              <a:rPr lang="zh-CN" altLang="en-US" dirty="0" smtClean="0"/>
+              <a:t>过程出错时，如果实现不同协程之间的 </a:t>
             </a:r>
             <a:r>
               <a:rPr lang="en-US" altLang="zh-CN" dirty="0" err="1" smtClean="0"/>
-              <a:t>valgrind</a:t>
+              <a:t>errno</a:t>
             </a:r>
             <a:r>
               <a:rPr lang="en-US" altLang="zh-CN" dirty="0" smtClean="0"/>
@@ -21738,18 +23631,167 @@
             </a:r>
             <a:r>
               <a:rPr lang="zh-CN" altLang="en-US" dirty="0" smtClean="0"/>
-              <a:t>做内存检测：</a:t>
+              <a:t>是相互隔离的？</a:t>
             </a:r>
             <a:endParaRPr lang="en-US" altLang="zh-CN" dirty="0" smtClean="0"/>
           </a:p>
           <a:p>
+            <a:endParaRPr lang="en-US" altLang="zh-CN" dirty="0"/>
+          </a:p>
+          <a:p>
+            <a:r>
+              <a:rPr lang="en-US" altLang="zh-CN" dirty="0" smtClean="0"/>
+              <a:t>--- </a:t>
+            </a:r>
+            <a:r>
+              <a:rPr lang="zh-CN" altLang="en-US" dirty="0" smtClean="0"/>
+              <a:t>在 </a:t>
+            </a:r>
+            <a:r>
+              <a:rPr lang="en-US" altLang="zh-CN" dirty="0" smtClean="0"/>
+              <a:t>Linux </a:t>
+            </a:r>
+            <a:r>
+              <a:rPr lang="zh-CN" altLang="en-US" dirty="0" smtClean="0"/>
+              <a:t>平台下直接 </a:t>
+            </a:r>
+            <a:r>
+              <a:rPr lang="en-US" altLang="zh-CN" dirty="0"/>
+              <a:t>HOOK __</a:t>
+            </a:r>
+            <a:r>
+              <a:rPr lang="en-US" altLang="zh-CN" dirty="0" err="1" smtClean="0"/>
+              <a:t>errno_location</a:t>
+            </a:r>
+            <a:r>
+              <a:rPr lang="en-US" altLang="zh-CN" dirty="0" smtClean="0"/>
+              <a:t> </a:t>
+            </a:r>
+            <a:r>
+              <a:rPr lang="zh-CN" altLang="en-US" dirty="0" smtClean="0"/>
+              <a:t>系统函数</a:t>
+            </a:r>
+            <a:endParaRPr lang="en-US" altLang="zh-CN" dirty="0" smtClean="0"/>
+          </a:p>
+          <a:p>
+            <a:endParaRPr lang="en-US" altLang="zh-CN" dirty="0"/>
+          </a:p>
+          <a:p>
+            <a:r>
+              <a:rPr lang="zh-CN" altLang="en-US" dirty="0" smtClean="0"/>
+              <a:t>参见：</a:t>
+            </a:r>
+            <a:r>
+              <a:rPr lang="en-US" altLang="zh-CN" dirty="0"/>
+              <a:t>/</a:t>
+            </a:r>
+            <a:r>
+              <a:rPr lang="en-US" altLang="zh-CN" dirty="0" err="1" smtClean="0"/>
+              <a:t>usr</a:t>
+            </a:r>
+            <a:r>
+              <a:rPr lang="en-US" altLang="zh-CN" dirty="0" smtClean="0"/>
+              <a:t>/include/bits/</a:t>
+            </a:r>
+            <a:r>
+              <a:rPr lang="en-US" altLang="zh-CN" dirty="0" err="1" smtClean="0"/>
+              <a:t>errno.h</a:t>
+            </a:r>
+            <a:endParaRPr lang="en-US" altLang="zh-CN" dirty="0" smtClean="0"/>
+          </a:p>
+          <a:p>
+            <a:endParaRPr lang="en-US" altLang="zh-CN" dirty="0"/>
+          </a:p>
+          <a:p>
+            <a:r>
+              <a:rPr lang="en-US" altLang="zh-CN" sz="1600" b="1" dirty="0"/>
+              <a:t>extern </a:t>
+            </a:r>
+            <a:r>
+              <a:rPr lang="en-US" altLang="zh-CN" sz="1600" b="1" dirty="0" err="1"/>
+              <a:t>int</a:t>
+            </a:r>
+            <a:r>
+              <a:rPr lang="en-US" altLang="zh-CN" sz="1600" b="1" dirty="0"/>
+              <a:t> *__</a:t>
+            </a:r>
+            <a:r>
+              <a:rPr lang="en-US" altLang="zh-CN" sz="1600" b="1" dirty="0" err="1"/>
+              <a:t>errno_location</a:t>
+            </a:r>
+            <a:r>
+              <a:rPr lang="en-US" altLang="zh-CN" sz="1600" b="1" dirty="0"/>
+              <a:t> (void) __THROW __attribute__ ((__</a:t>
+            </a:r>
+            <a:r>
+              <a:rPr lang="en-US" altLang="zh-CN" sz="1600" b="1" dirty="0" err="1"/>
+              <a:t>const</a:t>
+            </a:r>
+            <a:r>
+              <a:rPr lang="en-US" altLang="zh-CN" sz="1600" b="1" dirty="0" smtClean="0"/>
+              <a:t>__));</a:t>
+            </a:r>
+          </a:p>
+          <a:p>
+            <a:r>
+              <a:rPr lang="en-US" altLang="zh-CN" sz="1600" b="1" dirty="0" smtClean="0"/>
+              <a:t>#define </a:t>
+            </a:r>
+            <a:r>
+              <a:rPr lang="en-US" altLang="zh-CN" sz="1600" b="1" dirty="0" err="1"/>
+              <a:t>errno</a:t>
+            </a:r>
+            <a:r>
+              <a:rPr lang="en-US" altLang="zh-CN" sz="1600" b="1" dirty="0"/>
+              <a:t> (*__</a:t>
+            </a:r>
+            <a:r>
+              <a:rPr lang="en-US" altLang="zh-CN" sz="1600" b="1" dirty="0" err="1" smtClean="0"/>
+              <a:t>errno_location</a:t>
+            </a:r>
+            <a:r>
+              <a:rPr lang="en-US" altLang="zh-CN" sz="1600" b="1" dirty="0" smtClean="0"/>
+              <a:t> ())</a:t>
+            </a:r>
+          </a:p>
+          <a:p>
+            <a:endParaRPr lang="en-US" altLang="zh-CN" sz="1600" dirty="0"/>
+          </a:p>
+          <a:p>
+            <a:r>
+              <a:rPr lang="zh-CN" altLang="en-US" sz="1600" dirty="0" smtClean="0"/>
+              <a:t>针对进程内全局变量：</a:t>
+            </a:r>
+            <a:r>
+              <a:rPr lang="en-US" altLang="zh-CN" sz="1600" dirty="0" err="1" smtClean="0"/>
+              <a:t>errno</a:t>
+            </a:r>
+            <a:r>
+              <a:rPr lang="zh-CN" altLang="en-US" sz="1600" dirty="0" smtClean="0"/>
+              <a:t>，操作系统将该变量定义为一个函数指针地址，函数内部会通过线程局部变量方式给每一个线程分配一个 </a:t>
+            </a:r>
             <a:r>
               <a:rPr lang="en-US" altLang="zh-CN" sz="1600" dirty="0" smtClean="0"/>
-              <a:t>- </a:t>
+              <a:t>error </a:t>
+            </a:r>
+            <a:r>
+              <a:rPr lang="zh-CN" altLang="en-US" sz="1600" dirty="0" smtClean="0"/>
+              <a:t>对象</a:t>
+            </a:r>
+            <a:endParaRPr lang="en-US" altLang="zh-CN" sz="1600" dirty="0" smtClean="0"/>
+          </a:p>
+          <a:p>
+            <a:r>
+              <a:rPr lang="zh-CN" altLang="en-US" sz="1600" dirty="0" smtClean="0"/>
+              <a:t>因此，通过 </a:t>
+            </a:r>
+            <a:r>
+              <a:rPr lang="en-US" altLang="zh-CN" sz="1600" dirty="0" smtClean="0"/>
+              <a:t>hook __</a:t>
             </a:r>
             <a:r>
               <a:rPr lang="en-US" altLang="zh-CN" sz="1600" dirty="0" err="1" smtClean="0"/>
-              <a:t>valgrind</a:t>
+              <a:t>errno_location</a:t>
             </a:r>
             <a:r>
               <a:rPr lang="en-US" altLang="zh-CN" sz="1600" dirty="0" smtClean="0"/>
@@ -21757,11 +23799,11 @@
             </a:r>
             <a:r>
               <a:rPr lang="zh-CN" altLang="en-US" sz="1600" dirty="0" smtClean="0"/>
-              <a:t>与 </a:t>
+              <a:t>函数，在协程库里给每个协程一个协程局部变量，实现了 </a:t>
             </a:r>
             <a:r>
               <a:rPr lang="en-US" altLang="zh-CN" sz="1600" dirty="0" err="1" smtClean="0"/>
-              <a:t>xxxcontext</a:t>
+              <a:t>errno</a:t>
             </a:r>
             <a:r>
               <a:rPr lang="en-US" altLang="zh-CN" sz="1600" dirty="0" smtClean="0"/>
@@ -21769,96 +23811,7 @@
             </a:r>
             <a:r>
               <a:rPr lang="zh-CN" altLang="en-US" sz="1600" dirty="0" smtClean="0"/>
-              <a:t>的不兼容性</a:t>
-            </a:r>
-            <a:endParaRPr lang="en-US" altLang="zh-CN" sz="1600" dirty="0" smtClean="0"/>
-          </a:p>
-          <a:p>
-            <a:r>
-              <a:rPr lang="en-US" altLang="zh-CN" sz="1600" dirty="0" smtClean="0"/>
-              <a:t>- </a:t>
-            </a:r>
-            <a:r>
-              <a:rPr lang="zh-CN" altLang="en-US" sz="1600" dirty="0" smtClean="0"/>
-              <a:t>需下载 </a:t>
-            </a:r>
-            <a:r>
-              <a:rPr lang="en-US" altLang="zh-CN" sz="1600" dirty="0" err="1" smtClean="0"/>
-              <a:t>valgrind</a:t>
-            </a:r>
-            <a:r>
-              <a:rPr lang="en-US" altLang="zh-CN" sz="1600" dirty="0" smtClean="0"/>
-              <a:t> </a:t>
-            </a:r>
-            <a:r>
-              <a:rPr lang="zh-CN" altLang="en-US" sz="1600" dirty="0" smtClean="0"/>
-              <a:t>开发包，调用 </a:t>
-            </a:r>
-            <a:r>
-              <a:rPr lang="en-US" altLang="zh-CN" sz="1600" dirty="0" smtClean="0"/>
-              <a:t>VALGRIND_STACK_REGISTER</a:t>
-            </a:r>
-            <a:r>
-              <a:rPr lang="zh-CN" altLang="en-US" sz="1600" dirty="0" smtClean="0"/>
-              <a:t>通知</a:t>
-            </a:r>
-            <a:endParaRPr lang="en-US" altLang="zh-CN" sz="1600" dirty="0" smtClean="0"/>
-          </a:p>
-          <a:p>
-            <a:r>
-              <a:rPr lang="en-US" altLang="zh-CN" sz="1600" dirty="0"/>
-              <a:t> </a:t>
-            </a:r>
-            <a:r>
-              <a:rPr lang="en-US" altLang="zh-CN" sz="1600" dirty="0" smtClean="0"/>
-              <a:t> </a:t>
-            </a:r>
-            <a:r>
-              <a:rPr lang="en-US" altLang="zh-CN" sz="1600" dirty="0" err="1" smtClean="0"/>
-              <a:t>valgrind</a:t>
-            </a:r>
-            <a:r>
-              <a:rPr lang="en-US" altLang="zh-CN" sz="1600" dirty="0" smtClean="0"/>
-              <a:t> </a:t>
-            </a:r>
-            <a:r>
-              <a:rPr lang="zh-CN" altLang="en-US" sz="1600" dirty="0" smtClean="0"/>
-              <a:t>跳过检测该内存区域</a:t>
-            </a:r>
-            <a:endParaRPr lang="en-US" altLang="zh-CN" sz="1600" dirty="0" smtClean="0"/>
-          </a:p>
-          <a:p>
-            <a:r>
-              <a:rPr lang="en-US" altLang="zh-CN" sz="1600" dirty="0" smtClean="0"/>
-              <a:t>- </a:t>
-            </a:r>
-            <a:r>
-              <a:rPr lang="zh-CN" altLang="en-US" sz="1600" dirty="0" smtClean="0"/>
-              <a:t>检测时在 </a:t>
-            </a:r>
-            <a:r>
-              <a:rPr lang="en-US" altLang="zh-CN" sz="1600" dirty="0" err="1" smtClean="0"/>
-              <a:t>Makefile</a:t>
-            </a:r>
-            <a:r>
-              <a:rPr lang="en-US" altLang="zh-CN" sz="1600" dirty="0" smtClean="0"/>
-              <a:t> </a:t>
-            </a:r>
-            <a:r>
-              <a:rPr lang="zh-CN" altLang="en-US" sz="1600" dirty="0" smtClean="0"/>
-              <a:t>里打开 </a:t>
-            </a:r>
-            <a:r>
-              <a:rPr lang="en-US" altLang="zh-CN" sz="1600" dirty="0" smtClean="0"/>
-              <a:t>–DUSE_VALGRIND </a:t>
-            </a:r>
-            <a:r>
-              <a:rPr lang="zh-CN" altLang="en-US" sz="1600" dirty="0" smtClean="0"/>
-              <a:t>编译选项，重新编译 </a:t>
-            </a:r>
-            <a:r>
-              <a:rPr lang="en-US" altLang="zh-CN" sz="1600" dirty="0" err="1" smtClean="0"/>
-              <a:t>lib_fiber.a</a:t>
+              <a:t>全局变量的协程安全性</a:t>
             </a:r>
             <a:endParaRPr lang="zh-CN" altLang="en-US" sz="1600" dirty="0"/>
           </a:p>
@@ -21867,7 +23820,7 @@
     </p:spTree>
     <p:extLst>
       <p:ext uri="{BB962C8B-B14F-4D97-AF65-F5344CB8AC3E}">
-        <p14:creationId xmlns:p14="http://schemas.microsoft.com/office/powerpoint/2010/main" val="1567305147"/>
+        <p14:creationId xmlns:p14="http://schemas.microsoft.com/office/powerpoint/2010/main" val="465318761"/>
       </p:ext>
     </p:extLst>
   </p:cSld>
@@ -21918,15 +23871,23 @@
           <a:p>
             <a:r>
               <a:rPr lang="zh-CN" altLang="en-US" dirty="0" smtClean="0"/>
-              <a:t>应用场景</a:t>
-            </a:r>
-            <a:endParaRPr lang="zh-CN" altLang="en-US" dirty="0"/>
+              <a:t>内存检测 </a:t>
+            </a:r>
+            <a:r>
+              <a:rPr lang="en-US" altLang="zh-CN" dirty="0" smtClean="0"/>
+              <a:t>--- </a:t>
+            </a:r>
+            <a:r>
+              <a:rPr lang="zh-CN" altLang="en-US" sz="2000" dirty="0" smtClean="0"/>
+              <a:t>设计要点</a:t>
+            </a:r>
+            <a:endParaRPr lang="zh-CN" altLang="en-US" sz="2000" dirty="0"/>
           </a:p>
         </p:txBody>
       </p:sp>
       <p:sp>
         <p:nvSpPr>
-          <p:cNvPr id="5" name="内容占位符 4"/>
+          <p:cNvPr id="3" name="内容占位符 2"/>
           <p:cNvSpPr>
             <a:spLocks noGrp="1"/>
           </p:cNvSpPr>
@@ -21936,95 +23897,35 @@
         </p:nvSpPr>
         <p:spPr/>
         <p:txBody>
-          <a:bodyPr>
-            <a:normAutofit/>
-          </a:bodyPr>
+          <a:bodyPr/>
           <a:lstStyle/>
           <a:p>
             <a:r>
-              <a:rPr lang="zh-CN" altLang="en-US" sz="1600" dirty="0" smtClean="0"/>
-              <a:t>一、问答式应用服务</a:t>
-            </a:r>
-            <a:endParaRPr lang="en-US" altLang="zh-CN" sz="1600" dirty="0" smtClean="0"/>
-          </a:p>
-          <a:p>
-            <a:r>
-              <a:rPr lang="zh-CN" altLang="en-US" sz="1400" dirty="0" smtClean="0"/>
-              <a:t>基于 </a:t>
-            </a:r>
-            <a:r>
-              <a:rPr lang="en-US" altLang="zh-CN" sz="1400" dirty="0" smtClean="0"/>
-              <a:t>HTTP </a:t>
-            </a:r>
-            <a:r>
-              <a:rPr lang="zh-CN" altLang="en-US" sz="1400" dirty="0" smtClean="0"/>
-              <a:t>协议的服务应用，诸如：网站</a:t>
-            </a:r>
-            <a:endParaRPr lang="en-US" altLang="zh-CN" sz="1400" dirty="0" smtClean="0"/>
-          </a:p>
-          <a:p>
-            <a:r>
-              <a:rPr lang="zh-CN" altLang="en-US" sz="1400" dirty="0" smtClean="0"/>
-              <a:t>基于 </a:t>
-            </a:r>
-            <a:r>
-              <a:rPr lang="en-US" altLang="zh-CN" sz="1400" dirty="0" smtClean="0"/>
-              <a:t>SMTP/POP3/IMAP </a:t>
-            </a:r>
-            <a:r>
-              <a:rPr lang="zh-CN" altLang="en-US" sz="1400" dirty="0" smtClean="0"/>
-              <a:t>协议的服务应用</a:t>
-            </a:r>
-            <a:endParaRPr lang="en-US" altLang="zh-CN" sz="1400" dirty="0" smtClean="0"/>
-          </a:p>
-          <a:p>
-            <a:endParaRPr lang="en-US" altLang="zh-CN" sz="1400" dirty="0" smtClean="0"/>
-          </a:p>
-          <a:p>
-            <a:r>
-              <a:rPr lang="zh-CN" altLang="en-US" sz="1600" dirty="0" smtClean="0"/>
-              <a:t>二、生产者 </a:t>
-            </a:r>
+              <a:rPr lang="zh-CN" altLang="en-US" dirty="0" smtClean="0"/>
+              <a:t>配合 </a:t>
+            </a:r>
+            <a:r>
+              <a:rPr lang="en-US" altLang="zh-CN" dirty="0" err="1" smtClean="0"/>
+              <a:t>valgrind</a:t>
+            </a:r>
+            <a:r>
+              <a:rPr lang="en-US" altLang="zh-CN" dirty="0" smtClean="0"/>
+              <a:t> </a:t>
+            </a:r>
+            <a:r>
+              <a:rPr lang="zh-CN" altLang="en-US" dirty="0" smtClean="0"/>
+              <a:t>做内存检测：</a:t>
+            </a:r>
+            <a:endParaRPr lang="en-US" altLang="zh-CN" dirty="0" smtClean="0"/>
+          </a:p>
+          <a:p>
             <a:r>
               <a:rPr lang="en-US" altLang="zh-CN" sz="1600" dirty="0" smtClean="0"/>
-              <a:t>– </a:t>
-            </a:r>
-            <a:r>
-              <a:rPr lang="zh-CN" altLang="en-US" sz="1600" dirty="0" smtClean="0"/>
-              <a:t>消费者类应用服务</a:t>
-            </a:r>
-            <a:endParaRPr lang="en-US" altLang="zh-CN" sz="1600" dirty="0" smtClean="0"/>
-          </a:p>
-          <a:p>
-            <a:r>
-              <a:rPr lang="zh-CN" altLang="en-US" sz="1400" dirty="0" smtClean="0"/>
-              <a:t>如消息队列类应用</a:t>
-            </a:r>
-            <a:endParaRPr lang="en-US" altLang="zh-CN" sz="1400" dirty="0" smtClean="0"/>
-          </a:p>
-          <a:p>
-            <a:endParaRPr lang="en-US" altLang="zh-CN" sz="1400" dirty="0" smtClean="0"/>
-          </a:p>
-          <a:p>
-            <a:r>
-              <a:rPr lang="zh-CN" altLang="en-US" sz="1600" dirty="0"/>
-              <a:t>三</a:t>
-            </a:r>
-            <a:r>
-              <a:rPr lang="zh-CN" altLang="en-US" sz="1600" dirty="0" smtClean="0"/>
-              <a:t>、</a:t>
-            </a:r>
-            <a:r>
-              <a:rPr lang="en-US" altLang="zh-CN" sz="1600" dirty="0" smtClean="0"/>
-              <a:t>reactor </a:t>
-            </a:r>
-            <a:r>
-              <a:rPr lang="zh-CN" altLang="en-US" sz="1600" dirty="0" smtClean="0"/>
-              <a:t>和 </a:t>
+              <a:t>- </a:t>
             </a:r>
             <a:r>
               <a:rPr lang="en-US" altLang="zh-CN" sz="1600" dirty="0" err="1" smtClean="0"/>
-              <a:t>proactor</a:t>
+              <a:t>valgrind</a:t>
             </a:r>
             <a:r>
               <a:rPr lang="en-US" altLang="zh-CN" sz="1600" dirty="0" smtClean="0"/>
@@ -22032,96 +23933,117 @@
             </a:r>
             <a:r>
               <a:rPr lang="zh-CN" altLang="en-US" sz="1600" dirty="0" smtClean="0"/>
-              <a:t>两种模式的结合</a:t>
+              <a:t>与 </a:t>
+            </a:r>
+            <a:r>
+              <a:rPr lang="en-US" altLang="zh-CN" sz="1600" dirty="0" err="1" smtClean="0"/>
+              <a:t>xxxcontext</a:t>
+            </a:r>
+            <a:r>
+              <a:rPr lang="en-US" altLang="zh-CN" sz="1600" dirty="0" smtClean="0"/>
+              <a:t> </a:t>
+            </a:r>
+            <a:r>
+              <a:rPr lang="zh-CN" altLang="en-US" sz="1600" dirty="0" smtClean="0"/>
+              <a:t>的不兼容性</a:t>
             </a:r>
             <a:endParaRPr lang="en-US" altLang="zh-CN" sz="1600" dirty="0" smtClean="0"/>
           </a:p>
           <a:p>
             <a:r>
-              <a:rPr lang="zh-CN" altLang="en-US" sz="1400" dirty="0" smtClean="0"/>
-              <a:t>统一的事件引擎监控所有的网络连接，有一个连接就绪时创建协程独立处理</a:t>
-            </a:r>
-            <a:endParaRPr lang="en-US" altLang="zh-CN" sz="1400" dirty="0" smtClean="0"/>
-          </a:p>
-          <a:p>
-            <a:r>
-              <a:rPr lang="zh-CN" altLang="en-US" sz="1400" dirty="0" smtClean="0"/>
-              <a:t>此类应用如聊天服务、游戏服务等无状态的应用服务</a:t>
-            </a:r>
-            <a:endParaRPr lang="en-US" altLang="zh-CN" sz="1400" dirty="0" smtClean="0"/>
-          </a:p>
-          <a:p>
-            <a:endParaRPr lang="en-US" altLang="zh-CN" sz="1400" dirty="0" smtClean="0"/>
-          </a:p>
-          <a:p>
-            <a:r>
-              <a:rPr lang="zh-CN" altLang="en-US" sz="1600" dirty="0"/>
-              <a:t>四</a:t>
+              <a:rPr lang="en-US" altLang="zh-CN" sz="1600" dirty="0" smtClean="0"/>
+              <a:t>- </a:t>
             </a:r>
             <a:r>
               <a:rPr lang="zh-CN" altLang="en-US" sz="1600" dirty="0" smtClean="0"/>
-              <a:t>、大并发类应用服务</a:t>
+              <a:t>需下载 </a:t>
+            </a:r>
+            <a:r>
+              <a:rPr lang="en-US" altLang="zh-CN" sz="1600" dirty="0" err="1" smtClean="0"/>
+              <a:t>valgrind</a:t>
+            </a:r>
+            <a:r>
+              <a:rPr lang="en-US" altLang="zh-CN" sz="1600" dirty="0" smtClean="0"/>
+              <a:t> </a:t>
+            </a:r>
+            <a:r>
+              <a:rPr lang="zh-CN" altLang="en-US" sz="1600" dirty="0" smtClean="0"/>
+              <a:t>开发包，调用 </a:t>
+            </a:r>
+            <a:r>
+              <a:rPr lang="en-US" altLang="zh-CN" sz="1600" dirty="0" smtClean="0"/>
+              <a:t>VALGRIND_STACK_REGISTER</a:t>
+            </a:r>
+            <a:r>
+              <a:rPr lang="zh-CN" altLang="en-US" sz="1600" dirty="0" smtClean="0"/>
+              <a:t>通知</a:t>
             </a:r>
             <a:endParaRPr lang="en-US" altLang="zh-CN" sz="1600" dirty="0" smtClean="0"/>
           </a:p>
           <a:p>
             <a:r>
-              <a:rPr lang="zh-CN" altLang="en-US" sz="1400" dirty="0" smtClean="0"/>
-              <a:t>因为通过协程方式，将上层应用的堵塞式在底层转为非阻塞模式，所以非常容易以较低资源支持大并发类应用</a:t>
-            </a:r>
-            <a:endParaRPr lang="en-US" altLang="zh-CN" sz="1400" dirty="0" smtClean="0"/>
-          </a:p>
-          <a:p>
-            <a:r>
-              <a:rPr lang="zh-CN" altLang="en-US" sz="1400" dirty="0" smtClean="0"/>
-              <a:t>如内网的多数应用服务为提高效率都支持连接池模式，需要服务端支持非常大的并发</a:t>
-            </a:r>
-            <a:endParaRPr lang="en-US" altLang="zh-CN" sz="1400" dirty="0" smtClean="0"/>
-          </a:p>
-          <a:p>
-            <a:endParaRPr lang="en-US" altLang="zh-CN" sz="1400" dirty="0" smtClean="0"/>
-          </a:p>
-          <a:p>
-            <a:r>
-              <a:rPr lang="zh-CN" altLang="en-US" sz="1600" dirty="0"/>
-              <a:t>五</a:t>
+              <a:rPr lang="en-US" altLang="zh-CN" sz="1600" dirty="0"/>
+              <a:t> </a:t>
+            </a:r>
+            <a:r>
+              <a:rPr lang="en-US" altLang="zh-CN" sz="1600" dirty="0" smtClean="0"/>
+              <a:t> </a:t>
+            </a:r>
+            <a:r>
+              <a:rPr lang="en-US" altLang="zh-CN" sz="1600" dirty="0" err="1" smtClean="0"/>
+              <a:t>valgrind</a:t>
+            </a:r>
+            <a:r>
+              <a:rPr lang="en-US" altLang="zh-CN" sz="1600" dirty="0" smtClean="0"/>
+              <a:t> </a:t>
             </a:r>
             <a:r>
               <a:rPr lang="zh-CN" altLang="en-US" sz="1600" dirty="0" smtClean="0"/>
-              <a:t>、网络限流</a:t>
+              <a:t>跳过检测该内存区域</a:t>
             </a:r>
             <a:endParaRPr lang="en-US" altLang="zh-CN" sz="1600" dirty="0" smtClean="0"/>
           </a:p>
           <a:p>
             <a:r>
-              <a:rPr lang="zh-CN" altLang="en-US" sz="1400" dirty="0" smtClean="0"/>
-              <a:t>在协程中可以直接 </a:t>
-            </a:r>
-            <a:r>
-              <a:rPr lang="en-US" altLang="zh-CN" sz="1400" dirty="0" smtClean="0"/>
-              <a:t>sleep</a:t>
-            </a:r>
-            <a:r>
-              <a:rPr lang="zh-CN" altLang="en-US" sz="1400" dirty="0" smtClean="0"/>
-              <a:t>，非常容易控制网络流量</a:t>
-            </a:r>
-            <a:endParaRPr lang="en-US" altLang="zh-CN" sz="1400" dirty="0" smtClean="0"/>
-          </a:p>
-          <a:p>
-            <a:endParaRPr lang="en-US" altLang="zh-CN" sz="1600" dirty="0" smtClean="0"/>
-          </a:p>
-          <a:p>
-            <a:endParaRPr lang="en-US" altLang="zh-CN" dirty="0" smtClean="0"/>
-          </a:p>
-          <a:p>
-            <a:endParaRPr lang="zh-CN" altLang="en-US" dirty="0"/>
+              <a:rPr lang="en-US" altLang="zh-CN" sz="1600" dirty="0" smtClean="0"/>
+              <a:t>- </a:t>
+            </a:r>
+            <a:r>
+              <a:rPr lang="zh-CN" altLang="en-US" sz="1600" dirty="0" smtClean="0"/>
+              <a:t>检测时在 </a:t>
+            </a:r>
+            <a:r>
+              <a:rPr lang="en-US" altLang="zh-CN" sz="1600" dirty="0" err="1" smtClean="0"/>
+              <a:t>Makefile</a:t>
+            </a:r>
+            <a:r>
+              <a:rPr lang="en-US" altLang="zh-CN" sz="1600" dirty="0" smtClean="0"/>
+              <a:t> </a:t>
+            </a:r>
+            <a:r>
+              <a:rPr lang="zh-CN" altLang="en-US" sz="1600" dirty="0" smtClean="0"/>
+              <a:t>里打开 </a:t>
+            </a:r>
+            <a:r>
+              <a:rPr lang="en-US" altLang="zh-CN" sz="1600" dirty="0" smtClean="0"/>
+              <a:t>–DUSE_VALGRIND </a:t>
+            </a:r>
+            <a:r>
+              <a:rPr lang="zh-CN" altLang="en-US" sz="1600" dirty="0" smtClean="0"/>
+              <a:t>编译选项，重新编译 </a:t>
+            </a:r>
+            <a:r>
+              <a:rPr lang="en-US" altLang="zh-CN" sz="1600" dirty="0" err="1" smtClean="0"/>
+              <a:t>lib_fiber.a</a:t>
+            </a:r>
+            <a:endParaRPr lang="zh-CN" altLang="en-US" sz="1600" dirty="0"/>
           </a:p>
         </p:txBody>
       </p:sp>
     </p:spTree>
     <p:extLst>
       <p:ext uri="{BB962C8B-B14F-4D97-AF65-F5344CB8AC3E}">
-        <p14:creationId xmlns:p14="http://schemas.microsoft.com/office/powerpoint/2010/main" val="1080140722"/>
+        <p14:creationId xmlns:p14="http://schemas.microsoft.com/office/powerpoint/2010/main" val="1567305147"/>
       </p:ext>
     </p:extLst>
   </p:cSld>
@@ -22172,7 +24094,7 @@
           <a:p>
             <a:r>
               <a:rPr lang="zh-CN" altLang="en-US" dirty="0" smtClean="0"/>
-              <a:t>注意事项</a:t>
+              <a:t>应用场景</a:t>
             </a:r>
             <a:endParaRPr lang="zh-CN" altLang="en-US" dirty="0"/>
           </a:p>
@@ -22180,7 +24102,7 @@
       </p:sp>
       <p:sp>
         <p:nvSpPr>
-          <p:cNvPr id="3" name="内容占位符 2"/>
+          <p:cNvPr id="5" name="内容占位符 4"/>
           <p:cNvSpPr>
             <a:spLocks noGrp="1"/>
           </p:cNvSpPr>
@@ -22190,91 +24112,192 @@
         </p:nvSpPr>
         <p:spPr/>
         <p:txBody>
-          <a:bodyPr/>
+          <a:bodyPr>
+            <a:normAutofit/>
+          </a:bodyPr>
           <a:lstStyle/>
           <a:p>
             <a:r>
-              <a:rPr lang="zh-CN" altLang="en-US" dirty="0" smtClean="0"/>
-              <a:t>一、协程运行堆栈空间的合理分配</a:t>
-            </a:r>
+              <a:rPr lang="zh-CN" altLang="en-US" sz="1600" dirty="0" smtClean="0"/>
+              <a:t>一、问答式应用服务</a:t>
+            </a:r>
+            <a:endParaRPr lang="en-US" altLang="zh-CN" sz="1600" dirty="0" smtClean="0"/>
+          </a:p>
+          <a:p>
+            <a:r>
+              <a:rPr lang="zh-CN" altLang="en-US" sz="1400" dirty="0" smtClean="0"/>
+              <a:t>基于 </a:t>
+            </a:r>
+            <a:r>
+              <a:rPr lang="en-US" altLang="zh-CN" sz="1400" dirty="0" smtClean="0"/>
+              <a:t>HTTP </a:t>
+            </a:r>
+            <a:r>
+              <a:rPr lang="zh-CN" altLang="en-US" sz="1400" dirty="0" smtClean="0"/>
+              <a:t>协议的服务应用，诸如：网站</a:t>
+            </a:r>
+            <a:endParaRPr lang="en-US" altLang="zh-CN" sz="1400" dirty="0" smtClean="0"/>
+          </a:p>
+          <a:p>
+            <a:r>
+              <a:rPr lang="zh-CN" altLang="en-US" sz="1400" dirty="0" smtClean="0"/>
+              <a:t>基于 </a:t>
+            </a:r>
+            <a:r>
+              <a:rPr lang="en-US" altLang="zh-CN" sz="1400" dirty="0" smtClean="0"/>
+              <a:t>SMTP/POP3/IMAP </a:t>
+            </a:r>
+            <a:r>
+              <a:rPr lang="zh-CN" altLang="en-US" sz="1400" dirty="0" smtClean="0"/>
+              <a:t>协议的服务应用</a:t>
+            </a:r>
+            <a:endParaRPr lang="en-US" altLang="zh-CN" sz="1400" dirty="0" smtClean="0"/>
+          </a:p>
+          <a:p>
+            <a:endParaRPr lang="en-US" altLang="zh-CN" sz="1400" dirty="0" smtClean="0"/>
+          </a:p>
+          <a:p>
+            <a:r>
+              <a:rPr lang="zh-CN" altLang="en-US" sz="1600" dirty="0" smtClean="0"/>
+              <a:t>二、生产者 </a:t>
+            </a:r>
+            <a:r>
+              <a:rPr lang="en-US" altLang="zh-CN" sz="1600" dirty="0" smtClean="0"/>
+              <a:t>– </a:t>
+            </a:r>
+            <a:r>
+              <a:rPr lang="zh-CN" altLang="en-US" sz="1600" dirty="0" smtClean="0"/>
+              <a:t>消费者类应用服务</a:t>
+            </a:r>
+            <a:endParaRPr lang="en-US" altLang="zh-CN" sz="1600" dirty="0" smtClean="0"/>
+          </a:p>
+          <a:p>
+            <a:r>
+              <a:rPr lang="zh-CN" altLang="en-US" sz="1400" dirty="0" smtClean="0"/>
+              <a:t>如消息队列类应用</a:t>
+            </a:r>
+            <a:endParaRPr lang="en-US" altLang="zh-CN" sz="1400" dirty="0" smtClean="0"/>
+          </a:p>
+          <a:p>
+            <a:endParaRPr lang="en-US" altLang="zh-CN" sz="1400" dirty="0" smtClean="0"/>
+          </a:p>
+          <a:p>
+            <a:r>
+              <a:rPr lang="zh-CN" altLang="en-US" sz="1600" dirty="0"/>
+              <a:t>三</a:t>
+            </a:r>
+            <a:r>
+              <a:rPr lang="zh-CN" altLang="en-US" sz="1600" dirty="0" smtClean="0"/>
+              <a:t>、</a:t>
+            </a:r>
+            <a:r>
+              <a:rPr lang="en-US" altLang="zh-CN" sz="1600" dirty="0" smtClean="0"/>
+              <a:t>reactor </a:t>
+            </a:r>
+            <a:r>
+              <a:rPr lang="zh-CN" altLang="en-US" sz="1600" dirty="0" smtClean="0"/>
+              <a:t>和 </a:t>
+            </a:r>
+            <a:r>
+              <a:rPr lang="en-US" altLang="zh-CN" sz="1600" dirty="0" err="1" smtClean="0"/>
+              <a:t>proactor</a:t>
+            </a:r>
+            <a:r>
+              <a:rPr lang="en-US" altLang="zh-CN" sz="1600" dirty="0" smtClean="0"/>
+              <a:t> </a:t>
+            </a:r>
+            <a:r>
+              <a:rPr lang="zh-CN" altLang="en-US" sz="1600" dirty="0" smtClean="0"/>
+              <a:t>两种模式的结合</a:t>
+            </a:r>
+            <a:endParaRPr lang="en-US" altLang="zh-CN" sz="1600" dirty="0" smtClean="0"/>
+          </a:p>
+          <a:p>
+            <a:r>
+              <a:rPr lang="zh-CN" altLang="en-US" sz="1400" dirty="0" smtClean="0"/>
+              <a:t>统一的事件引擎监控所有的网络连接，有一个连接就绪时创建协程独立处理</a:t>
+            </a:r>
+            <a:endParaRPr lang="en-US" altLang="zh-CN" sz="1400" dirty="0" smtClean="0"/>
+          </a:p>
+          <a:p>
+            <a:r>
+              <a:rPr lang="zh-CN" altLang="en-US" sz="1400" dirty="0" smtClean="0"/>
+              <a:t>此类应用如聊天服务、游戏服务等无状态的应用服务</a:t>
+            </a:r>
+            <a:endParaRPr lang="en-US" altLang="zh-CN" sz="1400" dirty="0" smtClean="0"/>
+          </a:p>
+          <a:p>
+            <a:endParaRPr lang="en-US" altLang="zh-CN" sz="1400" dirty="0" smtClean="0"/>
+          </a:p>
+          <a:p>
+            <a:r>
+              <a:rPr lang="zh-CN" altLang="en-US" sz="1600" dirty="0"/>
+              <a:t>四</a:t>
+            </a:r>
+            <a:r>
+              <a:rPr lang="zh-CN" altLang="en-US" sz="1600" dirty="0" smtClean="0"/>
+              <a:t>、大并发类应用服务</a:t>
+            </a:r>
+            <a:endParaRPr lang="en-US" altLang="zh-CN" sz="1600" dirty="0" smtClean="0"/>
+          </a:p>
+          <a:p>
+            <a:r>
+              <a:rPr lang="zh-CN" altLang="en-US" sz="1400" dirty="0" smtClean="0"/>
+              <a:t>因为通过协程方式，将上层应用的堵塞式在底层转为非阻塞模式，所以非常容易以较低资源支持大并发类应用</a:t>
+            </a:r>
+            <a:endParaRPr lang="en-US" altLang="zh-CN" sz="1400" dirty="0" smtClean="0"/>
+          </a:p>
+          <a:p>
+            <a:r>
+              <a:rPr lang="zh-CN" altLang="en-US" sz="1400" dirty="0" smtClean="0"/>
+              <a:t>如内网的多数应用服务为提高效率都支持连接池模式，需要服务端支持非常大的并发</a:t>
+            </a:r>
+            <a:endParaRPr lang="en-US" altLang="zh-CN" sz="1400" dirty="0" smtClean="0"/>
+          </a:p>
+          <a:p>
+            <a:endParaRPr lang="en-US" altLang="zh-CN" sz="1400" dirty="0" smtClean="0"/>
+          </a:p>
+          <a:p>
+            <a:r>
+              <a:rPr lang="zh-CN" altLang="en-US" sz="1600" dirty="0"/>
+              <a:t>五</a:t>
+            </a:r>
+            <a:r>
+              <a:rPr lang="zh-CN" altLang="en-US" sz="1600" dirty="0" smtClean="0"/>
+              <a:t>、网络限流</a:t>
+            </a:r>
+            <a:endParaRPr lang="en-US" altLang="zh-CN" sz="1600" dirty="0" smtClean="0"/>
+          </a:p>
+          <a:p>
+            <a:r>
+              <a:rPr lang="zh-CN" altLang="en-US" sz="1400" dirty="0" smtClean="0"/>
+              <a:t>在协程中可以直接 </a:t>
+            </a:r>
+            <a:r>
+              <a:rPr lang="en-US" altLang="zh-CN" sz="1400" dirty="0" smtClean="0"/>
+              <a:t>sleep</a:t>
+            </a:r>
+            <a:r>
+              <a:rPr lang="zh-CN" altLang="en-US" sz="1400" dirty="0" smtClean="0"/>
+              <a:t>，非常容易控制网络流量</a:t>
+            </a:r>
+            <a:endParaRPr lang="en-US" altLang="zh-CN" sz="1400" dirty="0" smtClean="0"/>
+          </a:p>
+          <a:p>
+            <a:endParaRPr lang="en-US" altLang="zh-CN" sz="1600" dirty="0" smtClean="0"/>
+          </a:p>
+          <a:p>
             <a:endParaRPr lang="en-US" altLang="zh-CN" dirty="0" smtClean="0"/>
           </a:p>
           <a:p>
-            <a:r>
-              <a:rPr lang="zh-CN" altLang="en-US" sz="1600" dirty="0" smtClean="0"/>
-              <a:t>每个协程都需要分配一定的内存空间用于上下文的切换，如果分配大了则会造成内存浪费，分配小了可能造成意外不可恢复的崩溃</a:t>
-            </a:r>
-            <a:endParaRPr lang="en-US" altLang="zh-CN" sz="1600" dirty="0" smtClean="0"/>
-          </a:p>
-          <a:p>
-            <a:r>
-              <a:rPr lang="zh-CN" altLang="en-US" sz="1600" dirty="0" smtClean="0"/>
-              <a:t>一般情况下，每个协程分配</a:t>
-            </a:r>
-            <a:r>
-              <a:rPr lang="en-US" altLang="zh-CN" sz="1600" dirty="0" smtClean="0"/>
-              <a:t>32KB ~ 320KB</a:t>
-            </a:r>
-          </a:p>
-          <a:p>
-            <a:endParaRPr lang="en-US" altLang="zh-CN" sz="1600" dirty="0" smtClean="0"/>
-          </a:p>
-          <a:p>
-            <a:r>
-              <a:rPr lang="zh-CN" altLang="en-US" dirty="0" smtClean="0"/>
-              <a:t>二、协程间需要协作，防止有的忙死，有的饿死</a:t>
-            </a:r>
-            <a:endParaRPr lang="en-US" altLang="zh-CN" dirty="0" smtClean="0"/>
-          </a:p>
-          <a:p>
-            <a:r>
-              <a:rPr lang="zh-CN" altLang="en-US" sz="1600" dirty="0" smtClean="0"/>
-              <a:t>当协程长期占用 </a:t>
-            </a:r>
-            <a:r>
-              <a:rPr lang="en-US" altLang="zh-CN" sz="1600" dirty="0" smtClean="0"/>
-              <a:t>CPU </a:t>
-            </a:r>
-            <a:r>
-              <a:rPr lang="zh-CN" altLang="en-US" sz="1600" dirty="0" smtClean="0"/>
-              <a:t>时，应该主动 </a:t>
-            </a:r>
-            <a:r>
-              <a:rPr lang="en-US" altLang="zh-CN" sz="1600" dirty="0" smtClean="0"/>
-              <a:t>yield </a:t>
-            </a:r>
-            <a:r>
-              <a:rPr lang="zh-CN" altLang="en-US" sz="1600" dirty="0" smtClean="0"/>
-              <a:t>让出 </a:t>
-            </a:r>
-            <a:r>
-              <a:rPr lang="en-US" altLang="zh-CN" sz="1600" dirty="0" smtClean="0"/>
-              <a:t>CPU</a:t>
-            </a:r>
-          </a:p>
-          <a:p>
-            <a:endParaRPr lang="en-US" altLang="zh-CN" dirty="0"/>
-          </a:p>
-          <a:p>
-            <a:r>
-              <a:rPr lang="zh-CN" altLang="en-US" dirty="0" smtClean="0"/>
-              <a:t>三、协程内防止有堵塞式操作，以防堵塞当前线程中的所有协程</a:t>
-            </a:r>
-            <a:endParaRPr lang="en-US" altLang="zh-CN" dirty="0" smtClean="0"/>
-          </a:p>
-          <a:p>
-            <a:r>
-              <a:rPr lang="zh-CN" altLang="en-US" sz="1600" dirty="0" smtClean="0"/>
-              <a:t>应通过对业务逻辑模块进行分类，确定不同的协程工作方式，使堵塞操作放在线程池中运行</a:t>
-            </a:r>
-            <a:endParaRPr lang="zh-CN" altLang="en-US" sz="1600" dirty="0"/>
+            <a:endParaRPr lang="zh-CN" altLang="en-US" dirty="0"/>
           </a:p>
         </p:txBody>
       </p:sp>
     </p:spTree>
     <p:extLst>
       <p:ext uri="{BB962C8B-B14F-4D97-AF65-F5344CB8AC3E}">
-        <p14:creationId xmlns:p14="http://schemas.microsoft.com/office/powerpoint/2010/main" val="3977930256"/>
+        <p14:creationId xmlns:p14="http://schemas.microsoft.com/office/powerpoint/2010/main" val="1080140722"/>
       </p:ext>
     </p:extLst>
   </p:cSld>
@@ -22325,7 +24348,7 @@
           <a:p>
             <a:r>
               <a:rPr lang="zh-CN" altLang="en-US" dirty="0" smtClean="0"/>
-              <a:t>参考与下载</a:t>
+              <a:t>注意事项</a:t>
             </a:r>
             <a:endParaRPr lang="zh-CN" altLang="en-US" dirty="0"/>
           </a:p>
@@ -22348,55 +24371,99 @@
           <a:p>
             <a:r>
               <a:rPr lang="zh-CN" altLang="en-US" dirty="0" smtClean="0"/>
-              <a:t>国内下载：</a:t>
-            </a:r>
-            <a:r>
-              <a:rPr lang="en-US" altLang="zh-CN" dirty="0"/>
-              <a:t>http://</a:t>
-            </a:r>
-            <a:r>
-              <a:rPr lang="en-US" altLang="zh-CN" dirty="0" smtClean="0"/>
-              <a:t>git.oschina.net/zsxxsz/acl/lib_fiber/</a:t>
-            </a:r>
+              <a:t>一、协程运行堆栈空间的合理分配</a:t>
+            </a:r>
+            <a:endParaRPr lang="en-US" altLang="zh-CN" dirty="0" smtClean="0"/>
+          </a:p>
+          <a:p>
+            <a:r>
+              <a:rPr lang="zh-CN" altLang="en-US" sz="1600" dirty="0" smtClean="0"/>
+              <a:t>每个协程都需要分配一定的内存空间用于上下文的切换，如果分配大了则会造成内存浪费，分配小了可能造成意外不可恢复的崩溃</a:t>
+            </a:r>
+            <a:endParaRPr lang="en-US" altLang="zh-CN" sz="1600" dirty="0" smtClean="0"/>
+          </a:p>
+          <a:p>
+            <a:r>
+              <a:rPr lang="zh-CN" altLang="en-US" sz="1600" dirty="0" smtClean="0"/>
+              <a:t>一般情况下，每个协程分配</a:t>
+            </a:r>
+            <a:r>
+              <a:rPr lang="en-US" altLang="zh-CN" sz="1600" dirty="0" smtClean="0"/>
+              <a:t>32KB ~ 320KB</a:t>
+            </a:r>
+          </a:p>
+          <a:p>
+            <a:endParaRPr lang="en-US" altLang="zh-CN" sz="1600" dirty="0" smtClean="0"/>
           </a:p>
           <a:p>
             <a:r>
               <a:rPr lang="zh-CN" altLang="en-US" dirty="0" smtClean="0"/>
-              <a:t>国外下载：</a:t>
-            </a:r>
-            <a:r>
-              <a:rPr lang="en-US" altLang="zh-CN" dirty="0"/>
-              <a:t>https://</a:t>
-            </a:r>
-            <a:r>
-              <a:rPr lang="en-US" altLang="zh-CN" dirty="0" smtClean="0"/>
-              <a:t>github.com/zhengshuxin/acl/lib_fiber/</a:t>
-            </a:r>
+              <a:t>二、协程间需要协作，防止有的忙死，有的饿死</a:t>
+            </a:r>
+            <a:endParaRPr lang="en-US" altLang="zh-CN" dirty="0" smtClean="0"/>
+          </a:p>
+          <a:p>
+            <a:r>
+              <a:rPr lang="zh-CN" altLang="en-US" sz="1600" dirty="0" smtClean="0"/>
+              <a:t>当协程长期占用 </a:t>
+            </a:r>
+            <a:r>
+              <a:rPr lang="en-US" altLang="zh-CN" sz="1600" dirty="0" smtClean="0"/>
+              <a:t>CPU </a:t>
+            </a:r>
+            <a:r>
+              <a:rPr lang="zh-CN" altLang="en-US" sz="1600" dirty="0" smtClean="0"/>
+              <a:t>时，应该主动 </a:t>
+            </a:r>
+            <a:r>
+              <a:rPr lang="en-US" altLang="zh-CN" sz="1600" dirty="0" smtClean="0"/>
+              <a:t>yield </a:t>
+            </a:r>
+            <a:r>
+              <a:rPr lang="zh-CN" altLang="en-US" sz="1600" dirty="0" smtClean="0"/>
+              <a:t>让出 </a:t>
+            </a:r>
+            <a:r>
+              <a:rPr lang="en-US" altLang="zh-CN" sz="1600" dirty="0" smtClean="0"/>
+              <a:t>CPU</a:t>
+            </a:r>
+          </a:p>
+          <a:p>
             <a:endParaRPr lang="en-US" altLang="zh-CN" dirty="0"/>
           </a:p>
           <a:p>
             <a:r>
               <a:rPr lang="zh-CN" altLang="en-US" dirty="0" smtClean="0"/>
-              <a:t>博客文章：</a:t>
-            </a:r>
-            <a:r>
-              <a:rPr lang="en-US" altLang="zh-CN" dirty="0"/>
-              <a:t>http://zsxxsz.iteye.com/category/360229</a:t>
-            </a:r>
-            <a:endParaRPr lang="zh-CN" altLang="en-US" dirty="0"/>
+              <a:t>三、协程内防止有堵塞式操作，以防堵塞当前线程中的所有协程</a:t>
+            </a:r>
+            <a:endParaRPr lang="en-US" altLang="zh-CN" dirty="0" smtClean="0"/>
+          </a:p>
+          <a:p>
+            <a:r>
+              <a:rPr lang="zh-CN" altLang="en-US" sz="1600" dirty="0" smtClean="0"/>
+              <a:t>应通过对业务逻辑模块进行分类，确定不同的协程工作方式，使堵塞操作放在线程池中运行</a:t>
+            </a:r>
+            <a:endParaRPr lang="zh-CN" altLang="en-US" sz="1600" dirty="0"/>
           </a:p>
         </p:txBody>
       </p:sp>
     </p:spTree>
     <p:extLst>
       <p:ext uri="{BB962C8B-B14F-4D97-AF65-F5344CB8AC3E}">
-        <p14:creationId xmlns:p14="http://schemas.microsoft.com/office/powerpoint/2010/main" val="1045580559"/>
+        <p14:creationId xmlns:p14="http://schemas.microsoft.com/office/powerpoint/2010/main" val="3977930256"/>
       </p:ext>
     </p:extLst>
   </p:cSld>
   <p:clrMapOvr>
     <a:masterClrMapping/>
   </p:clrMapOvr>
+  <p:timing>
+    <p:tnLst>
+      <p:par>
+        <p:cTn id="1" dur="indefinite" restart="never" nodeType="tmRoot"/>
+      </p:par>
+    </p:tnLst>
+  </p:timing>
 </p:sld>
 </file>
 
@@ -22417,7 +24484,91 @@
           <a:chExt cx="0" cy="0"/>
         </a:xfrm>
       </p:grpSpPr>
+      <p:sp>
+        <p:nvSpPr>
+          <p:cNvPr id="2" name="标题 1"/>
+          <p:cNvSpPr>
+            <a:spLocks noGrp="1"/>
+          </p:cNvSpPr>
+          <p:nvPr>
+            <p:ph type="title"/>
+          </p:nvPr>
+        </p:nvSpPr>
+        <p:spPr/>
+        <p:txBody>
+          <a:bodyPr/>
+          <a:lstStyle/>
+          <a:p>
+            <a:r>
+              <a:rPr lang="zh-CN" altLang="en-US" dirty="0" smtClean="0"/>
+              <a:t>参考与下载</a:t>
+            </a:r>
+            <a:endParaRPr lang="zh-CN" altLang="en-US" dirty="0"/>
+          </a:p>
+        </p:txBody>
+      </p:sp>
+      <p:sp>
+        <p:nvSpPr>
+          <p:cNvPr id="3" name="内容占位符 2"/>
+          <p:cNvSpPr>
+            <a:spLocks noGrp="1"/>
+          </p:cNvSpPr>
+          <p:nvPr>
+            <p:ph idx="1"/>
+          </p:nvPr>
+        </p:nvSpPr>
+        <p:spPr/>
+        <p:txBody>
+          <a:bodyPr/>
+          <a:lstStyle/>
+          <a:p>
+            <a:r>
+              <a:rPr lang="zh-CN" altLang="en-US" dirty="0" smtClean="0"/>
+              <a:t>国内下载：</a:t>
+            </a:r>
+            <a:r>
+              <a:rPr lang="en-US" altLang="zh-CN" dirty="0"/>
+              <a:t>http://</a:t>
+            </a:r>
+            <a:r>
+              <a:rPr lang="en-US" altLang="zh-CN" dirty="0" smtClean="0"/>
+              <a:t>git.oschina.net/zsxxsz/acl/lib_fiber/</a:t>
+            </a:r>
+          </a:p>
+          <a:p>
+            <a:r>
+              <a:rPr lang="zh-CN" altLang="en-US" dirty="0" smtClean="0"/>
+              <a:t>国外下载：</a:t>
+            </a:r>
+            <a:r>
+              <a:rPr lang="en-US" altLang="zh-CN" dirty="0"/>
+              <a:t>https://</a:t>
+            </a:r>
+            <a:r>
+              <a:rPr lang="en-US" altLang="zh-CN" dirty="0" smtClean="0"/>
+              <a:t>github.com/zhengshuxin/acl/lib_fiber/</a:t>
+            </a:r>
+            <a:endParaRPr lang="en-US" altLang="zh-CN" dirty="0"/>
+          </a:p>
+          <a:p>
+            <a:r>
+              <a:rPr lang="zh-CN" altLang="en-US" dirty="0" smtClean="0"/>
+              <a:t>博客文章：</a:t>
+            </a:r>
+            <a:r>
+              <a:rPr lang="en-US" altLang="zh-CN" dirty="0"/>
+              <a:t>http://zsxxsz.iteye.com/category/360229</a:t>
+            </a:r>
+            <a:endParaRPr lang="zh-CN" altLang="en-US" dirty="0"/>
+          </a:p>
+        </p:txBody>
+      </p:sp>
     </p:spTree>
+    <p:extLst>
+      <p:ext uri="{BB962C8B-B14F-4D97-AF65-F5344CB8AC3E}">
+        <p14:creationId xmlns:p14="http://schemas.microsoft.com/office/powerpoint/2010/main" val="1045580559"/>
+      </p:ext>
+    </p:extLst>
   </p:cSld>
   <p:clrMapOvr>
     <a:masterClrMapping/>
@@ -22712,6 +24863,38 @@
         <p14:creationId xmlns:p14="http://schemas.microsoft.com/office/powerpoint/2010/main" val="3517932782"/>
       </p:ext>
     </p:extLst>
+  </p:cSld>
+  <p:clrMapOvr>
+    <a:masterClrMapping/>
+  </p:clrMapOvr>
+  <p:timing>
+    <p:tnLst>
+      <p:par>
+        <p:cTn id="1" dur="indefinite" restart="never" nodeType="tmRoot"/>
+      </p:par>
+    </p:tnLst>
+  </p:timing>
+</p:sld>
+</file>
+
+<file path=ppt/slides/slide30.xml><?xml version="1.0" encoding="utf-8"?>
+<p:sld xmlns:a="http://schemas.openxmlformats.org/drawingml/2006/main" xmlns:r="http://schemas.openxmlformats.org/officeDocument/2006/relationships" xmlns:p="http://schemas.openxmlformats.org/presentationml/2006/main">
+  <p:cSld>
+    <p:spTree>
+      <p:nvGrpSpPr>
+        <p:cNvPr id="1" name=""/>
+        <p:cNvGrpSpPr/>
+        <p:nvPr/>
+      </p:nvGrpSpPr>
+      <p:grpSpPr>
+        <a:xfrm>
+          <a:off x="0" y="0"/>
+          <a:ext cx="0" cy="0"/>
+          <a:chOff x="0" y="0"/>
+          <a:chExt cx="0" cy="0"/>
+        </a:xfrm>
+      </p:grpSpPr>
+    </p:spTree>
   </p:cSld>
   <p:clrMapOvr>
     <a:masterClrMapping/>

--- a/doc/acl_fiber.pptx
+++ b/doc/acl_fiber.pptx
@@ -3283,7 +3283,7 @@
             <a:fld id="{22280FE6-A104-468D-880C-8FA3CB8840D3}" type="datetimeFigureOut">
               <a:rPr lang="zh-CN" altLang="en-US" smtClean="0"/>
               <a:pPr/>
-              <a:t>2020/5/24</a:t>
+              <a:t>2020/6/4</a:t>
             </a:fld>
             <a:endParaRPr lang="zh-CN" altLang="en-US"/>
           </a:p>
@@ -3955,7 +3955,7 @@
               <a:pPr>
                 <a:defRPr/>
               </a:pPr>
-              <a:t>2020/5/24</a:t>
+              <a:t>2020/6/4</a:t>
             </a:fld>
             <a:endParaRPr lang="zh-CN" altLang="en-US" sz="1200" dirty="0">
               <a:solidFill>
@@ -4037,7 +4037,7 @@
             <a:fld id="{8C5BEB32-F9B7-4A26-A503-E0A0BBE82DBD}" type="datetimeFigureOut">
               <a:rPr lang="zh-CN" altLang="en-US" smtClean="0"/>
               <a:pPr/>
-              <a:t>2020/5/24</a:t>
+              <a:t>2020/6/4</a:t>
             </a:fld>
             <a:endParaRPr lang="zh-CN" altLang="en-US"/>
           </a:p>
@@ -4127,7 +4127,7 @@
                 <a:tabLst/>
                 <a:defRPr/>
               </a:pPr>
-              <a:t>2020/5/24</a:t>
+              <a:t>2020/6/4</a:t>
             </a:fld>
             <a:endParaRPr kumimoji="0" lang="zh-CN" altLang="en-US" sz="1200" b="0" i="0" u="none" strike="noStrike" kern="1200" cap="none" spc="0" normalizeH="0" baseline="0" noProof="0" dirty="0">
               <a:ln>
@@ -4451,7 +4451,7 @@
                 <a:tabLst/>
                 <a:defRPr/>
               </a:pPr>
-              <a:t>2020/5/24</a:t>
+              <a:t>2020/6/4</a:t>
             </a:fld>
             <a:endParaRPr kumimoji="0" lang="zh-CN" altLang="en-US" sz="1200" b="0" i="0" u="none" strike="noStrike" kern="1200" cap="none" spc="0" normalizeH="0" baseline="0" noProof="0" dirty="0">
               <a:ln>
@@ -5020,7 +5020,7 @@
                 <a:tabLst/>
                 <a:defRPr/>
               </a:pPr>
-              <a:t>2020/5/24</a:t>
+              <a:t>2020/6/4</a:t>
             </a:fld>
             <a:endParaRPr kumimoji="0" lang="zh-CN" altLang="en-US" sz="1200" b="0" i="0" u="none" strike="noStrike" kern="1200" cap="none" spc="0" normalizeH="0" baseline="0" noProof="0" dirty="0">
               <a:ln>
@@ -5572,7 +5572,7 @@
                 <a:tabLst/>
                 <a:defRPr/>
               </a:pPr>
-              <a:t>2020/5/24</a:t>
+              <a:t>2020/6/4</a:t>
             </a:fld>
             <a:endParaRPr kumimoji="0" lang="zh-CN" altLang="en-US" sz="1200" b="0" i="0" u="none" strike="noStrike" kern="1200" cap="none" spc="0" normalizeH="0" baseline="0" noProof="0" dirty="0">
               <a:ln>
@@ -5838,7 +5838,7 @@
             <a:fld id="{8C5BEB32-F9B7-4A26-A503-E0A0BBE82DBD}" type="datetimeFigureOut">
               <a:rPr lang="zh-CN" altLang="en-US" smtClean="0"/>
               <a:pPr/>
-              <a:t>2020/5/24</a:t>
+              <a:t>2020/6/4</a:t>
             </a:fld>
             <a:endParaRPr lang="zh-CN" altLang="en-US"/>
           </a:p>
@@ -6078,7 +6078,7 @@
                 <a:tabLst/>
                 <a:defRPr/>
               </a:pPr>
-              <a:t>2020/5/24</a:t>
+              <a:t>2020/6/4</a:t>
             </a:fld>
             <a:endParaRPr kumimoji="0" lang="zh-CN" altLang="en-US" sz="1200" b="0" i="0" u="none" strike="noStrike" kern="1200" cap="none" spc="0" normalizeH="0" baseline="0" noProof="0" dirty="0">
               <a:ln>
@@ -6264,7 +6264,7 @@
             <a:fld id="{8C5BEB32-F9B7-4A26-A503-E0A0BBE82DBD}" type="datetimeFigureOut">
               <a:rPr lang="zh-CN" altLang="en-US" smtClean="0"/>
               <a:pPr/>
-              <a:t>2020/5/24</a:t>
+              <a:t>2020/6/4</a:t>
             </a:fld>
             <a:endParaRPr lang="zh-CN" altLang="en-US"/>
           </a:p>
@@ -6504,7 +6504,7 @@
                 <a:tabLst/>
                 <a:defRPr/>
               </a:pPr>
-              <a:t>2020/5/24</a:t>
+              <a:t>2020/6/4</a:t>
             </a:fld>
             <a:endParaRPr kumimoji="0" lang="zh-CN" altLang="en-US" sz="1200" b="0" i="0" u="none" strike="noStrike" kern="1200" cap="none" spc="0" normalizeH="0" baseline="0" noProof="0" dirty="0">
               <a:ln>
@@ -6666,7 +6666,7 @@
             <a:fld id="{8C5BEB32-F9B7-4A26-A503-E0A0BBE82DBD}" type="datetimeFigureOut">
               <a:rPr lang="zh-CN" altLang="en-US" smtClean="0"/>
               <a:pPr/>
-              <a:t>2020/5/24</a:t>
+              <a:t>2020/6/4</a:t>
             </a:fld>
             <a:endParaRPr lang="zh-CN" altLang="en-US"/>
           </a:p>
@@ -7007,7 +7007,7 @@
                 <a:tabLst/>
                 <a:defRPr/>
               </a:pPr>
-              <a:t>2020/5/24</a:t>
+              <a:t>2020/6/4</a:t>
             </a:fld>
             <a:endParaRPr kumimoji="0" lang="zh-CN" altLang="en-US" sz="1200" b="0" i="0" u="none" strike="noStrike" kern="1200" cap="none" spc="0" normalizeH="0" baseline="0" noProof="0" dirty="0">
               <a:ln>
@@ -7169,7 +7169,7 @@
             <a:fld id="{8C5BEB32-F9B7-4A26-A503-E0A0BBE82DBD}" type="datetimeFigureOut">
               <a:rPr lang="zh-CN" altLang="en-US" smtClean="0"/>
               <a:pPr/>
-              <a:t>2020/5/24</a:t>
+              <a:t>2020/6/4</a:t>
             </a:fld>
             <a:endParaRPr lang="zh-CN" altLang="en-US"/>
           </a:p>
@@ -7397,7 +7397,7 @@
                 <a:tabLst/>
                 <a:defRPr/>
               </a:pPr>
-              <a:t>2020/5/24</a:t>
+              <a:t>2020/6/4</a:t>
             </a:fld>
             <a:endParaRPr kumimoji="0" lang="zh-CN" altLang="en-US" sz="1200" b="0" i="0" u="none" strike="noStrike" kern="1200" cap="none" spc="0" normalizeH="0" baseline="0" noProof="0" dirty="0">
               <a:ln>
@@ -7700,7 +7700,7 @@
             <a:fld id="{8C5BEB32-F9B7-4A26-A503-E0A0BBE82DBD}" type="datetimeFigureOut">
               <a:rPr lang="zh-CN" altLang="en-US" smtClean="0"/>
               <a:pPr/>
-              <a:t>2020/5/24</a:t>
+              <a:t>2020/6/4</a:t>
             </a:fld>
             <a:endParaRPr lang="zh-CN" altLang="en-US"/>
           </a:p>
@@ -8305,7 +8305,7 @@
               <a:pPr>
                 <a:defRPr/>
               </a:pPr>
-              <a:t>2020/5/24</a:t>
+              <a:t>2020/6/4</a:t>
             </a:fld>
             <a:endParaRPr lang="zh-CN" altLang="en-US" sz="1200" dirty="0">
               <a:solidFill>
@@ -9169,7 +9169,19 @@
           <a:p>
             <a:pPr algn="ctr"/>
             <a:r>
-              <a:rPr kumimoji="1" lang="zh-CN" altLang="en-US" sz="1100" dirty="0"/>
+              <a:rPr kumimoji="1" lang="zh-CN" altLang="en-US" sz="1100" dirty="0">
+                <a:ln w="0"/>
+                <a:solidFill>
+                  <a:schemeClr val="bg1"/>
+                </a:solidFill>
+                <a:effectLst>
+                  <a:outerShdw blurRad="38100" dist="25400" dir="5400000" algn="ctr" rotWithShape="0">
+                    <a:srgbClr val="6E747A">
+                      <a:alpha val="43000"/>
+                    </a:srgbClr>
+                  </a:outerShdw>
+                </a:effectLst>
+              </a:rPr>
               <a:t>准备就绪</a:t>
             </a:r>
           </a:p>
@@ -9224,7 +9236,19 @@
           <a:p>
             <a:pPr algn="ctr"/>
             <a:r>
-              <a:rPr kumimoji="1" lang="zh-CN" altLang="en-US" sz="1100" dirty="0"/>
+              <a:rPr kumimoji="1" lang="zh-CN" altLang="en-US" sz="1100" dirty="0">
+                <a:ln w="0"/>
+                <a:solidFill>
+                  <a:schemeClr val="bg1"/>
+                </a:solidFill>
+                <a:effectLst>
+                  <a:outerShdw blurRad="38100" dist="25400" dir="5400000" algn="ctr" rotWithShape="0">
+                    <a:srgbClr val="6E747A">
+                      <a:alpha val="43000"/>
+                    </a:srgbClr>
+                  </a:outerShdw>
+                </a:effectLst>
+              </a:rPr>
               <a:t>协程创建</a:t>
             </a:r>
           </a:p>
@@ -9279,7 +9303,19 @@
           <a:p>
             <a:pPr algn="ctr"/>
             <a:r>
-              <a:rPr kumimoji="1" lang="zh-CN" altLang="en-US" sz="1100" dirty="0"/>
+              <a:rPr kumimoji="1" lang="zh-CN" altLang="en-US" sz="1100" dirty="0">
+                <a:ln w="0"/>
+                <a:solidFill>
+                  <a:schemeClr val="bg1"/>
+                </a:solidFill>
+                <a:effectLst>
+                  <a:outerShdw blurRad="38100" dist="25400" dir="5400000" algn="ctr" rotWithShape="0">
+                    <a:srgbClr val="6E747A">
+                      <a:alpha val="43000"/>
+                    </a:srgbClr>
+                  </a:outerShdw>
+                </a:effectLst>
+              </a:rPr>
               <a:t>协程运行</a:t>
             </a:r>
           </a:p>
@@ -9426,7 +9462,19 @@
           <a:p>
             <a:pPr algn="ctr"/>
             <a:r>
-              <a:rPr kumimoji="1" lang="zh-CN" altLang="en-US" sz="1100" dirty="0"/>
+              <a:rPr kumimoji="1" lang="zh-CN" altLang="en-US" sz="1100" dirty="0">
+                <a:ln w="0"/>
+                <a:solidFill>
+                  <a:schemeClr val="bg1"/>
+                </a:solidFill>
+                <a:effectLst>
+                  <a:outerShdw blurRad="38100" dist="25400" dir="5400000" algn="ctr" rotWithShape="0">
+                    <a:srgbClr val="6E747A">
+                      <a:alpha val="43000"/>
+                    </a:srgbClr>
+                  </a:outerShdw>
+                </a:effectLst>
+              </a:rPr>
               <a:t>协程挂起</a:t>
             </a:r>
           </a:p>
@@ -9481,7 +9529,19 @@
           <a:p>
             <a:pPr algn="ctr"/>
             <a:r>
-              <a:rPr kumimoji="1" lang="zh-CN" altLang="en-US" sz="1100" dirty="0"/>
+              <a:rPr kumimoji="1" lang="zh-CN" altLang="en-US" sz="1100" dirty="0">
+                <a:ln w="0"/>
+                <a:solidFill>
+                  <a:schemeClr val="bg1"/>
+                </a:solidFill>
+                <a:effectLst>
+                  <a:outerShdw blurRad="38100" dist="25400" dir="5400000" algn="ctr" rotWithShape="0">
+                    <a:srgbClr val="6E747A">
+                      <a:alpha val="43000"/>
+                    </a:srgbClr>
+                  </a:outerShdw>
+                </a:effectLst>
+              </a:rPr>
               <a:t>协程退出</a:t>
             </a:r>
           </a:p>
@@ -9667,7 +9727,19 @@
           <a:lstStyle/>
           <a:p>
             <a:pPr algn="ctr"/>
-            <a:endParaRPr kumimoji="1" lang="zh-CN" altLang="en-US"/>
+            <a:endParaRPr kumimoji="1" lang="zh-CN" altLang="en-US">
+              <a:ln w="0"/>
+              <a:solidFill>
+                <a:schemeClr val="bg1"/>
+              </a:solidFill>
+              <a:effectLst>
+                <a:outerShdw blurRad="38100" dist="25400" dir="5400000" algn="ctr" rotWithShape="0">
+                  <a:srgbClr val="6E747A">
+                    <a:alpha val="43000"/>
+                  </a:srgbClr>
+                </a:outerShdw>
+              </a:effectLst>
+            </a:endParaRPr>
           </a:p>
         </p:txBody>
       </p:sp>
